--- a/Presentations/Python API-Basics.pptx
+++ b/Presentations/Python API-Basics.pptx
@@ -220,7 +220,7 @@
           <a:p>
             <a:fld id="{C4CAD8F6-FF7C-447F-A91D-4FA7CFC9C0C5}" type="datetimeFigureOut">
               <a:rPr lang="en-GB" smtClean="0"/>
-              <a:t>09/09/2018</a:t>
+              <a:t>11/09/2018</a:t>
             </a:fld>
             <a:endParaRPr lang="en-GB"/>
           </a:p>
@@ -390,7 +390,7 @@
             <a:fld id="{45B75E70-762A-4375-AA7C-DE9BB7CC9339}" type="datetimeFigureOut">
               <a:rPr lang="de-DE" smtClean="0"/>
               <a:pPr/>
-              <a:t>09.09.2018</a:t>
+              <a:t>11.09.2018</a:t>
             </a:fld>
             <a:endParaRPr lang="de-DE" dirty="0"/>
           </a:p>
@@ -661,6 +661,2216 @@
     </a:lvl9pPr>
   </p:notesStyle>
 </p:notesMaster>
+</file>
+
+<file path=ppt/notesSlides/notesSlide1.xml><?xml version="1.0" encoding="utf-8"?>
+<p:notes xmlns:a="http://schemas.openxmlformats.org/drawingml/2006/main" xmlns:r="http://schemas.openxmlformats.org/officeDocument/2006/relationships" xmlns:p="http://schemas.openxmlformats.org/presentationml/2006/main">
+  <p:cSld>
+    <p:spTree>
+      <p:nvGrpSpPr>
+        <p:cNvPr id="1" name=""/>
+        <p:cNvGrpSpPr/>
+        <p:nvPr/>
+      </p:nvGrpSpPr>
+      <p:grpSpPr>
+        <a:xfrm>
+          <a:off x="0" y="0"/>
+          <a:ext cx="0" cy="0"/>
+          <a:chOff x="0" y="0"/>
+          <a:chExt cx="0" cy="0"/>
+        </a:xfrm>
+      </p:grpSpPr>
+      <p:sp>
+        <p:nvSpPr>
+          <p:cNvPr id="2" name="Folienbildplatzhalter 1"/>
+          <p:cNvSpPr>
+            <a:spLocks noGrp="1" noRot="1" noChangeAspect="1"/>
+          </p:cNvSpPr>
+          <p:nvPr>
+            <p:ph type="sldImg"/>
+          </p:nvPr>
+        </p:nvSpPr>
+        <p:spPr/>
+      </p:sp>
+      <p:sp>
+        <p:nvSpPr>
+          <p:cNvPr id="3" name="Notizenplatzhalter 2"/>
+          <p:cNvSpPr>
+            <a:spLocks noGrp="1"/>
+          </p:cNvSpPr>
+          <p:nvPr>
+            <p:ph type="body" idx="1"/>
+          </p:nvPr>
+        </p:nvSpPr>
+        <p:spPr/>
+        <p:txBody>
+          <a:bodyPr/>
+          <a:lstStyle/>
+          <a:p>
+            <a:endParaRPr lang="en-US"/>
+          </a:p>
+        </p:txBody>
+      </p:sp>
+      <p:sp>
+        <p:nvSpPr>
+          <p:cNvPr id="4" name="Foliennummernplatzhalter 3"/>
+          <p:cNvSpPr>
+            <a:spLocks noGrp="1"/>
+          </p:cNvSpPr>
+          <p:nvPr>
+            <p:ph type="sldNum" sz="quarter" idx="10"/>
+          </p:nvPr>
+        </p:nvSpPr>
+        <p:spPr/>
+        <p:txBody>
+          <a:bodyPr/>
+          <a:lstStyle/>
+          <a:p>
+            <a:fld id="{DF1895BC-06EC-475A-97CA-BF53472F2E03}" type="slidenum">
+              <a:rPr lang="de-DE" smtClean="0"/>
+              <a:pPr/>
+              <a:t>1</a:t>
+            </a:fld>
+            <a:endParaRPr lang="de-DE" dirty="0"/>
+          </a:p>
+        </p:txBody>
+      </p:sp>
+    </p:spTree>
+    <p:extLst>
+      <p:ext uri="{BB962C8B-B14F-4D97-AF65-F5344CB8AC3E}">
+        <p14:creationId xmlns:p14="http://schemas.microsoft.com/office/powerpoint/2010/main" val="3466837082"/>
+      </p:ext>
+    </p:extLst>
+  </p:cSld>
+  <p:clrMapOvr>
+    <a:masterClrMapping/>
+  </p:clrMapOvr>
+</p:notes>
+</file>
+
+<file path=ppt/notesSlides/notesSlide10.xml><?xml version="1.0" encoding="utf-8"?>
+<p:notes xmlns:a="http://schemas.openxmlformats.org/drawingml/2006/main" xmlns:r="http://schemas.openxmlformats.org/officeDocument/2006/relationships" xmlns:p="http://schemas.openxmlformats.org/presentationml/2006/main">
+  <p:cSld>
+    <p:spTree>
+      <p:nvGrpSpPr>
+        <p:cNvPr id="1" name=""/>
+        <p:cNvGrpSpPr/>
+        <p:nvPr/>
+      </p:nvGrpSpPr>
+      <p:grpSpPr>
+        <a:xfrm>
+          <a:off x="0" y="0"/>
+          <a:ext cx="0" cy="0"/>
+          <a:chOff x="0" y="0"/>
+          <a:chExt cx="0" cy="0"/>
+        </a:xfrm>
+      </p:grpSpPr>
+      <p:sp>
+        <p:nvSpPr>
+          <p:cNvPr id="2" name="Folienbildplatzhalter 1"/>
+          <p:cNvSpPr>
+            <a:spLocks noGrp="1" noRot="1" noChangeAspect="1"/>
+          </p:cNvSpPr>
+          <p:nvPr>
+            <p:ph type="sldImg"/>
+          </p:nvPr>
+        </p:nvSpPr>
+        <p:spPr/>
+      </p:sp>
+      <p:sp>
+        <p:nvSpPr>
+          <p:cNvPr id="3" name="Notizenplatzhalter 2"/>
+          <p:cNvSpPr>
+            <a:spLocks noGrp="1"/>
+          </p:cNvSpPr>
+          <p:nvPr>
+            <p:ph type="body" idx="1"/>
+          </p:nvPr>
+        </p:nvSpPr>
+        <p:spPr/>
+        <p:txBody>
+          <a:bodyPr/>
+          <a:lstStyle/>
+          <a:p>
+            <a:endParaRPr lang="en-US"/>
+          </a:p>
+        </p:txBody>
+      </p:sp>
+      <p:sp>
+        <p:nvSpPr>
+          <p:cNvPr id="4" name="Foliennummernplatzhalter 3"/>
+          <p:cNvSpPr>
+            <a:spLocks noGrp="1"/>
+          </p:cNvSpPr>
+          <p:nvPr>
+            <p:ph type="sldNum" sz="quarter" idx="10"/>
+          </p:nvPr>
+        </p:nvSpPr>
+        <p:spPr/>
+        <p:txBody>
+          <a:bodyPr/>
+          <a:lstStyle/>
+          <a:p>
+            <a:fld id="{DF1895BC-06EC-475A-97CA-BF53472F2E03}" type="slidenum">
+              <a:rPr lang="de-DE" smtClean="0"/>
+              <a:pPr/>
+              <a:t>10</a:t>
+            </a:fld>
+            <a:endParaRPr lang="de-DE" dirty="0"/>
+          </a:p>
+        </p:txBody>
+      </p:sp>
+    </p:spTree>
+    <p:extLst>
+      <p:ext uri="{BB962C8B-B14F-4D97-AF65-F5344CB8AC3E}">
+        <p14:creationId xmlns:p14="http://schemas.microsoft.com/office/powerpoint/2010/main" val="2911163472"/>
+      </p:ext>
+    </p:extLst>
+  </p:cSld>
+  <p:clrMapOvr>
+    <a:masterClrMapping/>
+  </p:clrMapOvr>
+</p:notes>
+</file>
+
+<file path=ppt/notesSlides/notesSlide11.xml><?xml version="1.0" encoding="utf-8"?>
+<p:notes xmlns:a="http://schemas.openxmlformats.org/drawingml/2006/main" xmlns:r="http://schemas.openxmlformats.org/officeDocument/2006/relationships" xmlns:p="http://schemas.openxmlformats.org/presentationml/2006/main">
+  <p:cSld>
+    <p:spTree>
+      <p:nvGrpSpPr>
+        <p:cNvPr id="1" name=""/>
+        <p:cNvGrpSpPr/>
+        <p:nvPr/>
+      </p:nvGrpSpPr>
+      <p:grpSpPr>
+        <a:xfrm>
+          <a:off x="0" y="0"/>
+          <a:ext cx="0" cy="0"/>
+          <a:chOff x="0" y="0"/>
+          <a:chExt cx="0" cy="0"/>
+        </a:xfrm>
+      </p:grpSpPr>
+      <p:sp>
+        <p:nvSpPr>
+          <p:cNvPr id="2" name="Folienbildplatzhalter 1"/>
+          <p:cNvSpPr>
+            <a:spLocks noGrp="1" noRot="1" noChangeAspect="1"/>
+          </p:cNvSpPr>
+          <p:nvPr>
+            <p:ph type="sldImg"/>
+          </p:nvPr>
+        </p:nvSpPr>
+        <p:spPr/>
+      </p:sp>
+      <p:sp>
+        <p:nvSpPr>
+          <p:cNvPr id="3" name="Notizenplatzhalter 2"/>
+          <p:cNvSpPr>
+            <a:spLocks noGrp="1"/>
+          </p:cNvSpPr>
+          <p:nvPr>
+            <p:ph type="body" idx="1"/>
+          </p:nvPr>
+        </p:nvSpPr>
+        <p:spPr/>
+        <p:txBody>
+          <a:bodyPr/>
+          <a:lstStyle/>
+          <a:p>
+            <a:endParaRPr lang="en-US"/>
+          </a:p>
+        </p:txBody>
+      </p:sp>
+      <p:sp>
+        <p:nvSpPr>
+          <p:cNvPr id="4" name="Foliennummernplatzhalter 3"/>
+          <p:cNvSpPr>
+            <a:spLocks noGrp="1"/>
+          </p:cNvSpPr>
+          <p:nvPr>
+            <p:ph type="sldNum" sz="quarter" idx="10"/>
+          </p:nvPr>
+        </p:nvSpPr>
+        <p:spPr/>
+        <p:txBody>
+          <a:bodyPr/>
+          <a:lstStyle/>
+          <a:p>
+            <a:fld id="{DF1895BC-06EC-475A-97CA-BF53472F2E03}" type="slidenum">
+              <a:rPr lang="de-DE" smtClean="0"/>
+              <a:pPr/>
+              <a:t>11</a:t>
+            </a:fld>
+            <a:endParaRPr lang="de-DE" dirty="0"/>
+          </a:p>
+        </p:txBody>
+      </p:sp>
+    </p:spTree>
+    <p:extLst>
+      <p:ext uri="{BB962C8B-B14F-4D97-AF65-F5344CB8AC3E}">
+        <p14:creationId xmlns:p14="http://schemas.microsoft.com/office/powerpoint/2010/main" val="517556658"/>
+      </p:ext>
+    </p:extLst>
+  </p:cSld>
+  <p:clrMapOvr>
+    <a:masterClrMapping/>
+  </p:clrMapOvr>
+</p:notes>
+</file>
+
+<file path=ppt/notesSlides/notesSlide12.xml><?xml version="1.0" encoding="utf-8"?>
+<p:notes xmlns:a="http://schemas.openxmlformats.org/drawingml/2006/main" xmlns:r="http://schemas.openxmlformats.org/officeDocument/2006/relationships" xmlns:p="http://schemas.openxmlformats.org/presentationml/2006/main">
+  <p:cSld>
+    <p:spTree>
+      <p:nvGrpSpPr>
+        <p:cNvPr id="1" name=""/>
+        <p:cNvGrpSpPr/>
+        <p:nvPr/>
+      </p:nvGrpSpPr>
+      <p:grpSpPr>
+        <a:xfrm>
+          <a:off x="0" y="0"/>
+          <a:ext cx="0" cy="0"/>
+          <a:chOff x="0" y="0"/>
+          <a:chExt cx="0" cy="0"/>
+        </a:xfrm>
+      </p:grpSpPr>
+      <p:sp>
+        <p:nvSpPr>
+          <p:cNvPr id="2" name="Folienbildplatzhalter 1"/>
+          <p:cNvSpPr>
+            <a:spLocks noGrp="1" noRot="1" noChangeAspect="1"/>
+          </p:cNvSpPr>
+          <p:nvPr>
+            <p:ph type="sldImg"/>
+          </p:nvPr>
+        </p:nvSpPr>
+        <p:spPr/>
+      </p:sp>
+      <p:sp>
+        <p:nvSpPr>
+          <p:cNvPr id="3" name="Notizenplatzhalter 2"/>
+          <p:cNvSpPr>
+            <a:spLocks noGrp="1"/>
+          </p:cNvSpPr>
+          <p:nvPr>
+            <p:ph type="body" idx="1"/>
+          </p:nvPr>
+        </p:nvSpPr>
+        <p:spPr/>
+        <p:txBody>
+          <a:bodyPr/>
+          <a:lstStyle/>
+          <a:p>
+            <a:endParaRPr lang="en-US"/>
+          </a:p>
+        </p:txBody>
+      </p:sp>
+      <p:sp>
+        <p:nvSpPr>
+          <p:cNvPr id="4" name="Foliennummernplatzhalter 3"/>
+          <p:cNvSpPr>
+            <a:spLocks noGrp="1"/>
+          </p:cNvSpPr>
+          <p:nvPr>
+            <p:ph type="sldNum" sz="quarter" idx="10"/>
+          </p:nvPr>
+        </p:nvSpPr>
+        <p:spPr/>
+        <p:txBody>
+          <a:bodyPr/>
+          <a:lstStyle/>
+          <a:p>
+            <a:fld id="{DF1895BC-06EC-475A-97CA-BF53472F2E03}" type="slidenum">
+              <a:rPr lang="de-DE" smtClean="0"/>
+              <a:pPr/>
+              <a:t>12</a:t>
+            </a:fld>
+            <a:endParaRPr lang="de-DE" dirty="0"/>
+          </a:p>
+        </p:txBody>
+      </p:sp>
+    </p:spTree>
+    <p:extLst>
+      <p:ext uri="{BB962C8B-B14F-4D97-AF65-F5344CB8AC3E}">
+        <p14:creationId xmlns:p14="http://schemas.microsoft.com/office/powerpoint/2010/main" val="3906196831"/>
+      </p:ext>
+    </p:extLst>
+  </p:cSld>
+  <p:clrMapOvr>
+    <a:masterClrMapping/>
+  </p:clrMapOvr>
+</p:notes>
+</file>
+
+<file path=ppt/notesSlides/notesSlide13.xml><?xml version="1.0" encoding="utf-8"?>
+<p:notes xmlns:a="http://schemas.openxmlformats.org/drawingml/2006/main" xmlns:r="http://schemas.openxmlformats.org/officeDocument/2006/relationships" xmlns:p="http://schemas.openxmlformats.org/presentationml/2006/main">
+  <p:cSld>
+    <p:spTree>
+      <p:nvGrpSpPr>
+        <p:cNvPr id="1" name=""/>
+        <p:cNvGrpSpPr/>
+        <p:nvPr/>
+      </p:nvGrpSpPr>
+      <p:grpSpPr>
+        <a:xfrm>
+          <a:off x="0" y="0"/>
+          <a:ext cx="0" cy="0"/>
+          <a:chOff x="0" y="0"/>
+          <a:chExt cx="0" cy="0"/>
+        </a:xfrm>
+      </p:grpSpPr>
+      <p:sp>
+        <p:nvSpPr>
+          <p:cNvPr id="2" name="Folienbildplatzhalter 1"/>
+          <p:cNvSpPr>
+            <a:spLocks noGrp="1" noRot="1" noChangeAspect="1"/>
+          </p:cNvSpPr>
+          <p:nvPr>
+            <p:ph type="sldImg"/>
+          </p:nvPr>
+        </p:nvSpPr>
+        <p:spPr/>
+      </p:sp>
+      <p:sp>
+        <p:nvSpPr>
+          <p:cNvPr id="3" name="Notizenplatzhalter 2"/>
+          <p:cNvSpPr>
+            <a:spLocks noGrp="1"/>
+          </p:cNvSpPr>
+          <p:nvPr>
+            <p:ph type="body" idx="1"/>
+          </p:nvPr>
+        </p:nvSpPr>
+        <p:spPr/>
+        <p:txBody>
+          <a:bodyPr/>
+          <a:lstStyle/>
+          <a:p>
+            <a:endParaRPr lang="en-US"/>
+          </a:p>
+        </p:txBody>
+      </p:sp>
+      <p:sp>
+        <p:nvSpPr>
+          <p:cNvPr id="4" name="Foliennummernplatzhalter 3"/>
+          <p:cNvSpPr>
+            <a:spLocks noGrp="1"/>
+          </p:cNvSpPr>
+          <p:nvPr>
+            <p:ph type="sldNum" sz="quarter" idx="10"/>
+          </p:nvPr>
+        </p:nvSpPr>
+        <p:spPr/>
+        <p:txBody>
+          <a:bodyPr/>
+          <a:lstStyle/>
+          <a:p>
+            <a:fld id="{DF1895BC-06EC-475A-97CA-BF53472F2E03}" type="slidenum">
+              <a:rPr lang="de-DE" smtClean="0"/>
+              <a:pPr/>
+              <a:t>13</a:t>
+            </a:fld>
+            <a:endParaRPr lang="de-DE" dirty="0"/>
+          </a:p>
+        </p:txBody>
+      </p:sp>
+    </p:spTree>
+    <p:extLst>
+      <p:ext uri="{BB962C8B-B14F-4D97-AF65-F5344CB8AC3E}">
+        <p14:creationId xmlns:p14="http://schemas.microsoft.com/office/powerpoint/2010/main" val="1933519064"/>
+      </p:ext>
+    </p:extLst>
+  </p:cSld>
+  <p:clrMapOvr>
+    <a:masterClrMapping/>
+  </p:clrMapOvr>
+</p:notes>
+</file>
+
+<file path=ppt/notesSlides/notesSlide14.xml><?xml version="1.0" encoding="utf-8"?>
+<p:notes xmlns:a="http://schemas.openxmlformats.org/drawingml/2006/main" xmlns:r="http://schemas.openxmlformats.org/officeDocument/2006/relationships" xmlns:p="http://schemas.openxmlformats.org/presentationml/2006/main">
+  <p:cSld>
+    <p:spTree>
+      <p:nvGrpSpPr>
+        <p:cNvPr id="1" name=""/>
+        <p:cNvGrpSpPr/>
+        <p:nvPr/>
+      </p:nvGrpSpPr>
+      <p:grpSpPr>
+        <a:xfrm>
+          <a:off x="0" y="0"/>
+          <a:ext cx="0" cy="0"/>
+          <a:chOff x="0" y="0"/>
+          <a:chExt cx="0" cy="0"/>
+        </a:xfrm>
+      </p:grpSpPr>
+      <p:sp>
+        <p:nvSpPr>
+          <p:cNvPr id="2" name="Folienbildplatzhalter 1"/>
+          <p:cNvSpPr>
+            <a:spLocks noGrp="1" noRot="1" noChangeAspect="1"/>
+          </p:cNvSpPr>
+          <p:nvPr>
+            <p:ph type="sldImg"/>
+          </p:nvPr>
+        </p:nvSpPr>
+        <p:spPr/>
+      </p:sp>
+      <p:sp>
+        <p:nvSpPr>
+          <p:cNvPr id="3" name="Notizenplatzhalter 2"/>
+          <p:cNvSpPr>
+            <a:spLocks noGrp="1"/>
+          </p:cNvSpPr>
+          <p:nvPr>
+            <p:ph type="body" idx="1"/>
+          </p:nvPr>
+        </p:nvSpPr>
+        <p:spPr/>
+        <p:txBody>
+          <a:bodyPr/>
+          <a:lstStyle/>
+          <a:p>
+            <a:endParaRPr lang="en-US"/>
+          </a:p>
+        </p:txBody>
+      </p:sp>
+      <p:sp>
+        <p:nvSpPr>
+          <p:cNvPr id="4" name="Foliennummernplatzhalter 3"/>
+          <p:cNvSpPr>
+            <a:spLocks noGrp="1"/>
+          </p:cNvSpPr>
+          <p:nvPr>
+            <p:ph type="sldNum" sz="quarter" idx="10"/>
+          </p:nvPr>
+        </p:nvSpPr>
+        <p:spPr/>
+        <p:txBody>
+          <a:bodyPr/>
+          <a:lstStyle/>
+          <a:p>
+            <a:fld id="{DF1895BC-06EC-475A-97CA-BF53472F2E03}" type="slidenum">
+              <a:rPr lang="de-DE" smtClean="0"/>
+              <a:pPr/>
+              <a:t>14</a:t>
+            </a:fld>
+            <a:endParaRPr lang="de-DE" dirty="0"/>
+          </a:p>
+        </p:txBody>
+      </p:sp>
+    </p:spTree>
+    <p:extLst>
+      <p:ext uri="{BB962C8B-B14F-4D97-AF65-F5344CB8AC3E}">
+        <p14:creationId xmlns:p14="http://schemas.microsoft.com/office/powerpoint/2010/main" val="3863487480"/>
+      </p:ext>
+    </p:extLst>
+  </p:cSld>
+  <p:clrMapOvr>
+    <a:masterClrMapping/>
+  </p:clrMapOvr>
+</p:notes>
+</file>
+
+<file path=ppt/notesSlides/notesSlide15.xml><?xml version="1.0" encoding="utf-8"?>
+<p:notes xmlns:a="http://schemas.openxmlformats.org/drawingml/2006/main" xmlns:r="http://schemas.openxmlformats.org/officeDocument/2006/relationships" xmlns:p="http://schemas.openxmlformats.org/presentationml/2006/main">
+  <p:cSld>
+    <p:spTree>
+      <p:nvGrpSpPr>
+        <p:cNvPr id="1" name=""/>
+        <p:cNvGrpSpPr/>
+        <p:nvPr/>
+      </p:nvGrpSpPr>
+      <p:grpSpPr>
+        <a:xfrm>
+          <a:off x="0" y="0"/>
+          <a:ext cx="0" cy="0"/>
+          <a:chOff x="0" y="0"/>
+          <a:chExt cx="0" cy="0"/>
+        </a:xfrm>
+      </p:grpSpPr>
+      <p:sp>
+        <p:nvSpPr>
+          <p:cNvPr id="2" name="Folienbildplatzhalter 1"/>
+          <p:cNvSpPr>
+            <a:spLocks noGrp="1" noRot="1" noChangeAspect="1"/>
+          </p:cNvSpPr>
+          <p:nvPr>
+            <p:ph type="sldImg"/>
+          </p:nvPr>
+        </p:nvSpPr>
+        <p:spPr/>
+      </p:sp>
+      <p:sp>
+        <p:nvSpPr>
+          <p:cNvPr id="3" name="Notizenplatzhalter 2"/>
+          <p:cNvSpPr>
+            <a:spLocks noGrp="1"/>
+          </p:cNvSpPr>
+          <p:nvPr>
+            <p:ph type="body" idx="1"/>
+          </p:nvPr>
+        </p:nvSpPr>
+        <p:spPr/>
+        <p:txBody>
+          <a:bodyPr/>
+          <a:lstStyle/>
+          <a:p>
+            <a:endParaRPr lang="en-US"/>
+          </a:p>
+        </p:txBody>
+      </p:sp>
+      <p:sp>
+        <p:nvSpPr>
+          <p:cNvPr id="4" name="Foliennummernplatzhalter 3"/>
+          <p:cNvSpPr>
+            <a:spLocks noGrp="1"/>
+          </p:cNvSpPr>
+          <p:nvPr>
+            <p:ph type="sldNum" sz="quarter" idx="10"/>
+          </p:nvPr>
+        </p:nvSpPr>
+        <p:spPr/>
+        <p:txBody>
+          <a:bodyPr/>
+          <a:lstStyle/>
+          <a:p>
+            <a:fld id="{DF1895BC-06EC-475A-97CA-BF53472F2E03}" type="slidenum">
+              <a:rPr lang="de-DE" smtClean="0"/>
+              <a:pPr/>
+              <a:t>15</a:t>
+            </a:fld>
+            <a:endParaRPr lang="de-DE" dirty="0"/>
+          </a:p>
+        </p:txBody>
+      </p:sp>
+    </p:spTree>
+    <p:extLst>
+      <p:ext uri="{BB962C8B-B14F-4D97-AF65-F5344CB8AC3E}">
+        <p14:creationId xmlns:p14="http://schemas.microsoft.com/office/powerpoint/2010/main" val="3221789655"/>
+      </p:ext>
+    </p:extLst>
+  </p:cSld>
+  <p:clrMapOvr>
+    <a:masterClrMapping/>
+  </p:clrMapOvr>
+</p:notes>
+</file>
+
+<file path=ppt/notesSlides/notesSlide16.xml><?xml version="1.0" encoding="utf-8"?>
+<p:notes xmlns:a="http://schemas.openxmlformats.org/drawingml/2006/main" xmlns:r="http://schemas.openxmlformats.org/officeDocument/2006/relationships" xmlns:p="http://schemas.openxmlformats.org/presentationml/2006/main">
+  <p:cSld>
+    <p:spTree>
+      <p:nvGrpSpPr>
+        <p:cNvPr id="1" name=""/>
+        <p:cNvGrpSpPr/>
+        <p:nvPr/>
+      </p:nvGrpSpPr>
+      <p:grpSpPr>
+        <a:xfrm>
+          <a:off x="0" y="0"/>
+          <a:ext cx="0" cy="0"/>
+          <a:chOff x="0" y="0"/>
+          <a:chExt cx="0" cy="0"/>
+        </a:xfrm>
+      </p:grpSpPr>
+      <p:sp>
+        <p:nvSpPr>
+          <p:cNvPr id="2" name="Folienbildplatzhalter 1"/>
+          <p:cNvSpPr>
+            <a:spLocks noGrp="1" noRot="1" noChangeAspect="1"/>
+          </p:cNvSpPr>
+          <p:nvPr>
+            <p:ph type="sldImg"/>
+          </p:nvPr>
+        </p:nvSpPr>
+        <p:spPr/>
+      </p:sp>
+      <p:sp>
+        <p:nvSpPr>
+          <p:cNvPr id="3" name="Notizenplatzhalter 2"/>
+          <p:cNvSpPr>
+            <a:spLocks noGrp="1"/>
+          </p:cNvSpPr>
+          <p:nvPr>
+            <p:ph type="body" idx="1"/>
+          </p:nvPr>
+        </p:nvSpPr>
+        <p:spPr/>
+        <p:txBody>
+          <a:bodyPr/>
+          <a:lstStyle/>
+          <a:p>
+            <a:endParaRPr lang="en-US"/>
+          </a:p>
+        </p:txBody>
+      </p:sp>
+      <p:sp>
+        <p:nvSpPr>
+          <p:cNvPr id="4" name="Foliennummernplatzhalter 3"/>
+          <p:cNvSpPr>
+            <a:spLocks noGrp="1"/>
+          </p:cNvSpPr>
+          <p:nvPr>
+            <p:ph type="sldNum" sz="quarter" idx="10"/>
+          </p:nvPr>
+        </p:nvSpPr>
+        <p:spPr/>
+        <p:txBody>
+          <a:bodyPr/>
+          <a:lstStyle/>
+          <a:p>
+            <a:fld id="{DF1895BC-06EC-475A-97CA-BF53472F2E03}" type="slidenum">
+              <a:rPr lang="de-DE" smtClean="0"/>
+              <a:pPr/>
+              <a:t>16</a:t>
+            </a:fld>
+            <a:endParaRPr lang="de-DE" dirty="0"/>
+          </a:p>
+        </p:txBody>
+      </p:sp>
+    </p:spTree>
+    <p:extLst>
+      <p:ext uri="{BB962C8B-B14F-4D97-AF65-F5344CB8AC3E}">
+        <p14:creationId xmlns:p14="http://schemas.microsoft.com/office/powerpoint/2010/main" val="2263210749"/>
+      </p:ext>
+    </p:extLst>
+  </p:cSld>
+  <p:clrMapOvr>
+    <a:masterClrMapping/>
+  </p:clrMapOvr>
+</p:notes>
+</file>
+
+<file path=ppt/notesSlides/notesSlide17.xml><?xml version="1.0" encoding="utf-8"?>
+<p:notes xmlns:a="http://schemas.openxmlformats.org/drawingml/2006/main" xmlns:r="http://schemas.openxmlformats.org/officeDocument/2006/relationships" xmlns:p="http://schemas.openxmlformats.org/presentationml/2006/main">
+  <p:cSld>
+    <p:spTree>
+      <p:nvGrpSpPr>
+        <p:cNvPr id="1" name=""/>
+        <p:cNvGrpSpPr/>
+        <p:nvPr/>
+      </p:nvGrpSpPr>
+      <p:grpSpPr>
+        <a:xfrm>
+          <a:off x="0" y="0"/>
+          <a:ext cx="0" cy="0"/>
+          <a:chOff x="0" y="0"/>
+          <a:chExt cx="0" cy="0"/>
+        </a:xfrm>
+      </p:grpSpPr>
+      <p:sp>
+        <p:nvSpPr>
+          <p:cNvPr id="2" name="Folienbildplatzhalter 1"/>
+          <p:cNvSpPr>
+            <a:spLocks noGrp="1" noRot="1" noChangeAspect="1"/>
+          </p:cNvSpPr>
+          <p:nvPr>
+            <p:ph type="sldImg"/>
+          </p:nvPr>
+        </p:nvSpPr>
+        <p:spPr/>
+      </p:sp>
+      <p:sp>
+        <p:nvSpPr>
+          <p:cNvPr id="3" name="Notizenplatzhalter 2"/>
+          <p:cNvSpPr>
+            <a:spLocks noGrp="1"/>
+          </p:cNvSpPr>
+          <p:nvPr>
+            <p:ph type="body" idx="1"/>
+          </p:nvPr>
+        </p:nvSpPr>
+        <p:spPr/>
+        <p:txBody>
+          <a:bodyPr/>
+          <a:lstStyle/>
+          <a:p>
+            <a:endParaRPr lang="en-US"/>
+          </a:p>
+        </p:txBody>
+      </p:sp>
+      <p:sp>
+        <p:nvSpPr>
+          <p:cNvPr id="4" name="Foliennummernplatzhalter 3"/>
+          <p:cNvSpPr>
+            <a:spLocks noGrp="1"/>
+          </p:cNvSpPr>
+          <p:nvPr>
+            <p:ph type="sldNum" sz="quarter" idx="10"/>
+          </p:nvPr>
+        </p:nvSpPr>
+        <p:spPr/>
+        <p:txBody>
+          <a:bodyPr/>
+          <a:lstStyle/>
+          <a:p>
+            <a:fld id="{DF1895BC-06EC-475A-97CA-BF53472F2E03}" type="slidenum">
+              <a:rPr lang="de-DE" smtClean="0"/>
+              <a:pPr/>
+              <a:t>17</a:t>
+            </a:fld>
+            <a:endParaRPr lang="de-DE" dirty="0"/>
+          </a:p>
+        </p:txBody>
+      </p:sp>
+    </p:spTree>
+    <p:extLst>
+      <p:ext uri="{BB962C8B-B14F-4D97-AF65-F5344CB8AC3E}">
+        <p14:creationId xmlns:p14="http://schemas.microsoft.com/office/powerpoint/2010/main" val="2224744016"/>
+      </p:ext>
+    </p:extLst>
+  </p:cSld>
+  <p:clrMapOvr>
+    <a:masterClrMapping/>
+  </p:clrMapOvr>
+</p:notes>
+</file>
+
+<file path=ppt/notesSlides/notesSlide18.xml><?xml version="1.0" encoding="utf-8"?>
+<p:notes xmlns:a="http://schemas.openxmlformats.org/drawingml/2006/main" xmlns:r="http://schemas.openxmlformats.org/officeDocument/2006/relationships" xmlns:p="http://schemas.openxmlformats.org/presentationml/2006/main">
+  <p:cSld>
+    <p:spTree>
+      <p:nvGrpSpPr>
+        <p:cNvPr id="1" name=""/>
+        <p:cNvGrpSpPr/>
+        <p:nvPr/>
+      </p:nvGrpSpPr>
+      <p:grpSpPr>
+        <a:xfrm>
+          <a:off x="0" y="0"/>
+          <a:ext cx="0" cy="0"/>
+          <a:chOff x="0" y="0"/>
+          <a:chExt cx="0" cy="0"/>
+        </a:xfrm>
+      </p:grpSpPr>
+      <p:sp>
+        <p:nvSpPr>
+          <p:cNvPr id="2" name="Folienbildplatzhalter 1"/>
+          <p:cNvSpPr>
+            <a:spLocks noGrp="1" noRot="1" noChangeAspect="1"/>
+          </p:cNvSpPr>
+          <p:nvPr>
+            <p:ph type="sldImg"/>
+          </p:nvPr>
+        </p:nvSpPr>
+        <p:spPr/>
+      </p:sp>
+      <p:sp>
+        <p:nvSpPr>
+          <p:cNvPr id="3" name="Notizenplatzhalter 2"/>
+          <p:cNvSpPr>
+            <a:spLocks noGrp="1"/>
+          </p:cNvSpPr>
+          <p:nvPr>
+            <p:ph type="body" idx="1"/>
+          </p:nvPr>
+        </p:nvSpPr>
+        <p:spPr/>
+        <p:txBody>
+          <a:bodyPr/>
+          <a:lstStyle/>
+          <a:p>
+            <a:endParaRPr lang="en-US"/>
+          </a:p>
+        </p:txBody>
+      </p:sp>
+      <p:sp>
+        <p:nvSpPr>
+          <p:cNvPr id="4" name="Foliennummernplatzhalter 3"/>
+          <p:cNvSpPr>
+            <a:spLocks noGrp="1"/>
+          </p:cNvSpPr>
+          <p:nvPr>
+            <p:ph type="sldNum" sz="quarter" idx="10"/>
+          </p:nvPr>
+        </p:nvSpPr>
+        <p:spPr/>
+        <p:txBody>
+          <a:bodyPr/>
+          <a:lstStyle/>
+          <a:p>
+            <a:fld id="{DF1895BC-06EC-475A-97CA-BF53472F2E03}" type="slidenum">
+              <a:rPr lang="de-DE" smtClean="0"/>
+              <a:pPr/>
+              <a:t>18</a:t>
+            </a:fld>
+            <a:endParaRPr lang="de-DE" dirty="0"/>
+          </a:p>
+        </p:txBody>
+      </p:sp>
+    </p:spTree>
+    <p:extLst>
+      <p:ext uri="{BB962C8B-B14F-4D97-AF65-F5344CB8AC3E}">
+        <p14:creationId xmlns:p14="http://schemas.microsoft.com/office/powerpoint/2010/main" val="3564989257"/>
+      </p:ext>
+    </p:extLst>
+  </p:cSld>
+  <p:clrMapOvr>
+    <a:masterClrMapping/>
+  </p:clrMapOvr>
+</p:notes>
+</file>
+
+<file path=ppt/notesSlides/notesSlide19.xml><?xml version="1.0" encoding="utf-8"?>
+<p:notes xmlns:a="http://schemas.openxmlformats.org/drawingml/2006/main" xmlns:r="http://schemas.openxmlformats.org/officeDocument/2006/relationships" xmlns:p="http://schemas.openxmlformats.org/presentationml/2006/main">
+  <p:cSld>
+    <p:spTree>
+      <p:nvGrpSpPr>
+        <p:cNvPr id="1" name=""/>
+        <p:cNvGrpSpPr/>
+        <p:nvPr/>
+      </p:nvGrpSpPr>
+      <p:grpSpPr>
+        <a:xfrm>
+          <a:off x="0" y="0"/>
+          <a:ext cx="0" cy="0"/>
+          <a:chOff x="0" y="0"/>
+          <a:chExt cx="0" cy="0"/>
+        </a:xfrm>
+      </p:grpSpPr>
+      <p:sp>
+        <p:nvSpPr>
+          <p:cNvPr id="2" name="Folienbildplatzhalter 1"/>
+          <p:cNvSpPr>
+            <a:spLocks noGrp="1" noRot="1" noChangeAspect="1"/>
+          </p:cNvSpPr>
+          <p:nvPr>
+            <p:ph type="sldImg"/>
+          </p:nvPr>
+        </p:nvSpPr>
+        <p:spPr/>
+      </p:sp>
+      <p:sp>
+        <p:nvSpPr>
+          <p:cNvPr id="3" name="Notizenplatzhalter 2"/>
+          <p:cNvSpPr>
+            <a:spLocks noGrp="1"/>
+          </p:cNvSpPr>
+          <p:nvPr>
+            <p:ph type="body" idx="1"/>
+          </p:nvPr>
+        </p:nvSpPr>
+        <p:spPr/>
+        <p:txBody>
+          <a:bodyPr/>
+          <a:lstStyle/>
+          <a:p>
+            <a:endParaRPr lang="en-US"/>
+          </a:p>
+        </p:txBody>
+      </p:sp>
+      <p:sp>
+        <p:nvSpPr>
+          <p:cNvPr id="4" name="Foliennummernplatzhalter 3"/>
+          <p:cNvSpPr>
+            <a:spLocks noGrp="1"/>
+          </p:cNvSpPr>
+          <p:nvPr>
+            <p:ph type="sldNum" sz="quarter" idx="10"/>
+          </p:nvPr>
+        </p:nvSpPr>
+        <p:spPr/>
+        <p:txBody>
+          <a:bodyPr/>
+          <a:lstStyle/>
+          <a:p>
+            <a:fld id="{DF1895BC-06EC-475A-97CA-BF53472F2E03}" type="slidenum">
+              <a:rPr lang="de-DE" smtClean="0"/>
+              <a:pPr/>
+              <a:t>19</a:t>
+            </a:fld>
+            <a:endParaRPr lang="de-DE" dirty="0"/>
+          </a:p>
+        </p:txBody>
+      </p:sp>
+    </p:spTree>
+    <p:extLst>
+      <p:ext uri="{BB962C8B-B14F-4D97-AF65-F5344CB8AC3E}">
+        <p14:creationId xmlns:p14="http://schemas.microsoft.com/office/powerpoint/2010/main" val="1649424220"/>
+      </p:ext>
+    </p:extLst>
+  </p:cSld>
+  <p:clrMapOvr>
+    <a:masterClrMapping/>
+  </p:clrMapOvr>
+</p:notes>
+</file>
+
+<file path=ppt/notesSlides/notesSlide2.xml><?xml version="1.0" encoding="utf-8"?>
+<p:notes xmlns:a="http://schemas.openxmlformats.org/drawingml/2006/main" xmlns:r="http://schemas.openxmlformats.org/officeDocument/2006/relationships" xmlns:p="http://schemas.openxmlformats.org/presentationml/2006/main">
+  <p:cSld>
+    <p:spTree>
+      <p:nvGrpSpPr>
+        <p:cNvPr id="1" name=""/>
+        <p:cNvGrpSpPr/>
+        <p:nvPr/>
+      </p:nvGrpSpPr>
+      <p:grpSpPr>
+        <a:xfrm>
+          <a:off x="0" y="0"/>
+          <a:ext cx="0" cy="0"/>
+          <a:chOff x="0" y="0"/>
+          <a:chExt cx="0" cy="0"/>
+        </a:xfrm>
+      </p:grpSpPr>
+      <p:sp>
+        <p:nvSpPr>
+          <p:cNvPr id="2" name="Folienbildplatzhalter 1"/>
+          <p:cNvSpPr>
+            <a:spLocks noGrp="1" noRot="1" noChangeAspect="1"/>
+          </p:cNvSpPr>
+          <p:nvPr>
+            <p:ph type="sldImg"/>
+          </p:nvPr>
+        </p:nvSpPr>
+        <p:spPr/>
+      </p:sp>
+      <p:sp>
+        <p:nvSpPr>
+          <p:cNvPr id="3" name="Notizenplatzhalter 2"/>
+          <p:cNvSpPr>
+            <a:spLocks noGrp="1"/>
+          </p:cNvSpPr>
+          <p:nvPr>
+            <p:ph type="body" idx="1"/>
+          </p:nvPr>
+        </p:nvSpPr>
+        <p:spPr/>
+        <p:txBody>
+          <a:bodyPr/>
+          <a:lstStyle/>
+          <a:p>
+            <a:endParaRPr lang="en-US"/>
+          </a:p>
+        </p:txBody>
+      </p:sp>
+      <p:sp>
+        <p:nvSpPr>
+          <p:cNvPr id="4" name="Foliennummernplatzhalter 3"/>
+          <p:cNvSpPr>
+            <a:spLocks noGrp="1"/>
+          </p:cNvSpPr>
+          <p:nvPr>
+            <p:ph type="sldNum" sz="quarter" idx="10"/>
+          </p:nvPr>
+        </p:nvSpPr>
+        <p:spPr/>
+        <p:txBody>
+          <a:bodyPr/>
+          <a:lstStyle/>
+          <a:p>
+            <a:fld id="{DF1895BC-06EC-475A-97CA-BF53472F2E03}" type="slidenum">
+              <a:rPr lang="de-DE" smtClean="0"/>
+              <a:pPr/>
+              <a:t>2</a:t>
+            </a:fld>
+            <a:endParaRPr lang="de-DE" dirty="0"/>
+          </a:p>
+        </p:txBody>
+      </p:sp>
+    </p:spTree>
+    <p:extLst>
+      <p:ext uri="{BB962C8B-B14F-4D97-AF65-F5344CB8AC3E}">
+        <p14:creationId xmlns:p14="http://schemas.microsoft.com/office/powerpoint/2010/main" val="1225440431"/>
+      </p:ext>
+    </p:extLst>
+  </p:cSld>
+  <p:clrMapOvr>
+    <a:masterClrMapping/>
+  </p:clrMapOvr>
+</p:notes>
+</file>
+
+<file path=ppt/notesSlides/notesSlide20.xml><?xml version="1.0" encoding="utf-8"?>
+<p:notes xmlns:a="http://schemas.openxmlformats.org/drawingml/2006/main" xmlns:r="http://schemas.openxmlformats.org/officeDocument/2006/relationships" xmlns:p="http://schemas.openxmlformats.org/presentationml/2006/main">
+  <p:cSld>
+    <p:spTree>
+      <p:nvGrpSpPr>
+        <p:cNvPr id="1" name=""/>
+        <p:cNvGrpSpPr/>
+        <p:nvPr/>
+      </p:nvGrpSpPr>
+      <p:grpSpPr>
+        <a:xfrm>
+          <a:off x="0" y="0"/>
+          <a:ext cx="0" cy="0"/>
+          <a:chOff x="0" y="0"/>
+          <a:chExt cx="0" cy="0"/>
+        </a:xfrm>
+      </p:grpSpPr>
+      <p:sp>
+        <p:nvSpPr>
+          <p:cNvPr id="2" name="Folienbildplatzhalter 1"/>
+          <p:cNvSpPr>
+            <a:spLocks noGrp="1" noRot="1" noChangeAspect="1"/>
+          </p:cNvSpPr>
+          <p:nvPr>
+            <p:ph type="sldImg"/>
+          </p:nvPr>
+        </p:nvSpPr>
+        <p:spPr/>
+      </p:sp>
+      <p:sp>
+        <p:nvSpPr>
+          <p:cNvPr id="3" name="Notizenplatzhalter 2"/>
+          <p:cNvSpPr>
+            <a:spLocks noGrp="1"/>
+          </p:cNvSpPr>
+          <p:nvPr>
+            <p:ph type="body" idx="1"/>
+          </p:nvPr>
+        </p:nvSpPr>
+        <p:spPr/>
+        <p:txBody>
+          <a:bodyPr/>
+          <a:lstStyle/>
+          <a:p>
+            <a:endParaRPr lang="en-US"/>
+          </a:p>
+        </p:txBody>
+      </p:sp>
+      <p:sp>
+        <p:nvSpPr>
+          <p:cNvPr id="4" name="Foliennummernplatzhalter 3"/>
+          <p:cNvSpPr>
+            <a:spLocks noGrp="1"/>
+          </p:cNvSpPr>
+          <p:nvPr>
+            <p:ph type="sldNum" sz="quarter" idx="10"/>
+          </p:nvPr>
+        </p:nvSpPr>
+        <p:spPr/>
+        <p:txBody>
+          <a:bodyPr/>
+          <a:lstStyle/>
+          <a:p>
+            <a:fld id="{DF1895BC-06EC-475A-97CA-BF53472F2E03}" type="slidenum">
+              <a:rPr lang="de-DE" smtClean="0"/>
+              <a:pPr/>
+              <a:t>20</a:t>
+            </a:fld>
+            <a:endParaRPr lang="de-DE" dirty="0"/>
+          </a:p>
+        </p:txBody>
+      </p:sp>
+    </p:spTree>
+    <p:extLst>
+      <p:ext uri="{BB962C8B-B14F-4D97-AF65-F5344CB8AC3E}">
+        <p14:creationId xmlns:p14="http://schemas.microsoft.com/office/powerpoint/2010/main" val="2089523352"/>
+      </p:ext>
+    </p:extLst>
+  </p:cSld>
+  <p:clrMapOvr>
+    <a:masterClrMapping/>
+  </p:clrMapOvr>
+</p:notes>
+</file>
+
+<file path=ppt/notesSlides/notesSlide21.xml><?xml version="1.0" encoding="utf-8"?>
+<p:notes xmlns:a="http://schemas.openxmlformats.org/drawingml/2006/main" xmlns:r="http://schemas.openxmlformats.org/officeDocument/2006/relationships" xmlns:p="http://schemas.openxmlformats.org/presentationml/2006/main">
+  <p:cSld>
+    <p:spTree>
+      <p:nvGrpSpPr>
+        <p:cNvPr id="1" name=""/>
+        <p:cNvGrpSpPr/>
+        <p:nvPr/>
+      </p:nvGrpSpPr>
+      <p:grpSpPr>
+        <a:xfrm>
+          <a:off x="0" y="0"/>
+          <a:ext cx="0" cy="0"/>
+          <a:chOff x="0" y="0"/>
+          <a:chExt cx="0" cy="0"/>
+        </a:xfrm>
+      </p:grpSpPr>
+      <p:sp>
+        <p:nvSpPr>
+          <p:cNvPr id="2" name="Folienbildplatzhalter 1"/>
+          <p:cNvSpPr>
+            <a:spLocks noGrp="1" noRot="1" noChangeAspect="1"/>
+          </p:cNvSpPr>
+          <p:nvPr>
+            <p:ph type="sldImg"/>
+          </p:nvPr>
+        </p:nvSpPr>
+        <p:spPr/>
+      </p:sp>
+      <p:sp>
+        <p:nvSpPr>
+          <p:cNvPr id="3" name="Notizenplatzhalter 2"/>
+          <p:cNvSpPr>
+            <a:spLocks noGrp="1"/>
+          </p:cNvSpPr>
+          <p:nvPr>
+            <p:ph type="body" idx="1"/>
+          </p:nvPr>
+        </p:nvSpPr>
+        <p:spPr/>
+        <p:txBody>
+          <a:bodyPr/>
+          <a:lstStyle/>
+          <a:p>
+            <a:endParaRPr lang="en-US"/>
+          </a:p>
+        </p:txBody>
+      </p:sp>
+      <p:sp>
+        <p:nvSpPr>
+          <p:cNvPr id="4" name="Foliennummernplatzhalter 3"/>
+          <p:cNvSpPr>
+            <a:spLocks noGrp="1"/>
+          </p:cNvSpPr>
+          <p:nvPr>
+            <p:ph type="sldNum" sz="quarter" idx="10"/>
+          </p:nvPr>
+        </p:nvSpPr>
+        <p:spPr/>
+        <p:txBody>
+          <a:bodyPr/>
+          <a:lstStyle/>
+          <a:p>
+            <a:fld id="{DF1895BC-06EC-475A-97CA-BF53472F2E03}" type="slidenum">
+              <a:rPr lang="de-DE" smtClean="0"/>
+              <a:pPr/>
+              <a:t>21</a:t>
+            </a:fld>
+            <a:endParaRPr lang="de-DE" dirty="0"/>
+          </a:p>
+        </p:txBody>
+      </p:sp>
+    </p:spTree>
+    <p:extLst>
+      <p:ext uri="{BB962C8B-B14F-4D97-AF65-F5344CB8AC3E}">
+        <p14:creationId xmlns:p14="http://schemas.microsoft.com/office/powerpoint/2010/main" val="1926039629"/>
+      </p:ext>
+    </p:extLst>
+  </p:cSld>
+  <p:clrMapOvr>
+    <a:masterClrMapping/>
+  </p:clrMapOvr>
+</p:notes>
+</file>
+
+<file path=ppt/notesSlides/notesSlide22.xml><?xml version="1.0" encoding="utf-8"?>
+<p:notes xmlns:a="http://schemas.openxmlformats.org/drawingml/2006/main" xmlns:r="http://schemas.openxmlformats.org/officeDocument/2006/relationships" xmlns:p="http://schemas.openxmlformats.org/presentationml/2006/main">
+  <p:cSld>
+    <p:spTree>
+      <p:nvGrpSpPr>
+        <p:cNvPr id="1" name=""/>
+        <p:cNvGrpSpPr/>
+        <p:nvPr/>
+      </p:nvGrpSpPr>
+      <p:grpSpPr>
+        <a:xfrm>
+          <a:off x="0" y="0"/>
+          <a:ext cx="0" cy="0"/>
+          <a:chOff x="0" y="0"/>
+          <a:chExt cx="0" cy="0"/>
+        </a:xfrm>
+      </p:grpSpPr>
+      <p:sp>
+        <p:nvSpPr>
+          <p:cNvPr id="2" name="Folienbildplatzhalter 1"/>
+          <p:cNvSpPr>
+            <a:spLocks noGrp="1" noRot="1" noChangeAspect="1"/>
+          </p:cNvSpPr>
+          <p:nvPr>
+            <p:ph type="sldImg"/>
+          </p:nvPr>
+        </p:nvSpPr>
+        <p:spPr/>
+      </p:sp>
+      <p:sp>
+        <p:nvSpPr>
+          <p:cNvPr id="3" name="Notizenplatzhalter 2"/>
+          <p:cNvSpPr>
+            <a:spLocks noGrp="1"/>
+          </p:cNvSpPr>
+          <p:nvPr>
+            <p:ph type="body" idx="1"/>
+          </p:nvPr>
+        </p:nvSpPr>
+        <p:spPr/>
+        <p:txBody>
+          <a:bodyPr/>
+          <a:lstStyle/>
+          <a:p>
+            <a:endParaRPr lang="en-US"/>
+          </a:p>
+        </p:txBody>
+      </p:sp>
+      <p:sp>
+        <p:nvSpPr>
+          <p:cNvPr id="4" name="Foliennummernplatzhalter 3"/>
+          <p:cNvSpPr>
+            <a:spLocks noGrp="1"/>
+          </p:cNvSpPr>
+          <p:nvPr>
+            <p:ph type="sldNum" sz="quarter" idx="10"/>
+          </p:nvPr>
+        </p:nvSpPr>
+        <p:spPr/>
+        <p:txBody>
+          <a:bodyPr/>
+          <a:lstStyle/>
+          <a:p>
+            <a:fld id="{DF1895BC-06EC-475A-97CA-BF53472F2E03}" type="slidenum">
+              <a:rPr lang="de-DE" smtClean="0"/>
+              <a:pPr/>
+              <a:t>22</a:t>
+            </a:fld>
+            <a:endParaRPr lang="de-DE" dirty="0"/>
+          </a:p>
+        </p:txBody>
+      </p:sp>
+    </p:spTree>
+    <p:extLst>
+      <p:ext uri="{BB962C8B-B14F-4D97-AF65-F5344CB8AC3E}">
+        <p14:creationId xmlns:p14="http://schemas.microsoft.com/office/powerpoint/2010/main" val="1294904516"/>
+      </p:ext>
+    </p:extLst>
+  </p:cSld>
+  <p:clrMapOvr>
+    <a:masterClrMapping/>
+  </p:clrMapOvr>
+</p:notes>
+</file>
+
+<file path=ppt/notesSlides/notesSlide23.xml><?xml version="1.0" encoding="utf-8"?>
+<p:notes xmlns:a="http://schemas.openxmlformats.org/drawingml/2006/main" xmlns:r="http://schemas.openxmlformats.org/officeDocument/2006/relationships" xmlns:p="http://schemas.openxmlformats.org/presentationml/2006/main">
+  <p:cSld>
+    <p:spTree>
+      <p:nvGrpSpPr>
+        <p:cNvPr id="1" name=""/>
+        <p:cNvGrpSpPr/>
+        <p:nvPr/>
+      </p:nvGrpSpPr>
+      <p:grpSpPr>
+        <a:xfrm>
+          <a:off x="0" y="0"/>
+          <a:ext cx="0" cy="0"/>
+          <a:chOff x="0" y="0"/>
+          <a:chExt cx="0" cy="0"/>
+        </a:xfrm>
+      </p:grpSpPr>
+      <p:sp>
+        <p:nvSpPr>
+          <p:cNvPr id="2" name="Folienbildplatzhalter 1"/>
+          <p:cNvSpPr>
+            <a:spLocks noGrp="1" noRot="1" noChangeAspect="1"/>
+          </p:cNvSpPr>
+          <p:nvPr>
+            <p:ph type="sldImg"/>
+          </p:nvPr>
+        </p:nvSpPr>
+        <p:spPr/>
+      </p:sp>
+      <p:sp>
+        <p:nvSpPr>
+          <p:cNvPr id="3" name="Notizenplatzhalter 2"/>
+          <p:cNvSpPr>
+            <a:spLocks noGrp="1"/>
+          </p:cNvSpPr>
+          <p:nvPr>
+            <p:ph type="body" idx="1"/>
+          </p:nvPr>
+        </p:nvSpPr>
+        <p:spPr/>
+        <p:txBody>
+          <a:bodyPr/>
+          <a:lstStyle/>
+          <a:p>
+            <a:endParaRPr lang="en-US"/>
+          </a:p>
+        </p:txBody>
+      </p:sp>
+      <p:sp>
+        <p:nvSpPr>
+          <p:cNvPr id="4" name="Foliennummernplatzhalter 3"/>
+          <p:cNvSpPr>
+            <a:spLocks noGrp="1"/>
+          </p:cNvSpPr>
+          <p:nvPr>
+            <p:ph type="sldNum" sz="quarter" idx="10"/>
+          </p:nvPr>
+        </p:nvSpPr>
+        <p:spPr/>
+        <p:txBody>
+          <a:bodyPr/>
+          <a:lstStyle/>
+          <a:p>
+            <a:fld id="{DF1895BC-06EC-475A-97CA-BF53472F2E03}" type="slidenum">
+              <a:rPr lang="de-DE" smtClean="0"/>
+              <a:pPr/>
+              <a:t>23</a:t>
+            </a:fld>
+            <a:endParaRPr lang="de-DE" dirty="0"/>
+          </a:p>
+        </p:txBody>
+      </p:sp>
+    </p:spTree>
+    <p:extLst>
+      <p:ext uri="{BB962C8B-B14F-4D97-AF65-F5344CB8AC3E}">
+        <p14:creationId xmlns:p14="http://schemas.microsoft.com/office/powerpoint/2010/main" val="3703267884"/>
+      </p:ext>
+    </p:extLst>
+  </p:cSld>
+  <p:clrMapOvr>
+    <a:masterClrMapping/>
+  </p:clrMapOvr>
+</p:notes>
+</file>
+
+<file path=ppt/notesSlides/notesSlide24.xml><?xml version="1.0" encoding="utf-8"?>
+<p:notes xmlns:a="http://schemas.openxmlformats.org/drawingml/2006/main" xmlns:r="http://schemas.openxmlformats.org/officeDocument/2006/relationships" xmlns:p="http://schemas.openxmlformats.org/presentationml/2006/main">
+  <p:cSld>
+    <p:spTree>
+      <p:nvGrpSpPr>
+        <p:cNvPr id="1" name=""/>
+        <p:cNvGrpSpPr/>
+        <p:nvPr/>
+      </p:nvGrpSpPr>
+      <p:grpSpPr>
+        <a:xfrm>
+          <a:off x="0" y="0"/>
+          <a:ext cx="0" cy="0"/>
+          <a:chOff x="0" y="0"/>
+          <a:chExt cx="0" cy="0"/>
+        </a:xfrm>
+      </p:grpSpPr>
+      <p:sp>
+        <p:nvSpPr>
+          <p:cNvPr id="2" name="Folienbildplatzhalter 1"/>
+          <p:cNvSpPr>
+            <a:spLocks noGrp="1" noRot="1" noChangeAspect="1"/>
+          </p:cNvSpPr>
+          <p:nvPr>
+            <p:ph type="sldImg"/>
+          </p:nvPr>
+        </p:nvSpPr>
+        <p:spPr/>
+      </p:sp>
+      <p:sp>
+        <p:nvSpPr>
+          <p:cNvPr id="3" name="Notizenplatzhalter 2"/>
+          <p:cNvSpPr>
+            <a:spLocks noGrp="1"/>
+          </p:cNvSpPr>
+          <p:nvPr>
+            <p:ph type="body" idx="1"/>
+          </p:nvPr>
+        </p:nvSpPr>
+        <p:spPr/>
+        <p:txBody>
+          <a:bodyPr/>
+          <a:lstStyle/>
+          <a:p>
+            <a:endParaRPr lang="en-US"/>
+          </a:p>
+        </p:txBody>
+      </p:sp>
+      <p:sp>
+        <p:nvSpPr>
+          <p:cNvPr id="4" name="Foliennummernplatzhalter 3"/>
+          <p:cNvSpPr>
+            <a:spLocks noGrp="1"/>
+          </p:cNvSpPr>
+          <p:nvPr>
+            <p:ph type="sldNum" sz="quarter" idx="10"/>
+          </p:nvPr>
+        </p:nvSpPr>
+        <p:spPr/>
+        <p:txBody>
+          <a:bodyPr/>
+          <a:lstStyle/>
+          <a:p>
+            <a:fld id="{DF1895BC-06EC-475A-97CA-BF53472F2E03}" type="slidenum">
+              <a:rPr lang="de-DE" smtClean="0"/>
+              <a:pPr/>
+              <a:t>24</a:t>
+            </a:fld>
+            <a:endParaRPr lang="de-DE" dirty="0"/>
+          </a:p>
+        </p:txBody>
+      </p:sp>
+    </p:spTree>
+    <p:extLst>
+      <p:ext uri="{BB962C8B-B14F-4D97-AF65-F5344CB8AC3E}">
+        <p14:creationId xmlns:p14="http://schemas.microsoft.com/office/powerpoint/2010/main" val="3015251653"/>
+      </p:ext>
+    </p:extLst>
+  </p:cSld>
+  <p:clrMapOvr>
+    <a:masterClrMapping/>
+  </p:clrMapOvr>
+</p:notes>
+</file>
+
+<file path=ppt/notesSlides/notesSlide25.xml><?xml version="1.0" encoding="utf-8"?>
+<p:notes xmlns:a="http://schemas.openxmlformats.org/drawingml/2006/main" xmlns:r="http://schemas.openxmlformats.org/officeDocument/2006/relationships" xmlns:p="http://schemas.openxmlformats.org/presentationml/2006/main">
+  <p:cSld>
+    <p:spTree>
+      <p:nvGrpSpPr>
+        <p:cNvPr id="1" name=""/>
+        <p:cNvGrpSpPr/>
+        <p:nvPr/>
+      </p:nvGrpSpPr>
+      <p:grpSpPr>
+        <a:xfrm>
+          <a:off x="0" y="0"/>
+          <a:ext cx="0" cy="0"/>
+          <a:chOff x="0" y="0"/>
+          <a:chExt cx="0" cy="0"/>
+        </a:xfrm>
+      </p:grpSpPr>
+      <p:sp>
+        <p:nvSpPr>
+          <p:cNvPr id="2" name="Folienbildplatzhalter 1"/>
+          <p:cNvSpPr>
+            <a:spLocks noGrp="1" noRot="1" noChangeAspect="1"/>
+          </p:cNvSpPr>
+          <p:nvPr>
+            <p:ph type="sldImg"/>
+          </p:nvPr>
+        </p:nvSpPr>
+        <p:spPr/>
+      </p:sp>
+      <p:sp>
+        <p:nvSpPr>
+          <p:cNvPr id="3" name="Notizenplatzhalter 2"/>
+          <p:cNvSpPr>
+            <a:spLocks noGrp="1"/>
+          </p:cNvSpPr>
+          <p:nvPr>
+            <p:ph type="body" idx="1"/>
+          </p:nvPr>
+        </p:nvSpPr>
+        <p:spPr/>
+        <p:txBody>
+          <a:bodyPr/>
+          <a:lstStyle/>
+          <a:p>
+            <a:endParaRPr lang="en-US"/>
+          </a:p>
+        </p:txBody>
+      </p:sp>
+      <p:sp>
+        <p:nvSpPr>
+          <p:cNvPr id="4" name="Foliennummernplatzhalter 3"/>
+          <p:cNvSpPr>
+            <a:spLocks noGrp="1"/>
+          </p:cNvSpPr>
+          <p:nvPr>
+            <p:ph type="sldNum" sz="quarter" idx="10"/>
+          </p:nvPr>
+        </p:nvSpPr>
+        <p:spPr/>
+        <p:txBody>
+          <a:bodyPr/>
+          <a:lstStyle/>
+          <a:p>
+            <a:fld id="{DF1895BC-06EC-475A-97CA-BF53472F2E03}" type="slidenum">
+              <a:rPr lang="de-DE" smtClean="0"/>
+              <a:pPr/>
+              <a:t>25</a:t>
+            </a:fld>
+            <a:endParaRPr lang="de-DE" dirty="0"/>
+          </a:p>
+        </p:txBody>
+      </p:sp>
+    </p:spTree>
+    <p:extLst>
+      <p:ext uri="{BB962C8B-B14F-4D97-AF65-F5344CB8AC3E}">
+        <p14:creationId xmlns:p14="http://schemas.microsoft.com/office/powerpoint/2010/main" val="3175648218"/>
+      </p:ext>
+    </p:extLst>
+  </p:cSld>
+  <p:clrMapOvr>
+    <a:masterClrMapping/>
+  </p:clrMapOvr>
+</p:notes>
+</file>
+
+<file path=ppt/notesSlides/notesSlide26.xml><?xml version="1.0" encoding="utf-8"?>
+<p:notes xmlns:a="http://schemas.openxmlformats.org/drawingml/2006/main" xmlns:r="http://schemas.openxmlformats.org/officeDocument/2006/relationships" xmlns:p="http://schemas.openxmlformats.org/presentationml/2006/main">
+  <p:cSld>
+    <p:spTree>
+      <p:nvGrpSpPr>
+        <p:cNvPr id="1" name=""/>
+        <p:cNvGrpSpPr/>
+        <p:nvPr/>
+      </p:nvGrpSpPr>
+      <p:grpSpPr>
+        <a:xfrm>
+          <a:off x="0" y="0"/>
+          <a:ext cx="0" cy="0"/>
+          <a:chOff x="0" y="0"/>
+          <a:chExt cx="0" cy="0"/>
+        </a:xfrm>
+      </p:grpSpPr>
+      <p:sp>
+        <p:nvSpPr>
+          <p:cNvPr id="2" name="Folienbildplatzhalter 1"/>
+          <p:cNvSpPr>
+            <a:spLocks noGrp="1" noRot="1" noChangeAspect="1"/>
+          </p:cNvSpPr>
+          <p:nvPr>
+            <p:ph type="sldImg"/>
+          </p:nvPr>
+        </p:nvSpPr>
+        <p:spPr/>
+      </p:sp>
+      <p:sp>
+        <p:nvSpPr>
+          <p:cNvPr id="3" name="Notizenplatzhalter 2"/>
+          <p:cNvSpPr>
+            <a:spLocks noGrp="1"/>
+          </p:cNvSpPr>
+          <p:nvPr>
+            <p:ph type="body" idx="1"/>
+          </p:nvPr>
+        </p:nvSpPr>
+        <p:spPr/>
+        <p:txBody>
+          <a:bodyPr/>
+          <a:lstStyle/>
+          <a:p>
+            <a:endParaRPr lang="en-US"/>
+          </a:p>
+        </p:txBody>
+      </p:sp>
+      <p:sp>
+        <p:nvSpPr>
+          <p:cNvPr id="4" name="Foliennummernplatzhalter 3"/>
+          <p:cNvSpPr>
+            <a:spLocks noGrp="1"/>
+          </p:cNvSpPr>
+          <p:nvPr>
+            <p:ph type="sldNum" sz="quarter" idx="10"/>
+          </p:nvPr>
+        </p:nvSpPr>
+        <p:spPr/>
+        <p:txBody>
+          <a:bodyPr/>
+          <a:lstStyle/>
+          <a:p>
+            <a:fld id="{DF1895BC-06EC-475A-97CA-BF53472F2E03}" type="slidenum">
+              <a:rPr lang="de-DE" smtClean="0"/>
+              <a:pPr/>
+              <a:t>26</a:t>
+            </a:fld>
+            <a:endParaRPr lang="de-DE" dirty="0"/>
+          </a:p>
+        </p:txBody>
+      </p:sp>
+    </p:spTree>
+    <p:extLst>
+      <p:ext uri="{BB962C8B-B14F-4D97-AF65-F5344CB8AC3E}">
+        <p14:creationId xmlns:p14="http://schemas.microsoft.com/office/powerpoint/2010/main" val="1037441806"/>
+      </p:ext>
+    </p:extLst>
+  </p:cSld>
+  <p:clrMapOvr>
+    <a:masterClrMapping/>
+  </p:clrMapOvr>
+</p:notes>
+</file>
+
+<file path=ppt/notesSlides/notesSlide3.xml><?xml version="1.0" encoding="utf-8"?>
+<p:notes xmlns:a="http://schemas.openxmlformats.org/drawingml/2006/main" xmlns:r="http://schemas.openxmlformats.org/officeDocument/2006/relationships" xmlns:p="http://schemas.openxmlformats.org/presentationml/2006/main">
+  <p:cSld>
+    <p:spTree>
+      <p:nvGrpSpPr>
+        <p:cNvPr id="1" name=""/>
+        <p:cNvGrpSpPr/>
+        <p:nvPr/>
+      </p:nvGrpSpPr>
+      <p:grpSpPr>
+        <a:xfrm>
+          <a:off x="0" y="0"/>
+          <a:ext cx="0" cy="0"/>
+          <a:chOff x="0" y="0"/>
+          <a:chExt cx="0" cy="0"/>
+        </a:xfrm>
+      </p:grpSpPr>
+      <p:sp>
+        <p:nvSpPr>
+          <p:cNvPr id="2" name="Folienbildplatzhalter 1"/>
+          <p:cNvSpPr>
+            <a:spLocks noGrp="1" noRot="1" noChangeAspect="1"/>
+          </p:cNvSpPr>
+          <p:nvPr>
+            <p:ph type="sldImg"/>
+          </p:nvPr>
+        </p:nvSpPr>
+        <p:spPr/>
+      </p:sp>
+      <p:sp>
+        <p:nvSpPr>
+          <p:cNvPr id="3" name="Notizenplatzhalter 2"/>
+          <p:cNvSpPr>
+            <a:spLocks noGrp="1"/>
+          </p:cNvSpPr>
+          <p:nvPr>
+            <p:ph type="body" idx="1"/>
+          </p:nvPr>
+        </p:nvSpPr>
+        <p:spPr/>
+        <p:txBody>
+          <a:bodyPr/>
+          <a:lstStyle/>
+          <a:p>
+            <a:endParaRPr lang="en-US"/>
+          </a:p>
+        </p:txBody>
+      </p:sp>
+      <p:sp>
+        <p:nvSpPr>
+          <p:cNvPr id="4" name="Foliennummernplatzhalter 3"/>
+          <p:cNvSpPr>
+            <a:spLocks noGrp="1"/>
+          </p:cNvSpPr>
+          <p:nvPr>
+            <p:ph type="sldNum" sz="quarter" idx="10"/>
+          </p:nvPr>
+        </p:nvSpPr>
+        <p:spPr/>
+        <p:txBody>
+          <a:bodyPr/>
+          <a:lstStyle/>
+          <a:p>
+            <a:fld id="{DF1895BC-06EC-475A-97CA-BF53472F2E03}" type="slidenum">
+              <a:rPr lang="de-DE" smtClean="0"/>
+              <a:pPr/>
+              <a:t>3</a:t>
+            </a:fld>
+            <a:endParaRPr lang="de-DE" dirty="0"/>
+          </a:p>
+        </p:txBody>
+      </p:sp>
+    </p:spTree>
+    <p:extLst>
+      <p:ext uri="{BB962C8B-B14F-4D97-AF65-F5344CB8AC3E}">
+        <p14:creationId xmlns:p14="http://schemas.microsoft.com/office/powerpoint/2010/main" val="2404346176"/>
+      </p:ext>
+    </p:extLst>
+  </p:cSld>
+  <p:clrMapOvr>
+    <a:masterClrMapping/>
+  </p:clrMapOvr>
+</p:notes>
+</file>
+
+<file path=ppt/notesSlides/notesSlide4.xml><?xml version="1.0" encoding="utf-8"?>
+<p:notes xmlns:a="http://schemas.openxmlformats.org/drawingml/2006/main" xmlns:r="http://schemas.openxmlformats.org/officeDocument/2006/relationships" xmlns:p="http://schemas.openxmlformats.org/presentationml/2006/main">
+  <p:cSld>
+    <p:spTree>
+      <p:nvGrpSpPr>
+        <p:cNvPr id="1" name=""/>
+        <p:cNvGrpSpPr/>
+        <p:nvPr/>
+      </p:nvGrpSpPr>
+      <p:grpSpPr>
+        <a:xfrm>
+          <a:off x="0" y="0"/>
+          <a:ext cx="0" cy="0"/>
+          <a:chOff x="0" y="0"/>
+          <a:chExt cx="0" cy="0"/>
+        </a:xfrm>
+      </p:grpSpPr>
+      <p:sp>
+        <p:nvSpPr>
+          <p:cNvPr id="2" name="Folienbildplatzhalter 1"/>
+          <p:cNvSpPr>
+            <a:spLocks noGrp="1" noRot="1" noChangeAspect="1"/>
+          </p:cNvSpPr>
+          <p:nvPr>
+            <p:ph type="sldImg"/>
+          </p:nvPr>
+        </p:nvSpPr>
+        <p:spPr/>
+      </p:sp>
+      <p:sp>
+        <p:nvSpPr>
+          <p:cNvPr id="3" name="Notizenplatzhalter 2"/>
+          <p:cNvSpPr>
+            <a:spLocks noGrp="1"/>
+          </p:cNvSpPr>
+          <p:nvPr>
+            <p:ph type="body" idx="1"/>
+          </p:nvPr>
+        </p:nvSpPr>
+        <p:spPr/>
+        <p:txBody>
+          <a:bodyPr/>
+          <a:lstStyle/>
+          <a:p>
+            <a:endParaRPr lang="en-US"/>
+          </a:p>
+        </p:txBody>
+      </p:sp>
+      <p:sp>
+        <p:nvSpPr>
+          <p:cNvPr id="4" name="Foliennummernplatzhalter 3"/>
+          <p:cNvSpPr>
+            <a:spLocks noGrp="1"/>
+          </p:cNvSpPr>
+          <p:nvPr>
+            <p:ph type="sldNum" sz="quarter" idx="10"/>
+          </p:nvPr>
+        </p:nvSpPr>
+        <p:spPr/>
+        <p:txBody>
+          <a:bodyPr/>
+          <a:lstStyle/>
+          <a:p>
+            <a:fld id="{DF1895BC-06EC-475A-97CA-BF53472F2E03}" type="slidenum">
+              <a:rPr lang="de-DE" smtClean="0"/>
+              <a:pPr/>
+              <a:t>4</a:t>
+            </a:fld>
+            <a:endParaRPr lang="de-DE" dirty="0"/>
+          </a:p>
+        </p:txBody>
+      </p:sp>
+    </p:spTree>
+    <p:extLst>
+      <p:ext uri="{BB962C8B-B14F-4D97-AF65-F5344CB8AC3E}">
+        <p14:creationId xmlns:p14="http://schemas.microsoft.com/office/powerpoint/2010/main" val="977528788"/>
+      </p:ext>
+    </p:extLst>
+  </p:cSld>
+  <p:clrMapOvr>
+    <a:masterClrMapping/>
+  </p:clrMapOvr>
+</p:notes>
+</file>
+
+<file path=ppt/notesSlides/notesSlide5.xml><?xml version="1.0" encoding="utf-8"?>
+<p:notes xmlns:a="http://schemas.openxmlformats.org/drawingml/2006/main" xmlns:r="http://schemas.openxmlformats.org/officeDocument/2006/relationships" xmlns:p="http://schemas.openxmlformats.org/presentationml/2006/main">
+  <p:cSld>
+    <p:spTree>
+      <p:nvGrpSpPr>
+        <p:cNvPr id="1" name=""/>
+        <p:cNvGrpSpPr/>
+        <p:nvPr/>
+      </p:nvGrpSpPr>
+      <p:grpSpPr>
+        <a:xfrm>
+          <a:off x="0" y="0"/>
+          <a:ext cx="0" cy="0"/>
+          <a:chOff x="0" y="0"/>
+          <a:chExt cx="0" cy="0"/>
+        </a:xfrm>
+      </p:grpSpPr>
+      <p:sp>
+        <p:nvSpPr>
+          <p:cNvPr id="2" name="Folienbildplatzhalter 1"/>
+          <p:cNvSpPr>
+            <a:spLocks noGrp="1" noRot="1" noChangeAspect="1"/>
+          </p:cNvSpPr>
+          <p:nvPr>
+            <p:ph type="sldImg"/>
+          </p:nvPr>
+        </p:nvSpPr>
+        <p:spPr/>
+      </p:sp>
+      <p:sp>
+        <p:nvSpPr>
+          <p:cNvPr id="3" name="Notizenplatzhalter 2"/>
+          <p:cNvSpPr>
+            <a:spLocks noGrp="1"/>
+          </p:cNvSpPr>
+          <p:nvPr>
+            <p:ph type="body" idx="1"/>
+          </p:nvPr>
+        </p:nvSpPr>
+        <p:spPr/>
+        <p:txBody>
+          <a:bodyPr/>
+          <a:lstStyle/>
+          <a:p>
+            <a:endParaRPr lang="en-US"/>
+          </a:p>
+        </p:txBody>
+      </p:sp>
+      <p:sp>
+        <p:nvSpPr>
+          <p:cNvPr id="4" name="Foliennummernplatzhalter 3"/>
+          <p:cNvSpPr>
+            <a:spLocks noGrp="1"/>
+          </p:cNvSpPr>
+          <p:nvPr>
+            <p:ph type="sldNum" sz="quarter" idx="10"/>
+          </p:nvPr>
+        </p:nvSpPr>
+        <p:spPr/>
+        <p:txBody>
+          <a:bodyPr/>
+          <a:lstStyle/>
+          <a:p>
+            <a:fld id="{DF1895BC-06EC-475A-97CA-BF53472F2E03}" type="slidenum">
+              <a:rPr lang="de-DE" smtClean="0"/>
+              <a:pPr/>
+              <a:t>5</a:t>
+            </a:fld>
+            <a:endParaRPr lang="de-DE" dirty="0"/>
+          </a:p>
+        </p:txBody>
+      </p:sp>
+    </p:spTree>
+    <p:extLst>
+      <p:ext uri="{BB962C8B-B14F-4D97-AF65-F5344CB8AC3E}">
+        <p14:creationId xmlns:p14="http://schemas.microsoft.com/office/powerpoint/2010/main" val="978956095"/>
+      </p:ext>
+    </p:extLst>
+  </p:cSld>
+  <p:clrMapOvr>
+    <a:masterClrMapping/>
+  </p:clrMapOvr>
+</p:notes>
+</file>
+
+<file path=ppt/notesSlides/notesSlide6.xml><?xml version="1.0" encoding="utf-8"?>
+<p:notes xmlns:a="http://schemas.openxmlformats.org/drawingml/2006/main" xmlns:r="http://schemas.openxmlformats.org/officeDocument/2006/relationships" xmlns:p="http://schemas.openxmlformats.org/presentationml/2006/main">
+  <p:cSld>
+    <p:spTree>
+      <p:nvGrpSpPr>
+        <p:cNvPr id="1" name=""/>
+        <p:cNvGrpSpPr/>
+        <p:nvPr/>
+      </p:nvGrpSpPr>
+      <p:grpSpPr>
+        <a:xfrm>
+          <a:off x="0" y="0"/>
+          <a:ext cx="0" cy="0"/>
+          <a:chOff x="0" y="0"/>
+          <a:chExt cx="0" cy="0"/>
+        </a:xfrm>
+      </p:grpSpPr>
+      <p:sp>
+        <p:nvSpPr>
+          <p:cNvPr id="2" name="Folienbildplatzhalter 1"/>
+          <p:cNvSpPr>
+            <a:spLocks noGrp="1" noRot="1" noChangeAspect="1"/>
+          </p:cNvSpPr>
+          <p:nvPr>
+            <p:ph type="sldImg"/>
+          </p:nvPr>
+        </p:nvSpPr>
+        <p:spPr/>
+      </p:sp>
+      <p:sp>
+        <p:nvSpPr>
+          <p:cNvPr id="3" name="Notizenplatzhalter 2"/>
+          <p:cNvSpPr>
+            <a:spLocks noGrp="1"/>
+          </p:cNvSpPr>
+          <p:nvPr>
+            <p:ph type="body" idx="1"/>
+          </p:nvPr>
+        </p:nvSpPr>
+        <p:spPr/>
+        <p:txBody>
+          <a:bodyPr/>
+          <a:lstStyle/>
+          <a:p>
+            <a:endParaRPr lang="en-US"/>
+          </a:p>
+        </p:txBody>
+      </p:sp>
+      <p:sp>
+        <p:nvSpPr>
+          <p:cNvPr id="4" name="Foliennummernplatzhalter 3"/>
+          <p:cNvSpPr>
+            <a:spLocks noGrp="1"/>
+          </p:cNvSpPr>
+          <p:nvPr>
+            <p:ph type="sldNum" sz="quarter" idx="10"/>
+          </p:nvPr>
+        </p:nvSpPr>
+        <p:spPr/>
+        <p:txBody>
+          <a:bodyPr/>
+          <a:lstStyle/>
+          <a:p>
+            <a:fld id="{DF1895BC-06EC-475A-97CA-BF53472F2E03}" type="slidenum">
+              <a:rPr lang="de-DE" smtClean="0"/>
+              <a:pPr/>
+              <a:t>6</a:t>
+            </a:fld>
+            <a:endParaRPr lang="de-DE" dirty="0"/>
+          </a:p>
+        </p:txBody>
+      </p:sp>
+    </p:spTree>
+    <p:extLst>
+      <p:ext uri="{BB962C8B-B14F-4D97-AF65-F5344CB8AC3E}">
+        <p14:creationId xmlns:p14="http://schemas.microsoft.com/office/powerpoint/2010/main" val="3251357675"/>
+      </p:ext>
+    </p:extLst>
+  </p:cSld>
+  <p:clrMapOvr>
+    <a:masterClrMapping/>
+  </p:clrMapOvr>
+</p:notes>
+</file>
+
+<file path=ppt/notesSlides/notesSlide7.xml><?xml version="1.0" encoding="utf-8"?>
+<p:notes xmlns:a="http://schemas.openxmlformats.org/drawingml/2006/main" xmlns:r="http://schemas.openxmlformats.org/officeDocument/2006/relationships" xmlns:p="http://schemas.openxmlformats.org/presentationml/2006/main">
+  <p:cSld>
+    <p:spTree>
+      <p:nvGrpSpPr>
+        <p:cNvPr id="1" name=""/>
+        <p:cNvGrpSpPr/>
+        <p:nvPr/>
+      </p:nvGrpSpPr>
+      <p:grpSpPr>
+        <a:xfrm>
+          <a:off x="0" y="0"/>
+          <a:ext cx="0" cy="0"/>
+          <a:chOff x="0" y="0"/>
+          <a:chExt cx="0" cy="0"/>
+        </a:xfrm>
+      </p:grpSpPr>
+      <p:sp>
+        <p:nvSpPr>
+          <p:cNvPr id="2" name="Folienbildplatzhalter 1"/>
+          <p:cNvSpPr>
+            <a:spLocks noGrp="1" noRot="1" noChangeAspect="1"/>
+          </p:cNvSpPr>
+          <p:nvPr>
+            <p:ph type="sldImg"/>
+          </p:nvPr>
+        </p:nvSpPr>
+        <p:spPr/>
+      </p:sp>
+      <p:sp>
+        <p:nvSpPr>
+          <p:cNvPr id="3" name="Notizenplatzhalter 2"/>
+          <p:cNvSpPr>
+            <a:spLocks noGrp="1"/>
+          </p:cNvSpPr>
+          <p:nvPr>
+            <p:ph type="body" idx="1"/>
+          </p:nvPr>
+        </p:nvSpPr>
+        <p:spPr/>
+        <p:txBody>
+          <a:bodyPr/>
+          <a:lstStyle/>
+          <a:p>
+            <a:endParaRPr lang="en-US"/>
+          </a:p>
+        </p:txBody>
+      </p:sp>
+      <p:sp>
+        <p:nvSpPr>
+          <p:cNvPr id="4" name="Foliennummernplatzhalter 3"/>
+          <p:cNvSpPr>
+            <a:spLocks noGrp="1"/>
+          </p:cNvSpPr>
+          <p:nvPr>
+            <p:ph type="sldNum" sz="quarter" idx="10"/>
+          </p:nvPr>
+        </p:nvSpPr>
+        <p:spPr/>
+        <p:txBody>
+          <a:bodyPr/>
+          <a:lstStyle/>
+          <a:p>
+            <a:fld id="{DF1895BC-06EC-475A-97CA-BF53472F2E03}" type="slidenum">
+              <a:rPr lang="de-DE" smtClean="0"/>
+              <a:pPr/>
+              <a:t>7</a:t>
+            </a:fld>
+            <a:endParaRPr lang="de-DE" dirty="0"/>
+          </a:p>
+        </p:txBody>
+      </p:sp>
+    </p:spTree>
+    <p:extLst>
+      <p:ext uri="{BB962C8B-B14F-4D97-AF65-F5344CB8AC3E}">
+        <p14:creationId xmlns:p14="http://schemas.microsoft.com/office/powerpoint/2010/main" val="1381785346"/>
+      </p:ext>
+    </p:extLst>
+  </p:cSld>
+  <p:clrMapOvr>
+    <a:masterClrMapping/>
+  </p:clrMapOvr>
+</p:notes>
+</file>
+
+<file path=ppt/notesSlides/notesSlide8.xml><?xml version="1.0" encoding="utf-8"?>
+<p:notes xmlns:a="http://schemas.openxmlformats.org/drawingml/2006/main" xmlns:r="http://schemas.openxmlformats.org/officeDocument/2006/relationships" xmlns:p="http://schemas.openxmlformats.org/presentationml/2006/main">
+  <p:cSld>
+    <p:spTree>
+      <p:nvGrpSpPr>
+        <p:cNvPr id="1" name=""/>
+        <p:cNvGrpSpPr/>
+        <p:nvPr/>
+      </p:nvGrpSpPr>
+      <p:grpSpPr>
+        <a:xfrm>
+          <a:off x="0" y="0"/>
+          <a:ext cx="0" cy="0"/>
+          <a:chOff x="0" y="0"/>
+          <a:chExt cx="0" cy="0"/>
+        </a:xfrm>
+      </p:grpSpPr>
+      <p:sp>
+        <p:nvSpPr>
+          <p:cNvPr id="2" name="Folienbildplatzhalter 1"/>
+          <p:cNvSpPr>
+            <a:spLocks noGrp="1" noRot="1" noChangeAspect="1"/>
+          </p:cNvSpPr>
+          <p:nvPr>
+            <p:ph type="sldImg"/>
+          </p:nvPr>
+        </p:nvSpPr>
+        <p:spPr/>
+      </p:sp>
+      <p:sp>
+        <p:nvSpPr>
+          <p:cNvPr id="3" name="Notizenplatzhalter 2"/>
+          <p:cNvSpPr>
+            <a:spLocks noGrp="1"/>
+          </p:cNvSpPr>
+          <p:nvPr>
+            <p:ph type="body" idx="1"/>
+          </p:nvPr>
+        </p:nvSpPr>
+        <p:spPr/>
+        <p:txBody>
+          <a:bodyPr/>
+          <a:lstStyle/>
+          <a:p>
+            <a:endParaRPr lang="en-US"/>
+          </a:p>
+        </p:txBody>
+      </p:sp>
+      <p:sp>
+        <p:nvSpPr>
+          <p:cNvPr id="4" name="Foliennummernplatzhalter 3"/>
+          <p:cNvSpPr>
+            <a:spLocks noGrp="1"/>
+          </p:cNvSpPr>
+          <p:nvPr>
+            <p:ph type="sldNum" sz="quarter" idx="10"/>
+          </p:nvPr>
+        </p:nvSpPr>
+        <p:spPr/>
+        <p:txBody>
+          <a:bodyPr/>
+          <a:lstStyle/>
+          <a:p>
+            <a:fld id="{DF1895BC-06EC-475A-97CA-BF53472F2E03}" type="slidenum">
+              <a:rPr lang="de-DE" smtClean="0"/>
+              <a:pPr/>
+              <a:t>8</a:t>
+            </a:fld>
+            <a:endParaRPr lang="de-DE" dirty="0"/>
+          </a:p>
+        </p:txBody>
+      </p:sp>
+    </p:spTree>
+    <p:extLst>
+      <p:ext uri="{BB962C8B-B14F-4D97-AF65-F5344CB8AC3E}">
+        <p14:creationId xmlns:p14="http://schemas.microsoft.com/office/powerpoint/2010/main" val="2228019838"/>
+      </p:ext>
+    </p:extLst>
+  </p:cSld>
+  <p:clrMapOvr>
+    <a:masterClrMapping/>
+  </p:clrMapOvr>
+</p:notes>
+</file>
+
+<file path=ppt/notesSlides/notesSlide9.xml><?xml version="1.0" encoding="utf-8"?>
+<p:notes xmlns:a="http://schemas.openxmlformats.org/drawingml/2006/main" xmlns:r="http://schemas.openxmlformats.org/officeDocument/2006/relationships" xmlns:p="http://schemas.openxmlformats.org/presentationml/2006/main">
+  <p:cSld>
+    <p:spTree>
+      <p:nvGrpSpPr>
+        <p:cNvPr id="1" name=""/>
+        <p:cNvGrpSpPr/>
+        <p:nvPr/>
+      </p:nvGrpSpPr>
+      <p:grpSpPr>
+        <a:xfrm>
+          <a:off x="0" y="0"/>
+          <a:ext cx="0" cy="0"/>
+          <a:chOff x="0" y="0"/>
+          <a:chExt cx="0" cy="0"/>
+        </a:xfrm>
+      </p:grpSpPr>
+      <p:sp>
+        <p:nvSpPr>
+          <p:cNvPr id="2" name="Folienbildplatzhalter 1"/>
+          <p:cNvSpPr>
+            <a:spLocks noGrp="1" noRot="1" noChangeAspect="1"/>
+          </p:cNvSpPr>
+          <p:nvPr>
+            <p:ph type="sldImg"/>
+          </p:nvPr>
+        </p:nvSpPr>
+        <p:spPr/>
+      </p:sp>
+      <p:sp>
+        <p:nvSpPr>
+          <p:cNvPr id="3" name="Notizenplatzhalter 2"/>
+          <p:cNvSpPr>
+            <a:spLocks noGrp="1"/>
+          </p:cNvSpPr>
+          <p:nvPr>
+            <p:ph type="body" idx="1"/>
+          </p:nvPr>
+        </p:nvSpPr>
+        <p:spPr/>
+        <p:txBody>
+          <a:bodyPr/>
+          <a:lstStyle/>
+          <a:p>
+            <a:endParaRPr lang="en-US"/>
+          </a:p>
+        </p:txBody>
+      </p:sp>
+      <p:sp>
+        <p:nvSpPr>
+          <p:cNvPr id="4" name="Foliennummernplatzhalter 3"/>
+          <p:cNvSpPr>
+            <a:spLocks noGrp="1"/>
+          </p:cNvSpPr>
+          <p:nvPr>
+            <p:ph type="sldNum" sz="quarter" idx="10"/>
+          </p:nvPr>
+        </p:nvSpPr>
+        <p:spPr/>
+        <p:txBody>
+          <a:bodyPr/>
+          <a:lstStyle/>
+          <a:p>
+            <a:fld id="{DF1895BC-06EC-475A-97CA-BF53472F2E03}" type="slidenum">
+              <a:rPr lang="de-DE" smtClean="0"/>
+              <a:pPr/>
+              <a:t>9</a:t>
+            </a:fld>
+            <a:endParaRPr lang="de-DE" dirty="0"/>
+          </a:p>
+        </p:txBody>
+      </p:sp>
+    </p:spTree>
+    <p:extLst>
+      <p:ext uri="{BB962C8B-B14F-4D97-AF65-F5344CB8AC3E}">
+        <p14:creationId xmlns:p14="http://schemas.microsoft.com/office/powerpoint/2010/main" val="155327913"/>
+      </p:ext>
+    </p:extLst>
+  </p:cSld>
+  <p:clrMapOvr>
+    <a:masterClrMapping/>
+  </p:clrMapOvr>
+</p:notes>
 </file>
 
 <file path=ppt/slideLayouts/slideLayout1.xml><?xml version="1.0" encoding="utf-8"?>
@@ -3288,7 +5498,7 @@
             </a:r>
             <a:r>
               <a:rPr lang="en-US" sz="1600" dirty="0" smtClean="0">
-                <a:hlinkClick r:id="rId2"/>
+                <a:hlinkClick r:id="rId3"/>
               </a:rPr>
               <a:t>http://www.swig.org/</a:t>
             </a:r>
@@ -4588,7 +6798,7 @@
           <p:nvPr/>
         </p:nvPicPr>
         <p:blipFill>
-          <a:blip r:embed="rId3">
+          <a:blip r:embed="rId4">
             <a:extLst>
               <a:ext uri="{28A0092B-C50C-407E-A947-70E740481C1C}">
                 <a14:useLocalDpi xmlns:a14="http://schemas.microsoft.com/office/drawing/2010/main" val="0"/>
@@ -5439,23 +7649,878 @@
       </p:grpSpPr>
       <p:sp>
         <p:nvSpPr>
-          <p:cNvPr id="10" name="Rechteck 9"/>
+          <p:cNvPr id="14" name="Rechteck 13"/>
           <p:cNvSpPr/>
           <p:nvPr/>
         </p:nvSpPr>
         <p:spPr>
           <a:xfrm>
-            <a:off x="768995" y="2061642"/>
-            <a:ext cx="10585176" cy="2016224"/>
+            <a:off x="660983" y="2061642"/>
+            <a:ext cx="10333148" cy="1815882"/>
           </a:xfrm>
           <a:prstGeom prst="rect">
             <a:avLst/>
           </a:prstGeom>
           <a:solidFill>
-            <a:schemeClr val="tx2">
-              <a:lumMod val="20000"/>
-              <a:lumOff val="80000"/>
-            </a:schemeClr>
+            <a:schemeClr val="accent1"/>
+          </a:solidFill>
+          <a:effectLst>
+            <a:outerShdw blurRad="50800" dist="38100" dir="2700000" algn="tl" rotWithShape="0">
+              <a:prstClr val="black">
+                <a:alpha val="40000"/>
+              </a:prstClr>
+            </a:outerShdw>
+          </a:effectLst>
+        </p:spPr>
+        <p:txBody>
+          <a:bodyPr wrap="square">
+            <a:spAutoFit/>
+          </a:bodyPr>
+          <a:lstStyle/>
+          <a:p>
+            <a:r>
+              <a:rPr lang="en-US" sz="1600" b="1" dirty="0">
+                <a:solidFill>
+                  <a:schemeClr val="bg1"/>
+                </a:solidFill>
+                <a:latin typeface="Courier New" panose="02070309020205020404" pitchFamily="49" charset="0"/>
+                <a:cs typeface="Courier New" panose="02070309020205020404" pitchFamily="49" charset="0"/>
+              </a:rPr>
+              <a:t> </a:t>
+            </a:r>
+            <a:r>
+              <a:rPr lang="en-US" sz="1600" b="1" dirty="0" smtClean="0">
+                <a:solidFill>
+                  <a:schemeClr val="bg1"/>
+                </a:solidFill>
+                <a:latin typeface="Courier New" panose="02070309020205020404" pitchFamily="49" charset="0"/>
+                <a:cs typeface="Courier New" panose="02070309020205020404" pitchFamily="49" charset="0"/>
+              </a:rPr>
+              <a:t> from</a:t>
+            </a:r>
+            <a:r>
+              <a:rPr lang="en-US" sz="1600" dirty="0" smtClean="0">
+                <a:solidFill>
+                  <a:schemeClr val="bg1"/>
+                </a:solidFill>
+                <a:latin typeface="Courier New" panose="02070309020205020404" pitchFamily="49" charset="0"/>
+                <a:cs typeface="Courier New" panose="02070309020205020404" pitchFamily="49" charset="0"/>
+              </a:rPr>
+              <a:t> </a:t>
+            </a:r>
+            <a:r>
+              <a:rPr lang="en-US" sz="1600" dirty="0">
+                <a:solidFill>
+                  <a:schemeClr val="bg1"/>
+                </a:solidFill>
+                <a:latin typeface="Courier New" panose="02070309020205020404" pitchFamily="49" charset="0"/>
+                <a:cs typeface="Courier New" panose="02070309020205020404" pitchFamily="49" charset="0"/>
+              </a:rPr>
+              <a:t>tigl3 </a:t>
+            </a:r>
+            <a:r>
+              <a:rPr lang="en-US" sz="1600" b="1" dirty="0">
+                <a:solidFill>
+                  <a:schemeClr val="bg1"/>
+                </a:solidFill>
+                <a:latin typeface="Courier New" panose="02070309020205020404" pitchFamily="49" charset="0"/>
+                <a:cs typeface="Courier New" panose="02070309020205020404" pitchFamily="49" charset="0"/>
+              </a:rPr>
+              <a:t>import</a:t>
+            </a:r>
+            <a:r>
+              <a:rPr lang="en-US" sz="1600" dirty="0">
+                <a:solidFill>
+                  <a:schemeClr val="bg1"/>
+                </a:solidFill>
+                <a:latin typeface="Courier New" panose="02070309020205020404" pitchFamily="49" charset="0"/>
+                <a:cs typeface="Courier New" panose="02070309020205020404" pitchFamily="49" charset="0"/>
+              </a:rPr>
+              <a:t> </a:t>
+            </a:r>
+            <a:r>
+              <a:rPr lang="en-US" sz="1600" dirty="0" smtClean="0">
+                <a:solidFill>
+                  <a:schemeClr val="bg1"/>
+                </a:solidFill>
+                <a:latin typeface="Courier New" panose="02070309020205020404" pitchFamily="49" charset="0"/>
+                <a:cs typeface="Courier New" panose="02070309020205020404" pitchFamily="49" charset="0"/>
+              </a:rPr>
+              <a:t>tigl3wrapper</a:t>
+            </a:r>
+            <a:endParaRPr lang="en-US" sz="1600" b="1" dirty="0" smtClean="0">
+              <a:solidFill>
+                <a:schemeClr val="bg1"/>
+              </a:solidFill>
+            </a:endParaRPr>
+          </a:p>
+          <a:p>
+            <a:r>
+              <a:rPr lang="en-US" sz="1600" b="1" dirty="0">
+                <a:solidFill>
+                  <a:schemeClr val="bg1"/>
+                </a:solidFill>
+                <a:latin typeface="Courier New" panose="02070309020205020404" pitchFamily="49" charset="0"/>
+                <a:cs typeface="Courier New" panose="02070309020205020404" pitchFamily="49" charset="0"/>
+              </a:rPr>
+              <a:t> </a:t>
+            </a:r>
+            <a:r>
+              <a:rPr lang="en-US" sz="1600" b="1" dirty="0" smtClean="0">
+                <a:solidFill>
+                  <a:schemeClr val="bg1"/>
+                </a:solidFill>
+                <a:latin typeface="Courier New" panose="02070309020205020404" pitchFamily="49" charset="0"/>
+                <a:cs typeface="Courier New" panose="02070309020205020404" pitchFamily="49" charset="0"/>
+              </a:rPr>
+              <a:t> from </a:t>
+            </a:r>
+            <a:r>
+              <a:rPr lang="en-US" sz="1600" dirty="0">
+                <a:solidFill>
+                  <a:schemeClr val="bg1"/>
+                </a:solidFill>
+                <a:latin typeface="Courier New" panose="02070309020205020404" pitchFamily="49" charset="0"/>
+                <a:cs typeface="Courier New" panose="02070309020205020404" pitchFamily="49" charset="0"/>
+              </a:rPr>
+              <a:t>tigl3.configuration </a:t>
+            </a:r>
+            <a:r>
+              <a:rPr lang="en-US" sz="1600" b="1" dirty="0">
+                <a:solidFill>
+                  <a:schemeClr val="bg1"/>
+                </a:solidFill>
+                <a:latin typeface="Courier New" panose="02070309020205020404" pitchFamily="49" charset="0"/>
+                <a:cs typeface="Courier New" panose="02070309020205020404" pitchFamily="49" charset="0"/>
+              </a:rPr>
+              <a:t>import </a:t>
+            </a:r>
+            <a:r>
+              <a:rPr lang="en-US" sz="1600" dirty="0" err="1">
+                <a:solidFill>
+                  <a:schemeClr val="bg1"/>
+                </a:solidFill>
+                <a:latin typeface="Courier New" panose="02070309020205020404" pitchFamily="49" charset="0"/>
+                <a:cs typeface="Courier New" panose="02070309020205020404" pitchFamily="49" charset="0"/>
+              </a:rPr>
+              <a:t>CCPACSConfigurationManager_get_instance</a:t>
+            </a:r>
+            <a:r>
+              <a:rPr lang="en-US" sz="1600" b="1" dirty="0">
+                <a:solidFill>
+                  <a:schemeClr val="bg1"/>
+                </a:solidFill>
+              </a:rPr>
+              <a:t/>
+            </a:r>
+            <a:br>
+              <a:rPr lang="en-US" sz="1600" b="1" dirty="0">
+                <a:solidFill>
+                  <a:schemeClr val="bg1"/>
+                </a:solidFill>
+              </a:rPr>
+            </a:br>
+            <a:r>
+              <a:rPr lang="en-US" sz="1600" b="1" dirty="0">
+                <a:solidFill>
+                  <a:schemeClr val="bg1"/>
+                </a:solidFill>
+              </a:rPr>
+              <a:t>	</a:t>
+            </a:r>
+            <a:endParaRPr lang="en-US" sz="1600" b="1" dirty="0" smtClean="0">
+              <a:solidFill>
+                <a:schemeClr val="bg1"/>
+              </a:solidFill>
+            </a:endParaRPr>
+          </a:p>
+          <a:p>
+            <a:r>
+              <a:rPr lang="en-US" sz="1600" b="1" dirty="0">
+                <a:solidFill>
+                  <a:schemeClr val="bg1"/>
+                </a:solidFill>
+                <a:latin typeface="Courier New" panose="02070309020205020404" pitchFamily="49" charset="0"/>
+                <a:cs typeface="Courier New" panose="02070309020205020404" pitchFamily="49" charset="0"/>
+              </a:rPr>
+              <a:t> </a:t>
+            </a:r>
+            <a:r>
+              <a:rPr lang="en-US" sz="1600" b="1" dirty="0" smtClean="0">
+                <a:solidFill>
+                  <a:schemeClr val="bg1"/>
+                </a:solidFill>
+                <a:latin typeface="Courier New" panose="02070309020205020404" pitchFamily="49" charset="0"/>
+                <a:cs typeface="Courier New" panose="02070309020205020404" pitchFamily="49" charset="0"/>
+              </a:rPr>
+              <a:t> </a:t>
+            </a:r>
+            <a:r>
+              <a:rPr lang="en-US" sz="1600" dirty="0" err="1" smtClean="0">
+                <a:solidFill>
+                  <a:schemeClr val="bg1"/>
+                </a:solidFill>
+                <a:latin typeface="Courier New" panose="02070309020205020404" pitchFamily="49" charset="0"/>
+                <a:cs typeface="Courier New" panose="02070309020205020404" pitchFamily="49" charset="0"/>
+              </a:rPr>
+              <a:t>tigl_handle</a:t>
+            </a:r>
+            <a:r>
+              <a:rPr lang="en-US" sz="1600" dirty="0" smtClean="0">
+                <a:solidFill>
+                  <a:schemeClr val="bg1"/>
+                </a:solidFill>
+                <a:latin typeface="Courier New" panose="02070309020205020404" pitchFamily="49" charset="0"/>
+                <a:cs typeface="Courier New" panose="02070309020205020404" pitchFamily="49" charset="0"/>
+              </a:rPr>
+              <a:t> </a:t>
+            </a:r>
+            <a:r>
+              <a:rPr lang="en-US" sz="1600" dirty="0">
+                <a:solidFill>
+                  <a:schemeClr val="bg1"/>
+                </a:solidFill>
+                <a:latin typeface="Courier New" panose="02070309020205020404" pitchFamily="49" charset="0"/>
+                <a:cs typeface="Courier New" panose="02070309020205020404" pitchFamily="49" charset="0"/>
+              </a:rPr>
+              <a:t>= tigl3wrapper.Tigl3()</a:t>
+            </a:r>
+          </a:p>
+          <a:p>
+            <a:r>
+              <a:rPr lang="en-US" sz="1600" dirty="0">
+                <a:solidFill>
+                  <a:schemeClr val="bg1"/>
+                </a:solidFill>
+                <a:latin typeface="Courier New" panose="02070309020205020404" pitchFamily="49" charset="0"/>
+                <a:cs typeface="Courier New" panose="02070309020205020404" pitchFamily="49" charset="0"/>
+              </a:rPr>
+              <a:t>  </a:t>
+            </a:r>
+            <a:r>
+              <a:rPr lang="en-US" sz="1600" dirty="0" err="1" smtClean="0">
+                <a:solidFill>
+                  <a:schemeClr val="bg1"/>
+                </a:solidFill>
+                <a:latin typeface="Courier New" panose="02070309020205020404" pitchFamily="49" charset="0"/>
+                <a:cs typeface="Courier New" panose="02070309020205020404" pitchFamily="49" charset="0"/>
+              </a:rPr>
+              <a:t>tigl_handle.open</a:t>
+            </a:r>
+            <a:r>
+              <a:rPr lang="en-US" sz="1600" dirty="0" smtClean="0">
+                <a:solidFill>
+                  <a:schemeClr val="bg1"/>
+                </a:solidFill>
+                <a:latin typeface="Courier New" panose="02070309020205020404" pitchFamily="49" charset="0"/>
+                <a:cs typeface="Courier New" panose="02070309020205020404" pitchFamily="49" charset="0"/>
+              </a:rPr>
+              <a:t>(</a:t>
+            </a:r>
+            <a:r>
+              <a:rPr lang="en-US" sz="1600" dirty="0" err="1" smtClean="0">
+                <a:solidFill>
+                  <a:schemeClr val="bg1"/>
+                </a:solidFill>
+                <a:latin typeface="Courier New" panose="02070309020205020404" pitchFamily="49" charset="0"/>
+                <a:cs typeface="Courier New" panose="02070309020205020404" pitchFamily="49" charset="0"/>
+              </a:rPr>
+              <a:t>tixi_handle</a:t>
+            </a:r>
+            <a:r>
+              <a:rPr lang="en-US" sz="1600" dirty="0">
+                <a:solidFill>
+                  <a:schemeClr val="bg1"/>
+                </a:solidFill>
+                <a:latin typeface="Courier New" panose="02070309020205020404" pitchFamily="49" charset="0"/>
+                <a:cs typeface="Courier New" panose="02070309020205020404" pitchFamily="49" charset="0"/>
+              </a:rPr>
+              <a:t>, </a:t>
+            </a:r>
+            <a:r>
+              <a:rPr lang="en-US" sz="1600" dirty="0" smtClean="0">
+                <a:solidFill>
+                  <a:schemeClr val="bg1"/>
+                </a:solidFill>
+                <a:latin typeface="Courier New" panose="02070309020205020404" pitchFamily="49" charset="0"/>
+                <a:cs typeface="Courier New" panose="02070309020205020404" pitchFamily="49" charset="0"/>
+              </a:rPr>
+              <a:t>"")</a:t>
+            </a:r>
+            <a:endParaRPr lang="en-US" sz="1600" b="1" dirty="0" smtClean="0">
+              <a:solidFill>
+                <a:schemeClr val="bg1"/>
+              </a:solidFill>
+            </a:endParaRPr>
+          </a:p>
+          <a:p>
+            <a:r>
+              <a:rPr lang="en-US" sz="1600" b="1" dirty="0">
+                <a:solidFill>
+                  <a:schemeClr val="bg1"/>
+                </a:solidFill>
+                <a:latin typeface="Courier New" panose="02070309020205020404" pitchFamily="49" charset="0"/>
+                <a:cs typeface="Courier New" panose="02070309020205020404" pitchFamily="49" charset="0"/>
+              </a:rPr>
+              <a:t> </a:t>
+            </a:r>
+            <a:r>
+              <a:rPr lang="en-US" sz="1600" b="1" dirty="0" smtClean="0">
+                <a:solidFill>
+                  <a:schemeClr val="bg1"/>
+                </a:solidFill>
+                <a:latin typeface="Courier New" panose="02070309020205020404" pitchFamily="49" charset="0"/>
+                <a:cs typeface="Courier New" panose="02070309020205020404" pitchFamily="49" charset="0"/>
+              </a:rPr>
+              <a:t> </a:t>
+            </a:r>
+            <a:r>
+              <a:rPr lang="en-US" sz="1600" dirty="0" err="1" smtClean="0">
+                <a:solidFill>
+                  <a:schemeClr val="bg1"/>
+                </a:solidFill>
+                <a:latin typeface="Courier New" panose="02070309020205020404" pitchFamily="49" charset="0"/>
+                <a:cs typeface="Courier New" panose="02070309020205020404" pitchFamily="49" charset="0"/>
+              </a:rPr>
+              <a:t>mgr</a:t>
+            </a:r>
+            <a:r>
+              <a:rPr lang="en-US" sz="1600" dirty="0" smtClean="0">
+                <a:solidFill>
+                  <a:schemeClr val="bg1"/>
+                </a:solidFill>
+                <a:latin typeface="Courier New" panose="02070309020205020404" pitchFamily="49" charset="0"/>
+                <a:cs typeface="Courier New" panose="02070309020205020404" pitchFamily="49" charset="0"/>
+              </a:rPr>
+              <a:t> </a:t>
+            </a:r>
+            <a:r>
+              <a:rPr lang="en-US" sz="1600" dirty="0">
+                <a:solidFill>
+                  <a:schemeClr val="bg1"/>
+                </a:solidFill>
+                <a:latin typeface="Courier New" panose="02070309020205020404" pitchFamily="49" charset="0"/>
+                <a:cs typeface="Courier New" panose="02070309020205020404" pitchFamily="49" charset="0"/>
+              </a:rPr>
+              <a:t>= </a:t>
+            </a:r>
+            <a:r>
+              <a:rPr lang="en-US" sz="1600" dirty="0" err="1">
+                <a:solidFill>
+                  <a:schemeClr val="bg1"/>
+                </a:solidFill>
+                <a:latin typeface="Courier New" panose="02070309020205020404" pitchFamily="49" charset="0"/>
+                <a:cs typeface="Courier New" panose="02070309020205020404" pitchFamily="49" charset="0"/>
+              </a:rPr>
+              <a:t>CCPACSConfigurationManager_get_instance</a:t>
+            </a:r>
+            <a:r>
+              <a:rPr lang="en-US" sz="1600" dirty="0" smtClean="0">
+                <a:solidFill>
+                  <a:schemeClr val="bg1"/>
+                </a:solidFill>
+                <a:latin typeface="Courier New" panose="02070309020205020404" pitchFamily="49" charset="0"/>
+                <a:cs typeface="Courier New" panose="02070309020205020404" pitchFamily="49" charset="0"/>
+              </a:rPr>
+              <a:t>()</a:t>
+            </a:r>
+            <a:endParaRPr lang="en-US" sz="1600" b="1" dirty="0" smtClean="0">
+              <a:solidFill>
+                <a:schemeClr val="bg1"/>
+              </a:solidFill>
+            </a:endParaRPr>
+          </a:p>
+          <a:p>
+            <a:r>
+              <a:rPr lang="en-US" sz="1600" b="1" dirty="0">
+                <a:solidFill>
+                  <a:schemeClr val="bg1"/>
+                </a:solidFill>
+                <a:latin typeface="Courier New" panose="02070309020205020404" pitchFamily="49" charset="0"/>
+                <a:cs typeface="Courier New" panose="02070309020205020404" pitchFamily="49" charset="0"/>
+              </a:rPr>
+              <a:t> </a:t>
+            </a:r>
+            <a:r>
+              <a:rPr lang="en-US" sz="1600" b="1" dirty="0" smtClean="0">
+                <a:solidFill>
+                  <a:schemeClr val="bg1"/>
+                </a:solidFill>
+                <a:latin typeface="Courier New" panose="02070309020205020404" pitchFamily="49" charset="0"/>
+                <a:cs typeface="Courier New" panose="02070309020205020404" pitchFamily="49" charset="0"/>
+              </a:rPr>
+              <a:t> </a:t>
+            </a:r>
+            <a:r>
+              <a:rPr lang="en-US" sz="1600" dirty="0" err="1" smtClean="0">
+                <a:solidFill>
+                  <a:schemeClr val="bg1"/>
+                </a:solidFill>
+                <a:latin typeface="Courier New" panose="02070309020205020404" pitchFamily="49" charset="0"/>
+                <a:cs typeface="Courier New" panose="02070309020205020404" pitchFamily="49" charset="0"/>
+              </a:rPr>
+              <a:t>aircraft_config</a:t>
+            </a:r>
+            <a:r>
+              <a:rPr lang="en-US" sz="1600" dirty="0" smtClean="0">
+                <a:solidFill>
+                  <a:schemeClr val="bg1"/>
+                </a:solidFill>
+                <a:latin typeface="Courier New" panose="02070309020205020404" pitchFamily="49" charset="0"/>
+                <a:cs typeface="Courier New" panose="02070309020205020404" pitchFamily="49" charset="0"/>
+              </a:rPr>
+              <a:t> </a:t>
+            </a:r>
+            <a:r>
+              <a:rPr lang="en-US" sz="1600" dirty="0">
+                <a:solidFill>
+                  <a:schemeClr val="bg1"/>
+                </a:solidFill>
+                <a:latin typeface="Courier New" panose="02070309020205020404" pitchFamily="49" charset="0"/>
+                <a:cs typeface="Courier New" panose="02070309020205020404" pitchFamily="49" charset="0"/>
+              </a:rPr>
+              <a:t>= </a:t>
+            </a:r>
+            <a:r>
+              <a:rPr lang="en-US" sz="1600" dirty="0" err="1">
+                <a:solidFill>
+                  <a:schemeClr val="bg1"/>
+                </a:solidFill>
+                <a:latin typeface="Courier New" panose="02070309020205020404" pitchFamily="49" charset="0"/>
+                <a:cs typeface="Courier New" panose="02070309020205020404" pitchFamily="49" charset="0"/>
+              </a:rPr>
+              <a:t>mgr.get_configuration</a:t>
+            </a:r>
+            <a:r>
+              <a:rPr lang="en-US" sz="1600" dirty="0">
+                <a:solidFill>
+                  <a:schemeClr val="bg1"/>
+                </a:solidFill>
+                <a:latin typeface="Courier New" panose="02070309020205020404" pitchFamily="49" charset="0"/>
+                <a:cs typeface="Courier New" panose="02070309020205020404" pitchFamily="49" charset="0"/>
+              </a:rPr>
+              <a:t>(tigl_handle._</a:t>
+            </a:r>
+            <a:r>
+              <a:rPr lang="en-US" sz="1600" dirty="0" err="1">
+                <a:solidFill>
+                  <a:schemeClr val="bg1"/>
+                </a:solidFill>
+                <a:latin typeface="Courier New" panose="02070309020205020404" pitchFamily="49" charset="0"/>
+                <a:cs typeface="Courier New" panose="02070309020205020404" pitchFamily="49" charset="0"/>
+              </a:rPr>
+              <a:t>handle.value</a:t>
+            </a:r>
+            <a:r>
+              <a:rPr lang="en-US" sz="1600" dirty="0">
+                <a:solidFill>
+                  <a:schemeClr val="bg1"/>
+                </a:solidFill>
+                <a:latin typeface="Courier New" panose="02070309020205020404" pitchFamily="49" charset="0"/>
+                <a:cs typeface="Courier New" panose="02070309020205020404" pitchFamily="49" charset="0"/>
+              </a:rPr>
+              <a:t>)</a:t>
+            </a:r>
+            <a:endParaRPr lang="en-US" sz="1600" dirty="0">
+              <a:solidFill>
+                <a:schemeClr val="bg1"/>
+              </a:solidFill>
+              <a:latin typeface="Courier New" panose="02070309020205020404" pitchFamily="49" charset="0"/>
+              <a:cs typeface="Courier New" panose="02070309020205020404" pitchFamily="49" charset="0"/>
+            </a:endParaRPr>
+          </a:p>
+        </p:txBody>
+      </p:sp>
+      <p:sp>
+        <p:nvSpPr>
+          <p:cNvPr id="2" name="Titel 1"/>
+          <p:cNvSpPr>
+            <a:spLocks noGrp="1"/>
+          </p:cNvSpPr>
+          <p:nvPr>
+            <p:ph type="title"/>
+          </p:nvPr>
+        </p:nvSpPr>
+        <p:spPr/>
+        <p:txBody>
+          <a:bodyPr/>
+          <a:lstStyle/>
+          <a:p>
+            <a:r>
+              <a:rPr lang="de-DE" dirty="0" smtClean="0"/>
+              <a:t>The tigl3.configuration </a:t>
+            </a:r>
+            <a:r>
+              <a:rPr lang="de-DE" dirty="0" err="1" smtClean="0"/>
+              <a:t>module</a:t>
+            </a:r>
+            <a:r>
+              <a:rPr lang="de-DE" dirty="0" smtClean="0"/>
+              <a:t/>
+            </a:r>
+            <a:br>
+              <a:rPr lang="de-DE" dirty="0" smtClean="0"/>
+            </a:br>
+            <a:r>
+              <a:rPr lang="de-DE" b="0" dirty="0"/>
+              <a:t>CPACS </a:t>
+            </a:r>
+            <a:r>
+              <a:rPr lang="de-DE" b="0" dirty="0" err="1" smtClean="0"/>
+              <a:t>tree</a:t>
+            </a:r>
+            <a:r>
+              <a:rPr lang="de-DE" b="0" dirty="0" smtClean="0"/>
+              <a:t> </a:t>
+            </a:r>
+            <a:r>
+              <a:rPr lang="de-DE" b="0" dirty="0" err="1"/>
+              <a:t>traversal</a:t>
+            </a:r>
+            <a:endParaRPr lang="en-US" b="0" dirty="0"/>
+          </a:p>
+        </p:txBody>
+      </p:sp>
+      <p:sp>
+        <p:nvSpPr>
+          <p:cNvPr id="3" name="Textplatzhalter 2"/>
+          <p:cNvSpPr>
+            <a:spLocks noGrp="1"/>
+          </p:cNvSpPr>
+          <p:nvPr>
+            <p:ph type="body" sz="quarter" idx="12"/>
+          </p:nvPr>
+        </p:nvSpPr>
+        <p:spPr>
+          <a:xfrm>
+            <a:off x="486000" y="1591200"/>
+            <a:ext cx="10940179" cy="4286866"/>
+          </a:xfrm>
+        </p:spPr>
+        <p:txBody>
+          <a:bodyPr/>
+          <a:lstStyle/>
+          <a:p>
+            <a:r>
+              <a:rPr lang="en-US" sz="1600" dirty="0" smtClean="0"/>
+              <a:t>TiGL handles several aircraft configurations at a time. To get a specific one, use the </a:t>
+            </a:r>
+            <a:r>
+              <a:rPr lang="en-US" sz="1600" b="1" dirty="0">
+                <a:solidFill>
+                  <a:schemeClr val="accent1"/>
+                </a:solidFill>
+              </a:rPr>
+              <a:t>configuration manager class:</a:t>
+            </a:r>
+            <a:br>
+              <a:rPr lang="en-US" sz="1600" b="1" dirty="0">
+                <a:solidFill>
+                  <a:schemeClr val="accent1"/>
+                </a:solidFill>
+              </a:rPr>
+            </a:br>
+            <a:endParaRPr lang="en-US" sz="1600" b="1" dirty="0" smtClean="0">
+              <a:solidFill>
+                <a:schemeClr val="accent1"/>
+              </a:solidFill>
+            </a:endParaRPr>
+          </a:p>
+          <a:p>
+            <a:endParaRPr lang="de-DE" sz="1600" b="1" dirty="0">
+              <a:solidFill>
+                <a:schemeClr val="accent1"/>
+              </a:solidFill>
+              <a:latin typeface="Courier New" panose="02070309020205020404" pitchFamily="49" charset="0"/>
+              <a:cs typeface="Courier New" panose="02070309020205020404" pitchFamily="49" charset="0"/>
+            </a:endParaRPr>
+          </a:p>
+          <a:p>
+            <a:endParaRPr lang="de-DE" sz="1600" b="1" dirty="0" smtClean="0">
+              <a:solidFill>
+                <a:schemeClr val="accent1"/>
+              </a:solidFill>
+              <a:latin typeface="Courier New" panose="02070309020205020404" pitchFamily="49" charset="0"/>
+              <a:cs typeface="Courier New" panose="02070309020205020404" pitchFamily="49" charset="0"/>
+            </a:endParaRPr>
+          </a:p>
+          <a:p>
+            <a:endParaRPr lang="de-DE" sz="1600" b="1" dirty="0">
+              <a:solidFill>
+                <a:schemeClr val="accent1"/>
+              </a:solidFill>
+              <a:latin typeface="Courier New" panose="02070309020205020404" pitchFamily="49" charset="0"/>
+              <a:cs typeface="Courier New" panose="02070309020205020404" pitchFamily="49" charset="0"/>
+            </a:endParaRPr>
+          </a:p>
+          <a:p>
+            <a:endParaRPr lang="de-DE" sz="1600" b="1" dirty="0" smtClean="0">
+              <a:solidFill>
+                <a:schemeClr val="accent1"/>
+              </a:solidFill>
+              <a:latin typeface="Courier New" panose="02070309020205020404" pitchFamily="49" charset="0"/>
+              <a:cs typeface="Courier New" panose="02070309020205020404" pitchFamily="49" charset="0"/>
+            </a:endParaRPr>
+          </a:p>
+          <a:p>
+            <a:endParaRPr lang="de-DE" sz="1600" b="1" dirty="0">
+              <a:solidFill>
+                <a:schemeClr val="accent1"/>
+              </a:solidFill>
+              <a:latin typeface="Courier New" panose="02070309020205020404" pitchFamily="49" charset="0"/>
+              <a:cs typeface="Courier New" panose="02070309020205020404" pitchFamily="49" charset="0"/>
+            </a:endParaRPr>
+          </a:p>
+          <a:p>
+            <a:endParaRPr lang="de-DE" sz="1600" b="1" dirty="0" smtClean="0">
+              <a:solidFill>
+                <a:schemeClr val="accent1"/>
+              </a:solidFill>
+              <a:latin typeface="Courier New" panose="02070309020205020404" pitchFamily="49" charset="0"/>
+              <a:cs typeface="Courier New" panose="02070309020205020404" pitchFamily="49" charset="0"/>
+            </a:endParaRPr>
+          </a:p>
+          <a:p>
+            <a:endParaRPr lang="de-DE" sz="1600" b="1" dirty="0">
+              <a:solidFill>
+                <a:schemeClr val="accent1"/>
+              </a:solidFill>
+              <a:latin typeface="Courier New" panose="02070309020205020404" pitchFamily="49" charset="0"/>
+              <a:cs typeface="Courier New" panose="02070309020205020404" pitchFamily="49" charset="0"/>
+            </a:endParaRPr>
+          </a:p>
+          <a:p>
+            <a:endParaRPr lang="en-US" sz="1400" dirty="0" smtClean="0">
+              <a:latin typeface="Courier New" panose="02070309020205020404" pitchFamily="49" charset="0"/>
+              <a:cs typeface="Courier New" panose="02070309020205020404" pitchFamily="49" charset="0"/>
+            </a:endParaRPr>
+          </a:p>
+          <a:p>
+            <a:pPr marL="446400" lvl="1" indent="0">
+              <a:buNone/>
+            </a:pPr>
+            <a:r>
+              <a:rPr lang="de-DE" sz="1600" dirty="0" smtClean="0"/>
+              <a:t>Load </a:t>
+            </a:r>
+            <a:r>
+              <a:rPr lang="de-DE" sz="1600" dirty="0" err="1" smtClean="0"/>
+              <a:t>the</a:t>
+            </a:r>
+            <a:r>
+              <a:rPr lang="de-DE" sz="1600" dirty="0" smtClean="0"/>
+              <a:t> „</a:t>
+            </a:r>
+            <a:r>
+              <a:rPr lang="de-DE" sz="1600" dirty="0" err="1" smtClean="0"/>
+              <a:t>old</a:t>
+            </a:r>
+            <a:r>
+              <a:rPr lang="de-DE" sz="1600" dirty="0" smtClean="0"/>
+              <a:t>“ high-level </a:t>
+            </a:r>
+            <a:r>
+              <a:rPr lang="de-DE" sz="1600" dirty="0" err="1" smtClean="0"/>
+              <a:t>python</a:t>
+            </a:r>
+            <a:r>
+              <a:rPr lang="de-DE" sz="1600" dirty="0" smtClean="0"/>
+              <a:t> API</a:t>
+            </a:r>
+            <a:endParaRPr lang="en-US" sz="1600" dirty="0" smtClean="0"/>
+          </a:p>
+          <a:p>
+            <a:pPr marL="446400" lvl="1" indent="0">
+              <a:buNone/>
+            </a:pPr>
+            <a:endParaRPr lang="en-US" sz="1600" dirty="0"/>
+          </a:p>
+          <a:p>
+            <a:pPr marL="446400" lvl="1" indent="0">
+              <a:buNone/>
+            </a:pPr>
+            <a:r>
+              <a:rPr lang="en-US" sz="1600" dirty="0" smtClean="0"/>
+              <a:t>Retrieve the global </a:t>
+            </a:r>
+            <a:r>
+              <a:rPr lang="en-US" sz="1600" b="1" dirty="0" err="1">
+                <a:solidFill>
+                  <a:schemeClr val="accent1"/>
+                </a:solidFill>
+              </a:rPr>
+              <a:t>CCPACSConfigurationManager</a:t>
+            </a:r>
+            <a:r>
+              <a:rPr lang="en-US" sz="1600" dirty="0" smtClean="0">
+                <a:solidFill>
+                  <a:schemeClr val="accent5">
+                    <a:lumMod val="75000"/>
+                  </a:schemeClr>
+                </a:solidFill>
+              </a:rPr>
+              <a:t> </a:t>
+            </a:r>
+            <a:r>
+              <a:rPr lang="en-US" sz="1600" dirty="0" smtClean="0"/>
+              <a:t>object</a:t>
+            </a:r>
+          </a:p>
+          <a:p>
+            <a:pPr marL="446400" lvl="1" indent="0">
+              <a:buNone/>
+            </a:pPr>
+            <a:endParaRPr lang="en-US" sz="1600" dirty="0" smtClean="0"/>
+          </a:p>
+          <a:p>
+            <a:pPr marL="446400" lvl="1" indent="0">
+              <a:buNone/>
+            </a:pPr>
+            <a:r>
+              <a:rPr lang="en-US" sz="1600" dirty="0" smtClean="0"/>
+              <a:t>Access a </a:t>
+            </a:r>
+            <a:r>
+              <a:rPr lang="en-US" sz="1600" b="1" dirty="0">
+                <a:solidFill>
+                  <a:schemeClr val="accent1"/>
+                </a:solidFill>
+              </a:rPr>
+              <a:t>specific aircraft </a:t>
+            </a:r>
+            <a:r>
+              <a:rPr lang="en-US" sz="1600" dirty="0" err="1" smtClean="0"/>
+              <a:t>config</a:t>
+            </a:r>
+            <a:r>
+              <a:rPr lang="en-US" sz="1600" dirty="0" smtClean="0"/>
+              <a:t>, given by it‘s TiGL handle (integer value)</a:t>
+            </a:r>
+          </a:p>
+          <a:p>
+            <a:pPr marL="446400" lvl="1" indent="0">
+              <a:buNone/>
+            </a:pPr>
+            <a:endParaRPr lang="en-US" sz="1600" dirty="0" smtClean="0"/>
+          </a:p>
+          <a:p>
+            <a:r>
+              <a:rPr lang="en-US" sz="1400" dirty="0" err="1" smtClean="0">
+                <a:latin typeface="Courier New" panose="02070309020205020404" pitchFamily="49" charset="0"/>
+                <a:cs typeface="Courier New" panose="02070309020205020404" pitchFamily="49" charset="0"/>
+              </a:rPr>
+              <a:t>aircraft_config</a:t>
+            </a:r>
+            <a:r>
+              <a:rPr lang="en-US" sz="1600" dirty="0" smtClean="0"/>
+              <a:t> is instance of class </a:t>
+            </a:r>
+            <a:r>
+              <a:rPr lang="en-US" sz="1600" dirty="0" err="1" smtClean="0"/>
+              <a:t>CCPACSConfiguration</a:t>
+            </a:r>
+            <a:r>
+              <a:rPr lang="en-US" sz="1600" dirty="0" smtClean="0"/>
+              <a:t>. Gives direct access to fuselages, wings, systems …</a:t>
+            </a:r>
+          </a:p>
+          <a:p>
+            <a:endParaRPr lang="de-DE" sz="1600" dirty="0"/>
+          </a:p>
+          <a:p>
+            <a:endParaRPr lang="en-US" sz="1400" b="1" dirty="0" smtClean="0">
+              <a:solidFill>
+                <a:schemeClr val="accent5">
+                  <a:lumMod val="75000"/>
+                </a:schemeClr>
+              </a:solidFill>
+              <a:latin typeface="Courier New" panose="02070309020205020404" pitchFamily="49" charset="0"/>
+              <a:cs typeface="Courier New" panose="02070309020205020404" pitchFamily="49" charset="0"/>
+            </a:endParaRPr>
+          </a:p>
+          <a:p>
+            <a:endParaRPr lang="en-US" dirty="0" smtClean="0"/>
+          </a:p>
+          <a:p>
+            <a:endParaRPr lang="en-US" dirty="0"/>
+          </a:p>
+        </p:txBody>
+      </p:sp>
+      <p:sp>
+        <p:nvSpPr>
+          <p:cNvPr id="4" name="Fußzeilenplatzhalter 3"/>
+          <p:cNvSpPr>
+            <a:spLocks noGrp="1"/>
+          </p:cNvSpPr>
+          <p:nvPr>
+            <p:ph type="ftr" sz="quarter" idx="13"/>
+          </p:nvPr>
+        </p:nvSpPr>
+        <p:spPr/>
+        <p:txBody>
+          <a:bodyPr/>
+          <a:lstStyle/>
+          <a:p>
+            <a:pPr>
+              <a:defRPr/>
+            </a:pPr>
+            <a:r>
+              <a:rPr lang="en-US" noProof="0" smtClean="0"/>
+              <a:t>&gt; Python API: Basics &gt; Martin Siggel  • 1. TiGL Workshop &gt; 11.09.2018</a:t>
+            </a:r>
+            <a:endParaRPr lang="en-GB" noProof="0" dirty="0"/>
+          </a:p>
+        </p:txBody>
+      </p:sp>
+      <p:sp>
+        <p:nvSpPr>
+          <p:cNvPr id="5" name="Foliennummernplatzhalter 4"/>
+          <p:cNvSpPr>
+            <a:spLocks noGrp="1"/>
+          </p:cNvSpPr>
+          <p:nvPr>
+            <p:ph type="sldNum" sz="quarter" idx="14"/>
+          </p:nvPr>
+        </p:nvSpPr>
+        <p:spPr/>
+        <p:txBody>
+          <a:bodyPr/>
+          <a:lstStyle/>
+          <a:p>
+            <a:pPr>
+              <a:defRPr/>
+            </a:pPr>
+            <a:r>
+              <a:rPr lang="en-GB" noProof="0" smtClean="0"/>
+              <a:t>DLR.de  •  Chart </a:t>
+            </a:r>
+            <a:fld id="{A5AC3FBE-A647-41C9-A8C3-4435ED4FC895}" type="slidenum">
+              <a:rPr lang="en-GB" noProof="0" smtClean="0"/>
+              <a:pPr>
+                <a:defRPr/>
+              </a:pPr>
+              <a:t>12</a:t>
+            </a:fld>
+            <a:endParaRPr lang="en-GB" noProof="0" dirty="0"/>
+          </a:p>
+        </p:txBody>
+      </p:sp>
+      <p:sp>
+        <p:nvSpPr>
+          <p:cNvPr id="6" name="Ellipse 5"/>
+          <p:cNvSpPr/>
+          <p:nvPr/>
+        </p:nvSpPr>
+        <p:spPr>
+          <a:xfrm>
+            <a:off x="10418067" y="3285778"/>
+            <a:ext cx="216024" cy="216024"/>
+          </a:xfrm>
+          <a:prstGeom prst="ellipse">
+            <a:avLst/>
+          </a:prstGeom>
+          <a:solidFill>
+            <a:srgbClr val="92D050"/>
           </a:solidFill>
           <a:ln w="9525">
             <a:solidFill>
@@ -5486,7 +8551,17 @@
           <a:lstStyle/>
           <a:p>
             <a:pPr algn="ctr"/>
-            <a:endParaRPr lang="en-US" dirty="0" smtClean="0">
+            <a:r>
+              <a:rPr lang="de-DE" sz="1200" dirty="0" smtClean="0">
+                <a:solidFill>
+                  <a:schemeClr val="tx1"/>
+                </a:solidFill>
+                <a:latin typeface="Arial" pitchFamily="34" charset="0"/>
+                <a:cs typeface="Arial" pitchFamily="34" charset="0"/>
+              </a:rPr>
+              <a:t>1</a:t>
+            </a:r>
+            <a:endParaRPr lang="en-US" sz="1200" dirty="0" smtClean="0">
               <a:solidFill>
                 <a:schemeClr val="tx1"/>
               </a:solidFill>
@@ -5498,705 +8573,20 @@
       </p:sp>
       <p:sp>
         <p:nvSpPr>
-          <p:cNvPr id="2" name="Titel 1"/>
-          <p:cNvSpPr>
-            <a:spLocks noGrp="1"/>
-          </p:cNvSpPr>
-          <p:nvPr>
-            <p:ph type="title"/>
-          </p:nvPr>
-        </p:nvSpPr>
-        <p:spPr/>
-        <p:txBody>
-          <a:bodyPr/>
-          <a:lstStyle/>
-          <a:p>
-            <a:r>
-              <a:rPr lang="de-DE" dirty="0" smtClean="0"/>
-              <a:t>The tigl3.configuration </a:t>
-            </a:r>
-            <a:r>
-              <a:rPr lang="de-DE" dirty="0" err="1" smtClean="0"/>
-              <a:t>module</a:t>
-            </a:r>
-            <a:r>
-              <a:rPr lang="de-DE" dirty="0" smtClean="0"/>
-              <a:t/>
-            </a:r>
-            <a:br>
-              <a:rPr lang="de-DE" dirty="0" smtClean="0"/>
-            </a:br>
-            <a:r>
-              <a:rPr lang="de-DE" b="0" dirty="0"/>
-              <a:t>CPACS </a:t>
-            </a:r>
-            <a:r>
-              <a:rPr lang="de-DE" b="0" dirty="0" err="1" smtClean="0"/>
-              <a:t>tree</a:t>
-            </a:r>
-            <a:r>
-              <a:rPr lang="de-DE" b="0" dirty="0" smtClean="0"/>
-              <a:t> </a:t>
-            </a:r>
-            <a:r>
-              <a:rPr lang="de-DE" b="0" dirty="0" err="1"/>
-              <a:t>traversal</a:t>
-            </a:r>
-            <a:endParaRPr lang="en-US" b="0" dirty="0"/>
-          </a:p>
-        </p:txBody>
-      </p:sp>
-      <p:sp>
-        <p:nvSpPr>
-          <p:cNvPr id="3" name="Textplatzhalter 2"/>
-          <p:cNvSpPr>
-            <a:spLocks noGrp="1"/>
-          </p:cNvSpPr>
-          <p:nvPr>
-            <p:ph type="body" sz="quarter" idx="12"/>
-          </p:nvPr>
+          <p:cNvPr id="7" name="Ellipse 6"/>
+          <p:cNvSpPr/>
+          <p:nvPr/>
         </p:nvSpPr>
         <p:spPr>
           <a:xfrm>
-            <a:off x="486000" y="1591200"/>
-            <a:ext cx="11012187" cy="4286866"/>
-          </a:xfrm>
-        </p:spPr>
-        <p:txBody>
-          <a:bodyPr/>
-          <a:lstStyle/>
-          <a:p>
-            <a:r>
-              <a:rPr lang="en-US" sz="1600" dirty="0" smtClean="0"/>
-              <a:t>TiGL handles several aircraft configurations at a time. To get a specific one, use the </a:t>
-            </a:r>
-            <a:r>
-              <a:rPr lang="en-US" sz="1600" b="1" dirty="0">
-                <a:solidFill>
-                  <a:schemeClr val="accent1"/>
-                </a:solidFill>
-              </a:rPr>
-              <a:t>configuration manager class</a:t>
-            </a:r>
-            <a:r>
-              <a:rPr lang="en-US" sz="1600" b="1" dirty="0">
-                <a:solidFill>
-                  <a:schemeClr val="accent1"/>
-                </a:solidFill>
-              </a:rPr>
-              <a:t>:</a:t>
-            </a:r>
-            <a:br>
-              <a:rPr lang="en-US" sz="1600" b="1" dirty="0">
-                <a:solidFill>
-                  <a:schemeClr val="accent1"/>
-                </a:solidFill>
-              </a:rPr>
-            </a:br>
-            <a:r>
-              <a:rPr lang="en-US" b="1" dirty="0" smtClean="0">
-                <a:solidFill>
-                  <a:schemeClr val="accent5">
-                    <a:lumMod val="75000"/>
-                  </a:schemeClr>
-                </a:solidFill>
-              </a:rPr>
-              <a:t/>
-            </a:r>
-            <a:br>
-              <a:rPr lang="en-US" b="1" dirty="0" smtClean="0">
-                <a:solidFill>
-                  <a:schemeClr val="accent5">
-                    <a:lumMod val="75000"/>
-                  </a:schemeClr>
-                </a:solidFill>
-              </a:rPr>
-            </a:br>
-            <a:r>
-              <a:rPr lang="en-US" b="1" dirty="0" smtClean="0">
-                <a:solidFill>
-                  <a:schemeClr val="accent5">
-                    <a:lumMod val="75000"/>
-                  </a:schemeClr>
-                </a:solidFill>
-              </a:rPr>
-              <a:t>	</a:t>
-            </a:r>
-            <a:r>
-              <a:rPr lang="en-US" sz="1400" b="1" dirty="0">
-                <a:latin typeface="Courier New" panose="02070309020205020404" pitchFamily="49" charset="0"/>
-                <a:cs typeface="Courier New" panose="02070309020205020404" pitchFamily="49" charset="0"/>
-              </a:rPr>
-              <a:t>from</a:t>
-            </a:r>
-            <a:r>
-              <a:rPr lang="en-US" sz="1400" dirty="0">
-                <a:latin typeface="Courier New" panose="02070309020205020404" pitchFamily="49" charset="0"/>
-                <a:cs typeface="Courier New" panose="02070309020205020404" pitchFamily="49" charset="0"/>
-              </a:rPr>
-              <a:t> tigl3 </a:t>
-            </a:r>
-            <a:r>
-              <a:rPr lang="en-US" sz="1400" b="1" dirty="0">
-                <a:latin typeface="Courier New" panose="02070309020205020404" pitchFamily="49" charset="0"/>
-                <a:cs typeface="Courier New" panose="02070309020205020404" pitchFamily="49" charset="0"/>
-              </a:rPr>
-              <a:t>import</a:t>
-            </a:r>
-            <a:r>
-              <a:rPr lang="en-US" sz="1400" dirty="0">
-                <a:latin typeface="Courier New" panose="02070309020205020404" pitchFamily="49" charset="0"/>
-                <a:cs typeface="Courier New" panose="02070309020205020404" pitchFamily="49" charset="0"/>
-              </a:rPr>
-              <a:t> tigl3wrapper</a:t>
-            </a:r>
-            <a:r>
-              <a:rPr lang="en-US" b="1" dirty="0" smtClean="0">
-                <a:solidFill>
-                  <a:schemeClr val="accent5">
-                    <a:lumMod val="75000"/>
-                  </a:schemeClr>
-                </a:solidFill>
-              </a:rPr>
-              <a:t/>
-            </a:r>
-            <a:br>
-              <a:rPr lang="en-US" b="1" dirty="0" smtClean="0">
-                <a:solidFill>
-                  <a:schemeClr val="accent5">
-                    <a:lumMod val="75000"/>
-                  </a:schemeClr>
-                </a:solidFill>
-              </a:rPr>
-            </a:br>
-            <a:r>
-              <a:rPr lang="en-US" b="1" dirty="0" smtClean="0">
-                <a:solidFill>
-                  <a:schemeClr val="accent5">
-                    <a:lumMod val="75000"/>
-                  </a:schemeClr>
-                </a:solidFill>
-              </a:rPr>
-              <a:t>	</a:t>
-            </a:r>
-            <a:r>
-              <a:rPr lang="en-US" sz="1400" b="1" dirty="0" smtClean="0">
-                <a:latin typeface="Courier New" panose="02070309020205020404" pitchFamily="49" charset="0"/>
-                <a:cs typeface="Courier New" panose="02070309020205020404" pitchFamily="49" charset="0"/>
-              </a:rPr>
-              <a:t>from </a:t>
-            </a:r>
-            <a:r>
-              <a:rPr lang="en-US" sz="1400" dirty="0" smtClean="0">
-                <a:latin typeface="Courier New" panose="02070309020205020404" pitchFamily="49" charset="0"/>
-                <a:cs typeface="Courier New" panose="02070309020205020404" pitchFamily="49" charset="0"/>
-              </a:rPr>
-              <a:t>tigl3.configuration </a:t>
-            </a:r>
-            <a:r>
-              <a:rPr lang="en-US" sz="1400" b="1" dirty="0" smtClean="0">
-                <a:latin typeface="Courier New" panose="02070309020205020404" pitchFamily="49" charset="0"/>
-                <a:cs typeface="Courier New" panose="02070309020205020404" pitchFamily="49" charset="0"/>
-              </a:rPr>
-              <a:t>import </a:t>
-            </a:r>
-            <a:r>
-              <a:rPr lang="en-US" sz="1400" dirty="0" err="1" smtClean="0">
-                <a:latin typeface="Courier New" panose="02070309020205020404" pitchFamily="49" charset="0"/>
-                <a:cs typeface="Courier New" panose="02070309020205020404" pitchFamily="49" charset="0"/>
-              </a:rPr>
-              <a:t>CCPACSConfigurationManager_get_instance</a:t>
-            </a:r>
-            <a:r>
-              <a:rPr lang="en-US" b="1" dirty="0" smtClean="0">
-                <a:solidFill>
-                  <a:schemeClr val="accent5">
-                    <a:lumMod val="75000"/>
-                  </a:schemeClr>
-                </a:solidFill>
-              </a:rPr>
-              <a:t/>
-            </a:r>
-            <a:br>
-              <a:rPr lang="en-US" b="1" dirty="0" smtClean="0">
-                <a:solidFill>
-                  <a:schemeClr val="accent5">
-                    <a:lumMod val="75000"/>
-                  </a:schemeClr>
-                </a:solidFill>
-              </a:rPr>
-            </a:br>
-            <a:r>
-              <a:rPr lang="en-US" b="1" dirty="0">
-                <a:solidFill>
-                  <a:schemeClr val="accent5">
-                    <a:lumMod val="75000"/>
-                  </a:schemeClr>
-                </a:solidFill>
-              </a:rPr>
-              <a:t>	</a:t>
-            </a:r>
-            <a:r>
-              <a:rPr lang="en-US" b="1" dirty="0" smtClean="0">
-                <a:solidFill>
-                  <a:schemeClr val="accent5">
-                    <a:lumMod val="75000"/>
-                  </a:schemeClr>
-                </a:solidFill>
-              </a:rPr>
-              <a:t/>
-            </a:r>
-            <a:br>
-              <a:rPr lang="en-US" b="1" dirty="0" smtClean="0">
-                <a:solidFill>
-                  <a:schemeClr val="accent5">
-                    <a:lumMod val="75000"/>
-                  </a:schemeClr>
-                </a:solidFill>
-              </a:rPr>
-            </a:br>
-            <a:r>
-              <a:rPr lang="en-US" b="1" dirty="0" smtClean="0">
-                <a:solidFill>
-                  <a:schemeClr val="accent5">
-                    <a:lumMod val="75000"/>
-                  </a:schemeClr>
-                </a:solidFill>
-              </a:rPr>
-              <a:t>	</a:t>
-            </a:r>
-            <a:r>
-              <a:rPr lang="en-US" sz="1400" dirty="0" err="1" smtClean="0">
-                <a:latin typeface="Courier New" panose="02070309020205020404" pitchFamily="49" charset="0"/>
-                <a:cs typeface="Courier New" panose="02070309020205020404" pitchFamily="49" charset="0"/>
-              </a:rPr>
-              <a:t>tigl_handle</a:t>
-            </a:r>
-            <a:r>
-              <a:rPr lang="en-US" sz="1400" dirty="0" smtClean="0">
-                <a:latin typeface="Courier New" panose="02070309020205020404" pitchFamily="49" charset="0"/>
-                <a:cs typeface="Courier New" panose="02070309020205020404" pitchFamily="49" charset="0"/>
-              </a:rPr>
-              <a:t> </a:t>
-            </a:r>
-            <a:r>
-              <a:rPr lang="en-US" sz="1400" dirty="0">
-                <a:latin typeface="Courier New" panose="02070309020205020404" pitchFamily="49" charset="0"/>
-                <a:cs typeface="Courier New" panose="02070309020205020404" pitchFamily="49" charset="0"/>
-              </a:rPr>
-              <a:t>= tigl3wrapper.Tigl3()</a:t>
-            </a:r>
-          </a:p>
-          <a:p>
-            <a:pPr marL="0" indent="0">
-              <a:buNone/>
-            </a:pPr>
-            <a:r>
-              <a:rPr lang="en-US" sz="1400" dirty="0">
-                <a:latin typeface="Courier New" panose="02070309020205020404" pitchFamily="49" charset="0"/>
-                <a:cs typeface="Courier New" panose="02070309020205020404" pitchFamily="49" charset="0"/>
-              </a:rPr>
-              <a:t>   </a:t>
-            </a:r>
-            <a:r>
-              <a:rPr lang="en-US" sz="1400" dirty="0">
-                <a:latin typeface="Courier New" panose="02070309020205020404" pitchFamily="49" charset="0"/>
-                <a:cs typeface="Courier New" panose="02070309020205020404" pitchFamily="49" charset="0"/>
-              </a:rPr>
-              <a:t>	</a:t>
-            </a:r>
-            <a:r>
-              <a:rPr lang="en-US" sz="1400" dirty="0" err="1" smtClean="0">
-                <a:latin typeface="Courier New" panose="02070309020205020404" pitchFamily="49" charset="0"/>
-                <a:cs typeface="Courier New" panose="02070309020205020404" pitchFamily="49" charset="0"/>
-              </a:rPr>
-              <a:t>tigl_handle.open</a:t>
-            </a:r>
-            <a:r>
-              <a:rPr lang="en-US" sz="1400" dirty="0" smtClean="0">
-                <a:latin typeface="Courier New" panose="02070309020205020404" pitchFamily="49" charset="0"/>
-                <a:cs typeface="Courier New" panose="02070309020205020404" pitchFamily="49" charset="0"/>
-              </a:rPr>
-              <a:t>(</a:t>
-            </a:r>
-            <a:r>
-              <a:rPr lang="en-US" sz="1400" dirty="0" err="1" smtClean="0">
-                <a:latin typeface="Courier New" panose="02070309020205020404" pitchFamily="49" charset="0"/>
-                <a:cs typeface="Courier New" panose="02070309020205020404" pitchFamily="49" charset="0"/>
-              </a:rPr>
-              <a:t>tixi_handle</a:t>
-            </a:r>
-            <a:r>
-              <a:rPr lang="en-US" sz="1400" dirty="0">
-                <a:latin typeface="Courier New" panose="02070309020205020404" pitchFamily="49" charset="0"/>
-                <a:cs typeface="Courier New" panose="02070309020205020404" pitchFamily="49" charset="0"/>
-              </a:rPr>
-              <a:t>, "")</a:t>
-            </a:r>
-            <a:r>
-              <a:rPr lang="en-US" b="1" dirty="0">
-                <a:solidFill>
-                  <a:schemeClr val="accent5">
-                    <a:lumMod val="75000"/>
-                  </a:schemeClr>
-                </a:solidFill>
-              </a:rPr>
-              <a:t/>
-            </a:r>
-            <a:br>
-              <a:rPr lang="en-US" b="1" dirty="0">
-                <a:solidFill>
-                  <a:schemeClr val="accent5">
-                    <a:lumMod val="75000"/>
-                  </a:schemeClr>
-                </a:solidFill>
-              </a:rPr>
-            </a:br>
-            <a:r>
-              <a:rPr lang="en-US" b="1" dirty="0">
-                <a:solidFill>
-                  <a:schemeClr val="accent5">
-                    <a:lumMod val="75000"/>
-                  </a:schemeClr>
-                </a:solidFill>
-              </a:rPr>
-              <a:t>	</a:t>
-            </a:r>
-            <a:r>
-              <a:rPr lang="en-US" sz="1400" dirty="0" err="1" smtClean="0">
-                <a:latin typeface="Courier New" panose="02070309020205020404" pitchFamily="49" charset="0"/>
-                <a:cs typeface="Courier New" panose="02070309020205020404" pitchFamily="49" charset="0"/>
-              </a:rPr>
-              <a:t>mgr</a:t>
-            </a:r>
-            <a:r>
-              <a:rPr lang="en-US" sz="1400" dirty="0" smtClean="0">
-                <a:latin typeface="Courier New" panose="02070309020205020404" pitchFamily="49" charset="0"/>
-                <a:cs typeface="Courier New" panose="02070309020205020404" pitchFamily="49" charset="0"/>
-              </a:rPr>
-              <a:t> = </a:t>
-            </a:r>
-            <a:r>
-              <a:rPr lang="en-US" sz="1400" dirty="0" err="1" smtClean="0">
-                <a:latin typeface="Courier New" panose="02070309020205020404" pitchFamily="49" charset="0"/>
-                <a:cs typeface="Courier New" panose="02070309020205020404" pitchFamily="49" charset="0"/>
-              </a:rPr>
-              <a:t>CCPACSConfigurationManager_get_instance</a:t>
-            </a:r>
-            <a:r>
-              <a:rPr lang="en-US" sz="1400" dirty="0" smtClean="0">
-                <a:latin typeface="Courier New" panose="02070309020205020404" pitchFamily="49" charset="0"/>
-                <a:cs typeface="Courier New" panose="02070309020205020404" pitchFamily="49" charset="0"/>
-              </a:rPr>
-              <a:t>()</a:t>
-            </a:r>
-            <a:r>
-              <a:rPr lang="en-US" b="1" dirty="0" smtClean="0">
-                <a:solidFill>
-                  <a:schemeClr val="accent5">
-                    <a:lumMod val="75000"/>
-                  </a:schemeClr>
-                </a:solidFill>
-              </a:rPr>
-              <a:t/>
-            </a:r>
-            <a:br>
-              <a:rPr lang="en-US" b="1" dirty="0" smtClean="0">
-                <a:solidFill>
-                  <a:schemeClr val="accent5">
-                    <a:lumMod val="75000"/>
-                  </a:schemeClr>
-                </a:solidFill>
-              </a:rPr>
-            </a:br>
-            <a:r>
-              <a:rPr lang="en-US" b="1" dirty="0" smtClean="0">
-                <a:solidFill>
-                  <a:schemeClr val="accent5">
-                    <a:lumMod val="75000"/>
-                  </a:schemeClr>
-                </a:solidFill>
-              </a:rPr>
-              <a:t>	</a:t>
-            </a:r>
-            <a:r>
-              <a:rPr lang="en-US" sz="1400" dirty="0" err="1" smtClean="0">
-                <a:latin typeface="Courier New" panose="02070309020205020404" pitchFamily="49" charset="0"/>
-                <a:cs typeface="Courier New" panose="02070309020205020404" pitchFamily="49" charset="0"/>
-              </a:rPr>
-              <a:t>aircraft_config</a:t>
-            </a:r>
-            <a:r>
-              <a:rPr lang="en-US" sz="1400" dirty="0" smtClean="0">
-                <a:latin typeface="Courier New" panose="02070309020205020404" pitchFamily="49" charset="0"/>
-                <a:cs typeface="Courier New" panose="02070309020205020404" pitchFamily="49" charset="0"/>
-              </a:rPr>
-              <a:t> = </a:t>
-            </a:r>
-            <a:r>
-              <a:rPr lang="en-US" sz="1400" dirty="0" err="1" smtClean="0">
-                <a:latin typeface="Courier New" panose="02070309020205020404" pitchFamily="49" charset="0"/>
-                <a:cs typeface="Courier New" panose="02070309020205020404" pitchFamily="49" charset="0"/>
-              </a:rPr>
-              <a:t>mgr.get_configuration</a:t>
-            </a:r>
-            <a:r>
-              <a:rPr lang="en-US" sz="1400" dirty="0" smtClean="0">
-                <a:latin typeface="Courier New" panose="02070309020205020404" pitchFamily="49" charset="0"/>
-                <a:cs typeface="Courier New" panose="02070309020205020404" pitchFamily="49" charset="0"/>
-              </a:rPr>
-              <a:t>(tigl_handle._</a:t>
-            </a:r>
-            <a:r>
-              <a:rPr lang="en-US" sz="1400" dirty="0" err="1" smtClean="0">
-                <a:latin typeface="Courier New" panose="02070309020205020404" pitchFamily="49" charset="0"/>
-                <a:cs typeface="Courier New" panose="02070309020205020404" pitchFamily="49" charset="0"/>
-              </a:rPr>
-              <a:t>handle.value</a:t>
-            </a:r>
-            <a:r>
-              <a:rPr lang="en-US" sz="1400" dirty="0" smtClean="0">
-                <a:latin typeface="Courier New" panose="02070309020205020404" pitchFamily="49" charset="0"/>
-                <a:cs typeface="Courier New" panose="02070309020205020404" pitchFamily="49" charset="0"/>
-              </a:rPr>
-              <a:t>)</a:t>
-            </a:r>
-          </a:p>
-          <a:p>
-            <a:pPr marL="0" indent="0">
-              <a:buNone/>
-            </a:pPr>
-            <a:endParaRPr lang="en-US" sz="1400" dirty="0" smtClean="0">
-              <a:latin typeface="Courier New" panose="02070309020205020404" pitchFamily="49" charset="0"/>
-              <a:cs typeface="Courier New" panose="02070309020205020404" pitchFamily="49" charset="0"/>
-            </a:endParaRPr>
-          </a:p>
-          <a:p>
-            <a:pPr marL="446400" lvl="1" indent="0">
-              <a:buNone/>
-            </a:pPr>
-            <a:r>
-              <a:rPr lang="de-DE" sz="1600" dirty="0" smtClean="0"/>
-              <a:t>Load </a:t>
-            </a:r>
-            <a:r>
-              <a:rPr lang="de-DE" sz="1600" dirty="0" err="1" smtClean="0"/>
-              <a:t>the</a:t>
-            </a:r>
-            <a:r>
-              <a:rPr lang="de-DE" sz="1600" dirty="0" smtClean="0"/>
-              <a:t> „</a:t>
-            </a:r>
-            <a:r>
-              <a:rPr lang="de-DE" sz="1600" dirty="0" err="1" smtClean="0"/>
-              <a:t>old</a:t>
-            </a:r>
-            <a:r>
-              <a:rPr lang="de-DE" sz="1600" dirty="0" smtClean="0"/>
-              <a:t>“ high-level </a:t>
-            </a:r>
-            <a:r>
-              <a:rPr lang="de-DE" sz="1600" dirty="0" err="1" smtClean="0"/>
-              <a:t>python</a:t>
-            </a:r>
-            <a:r>
-              <a:rPr lang="de-DE" sz="1600" dirty="0" smtClean="0"/>
-              <a:t> API</a:t>
-            </a:r>
-            <a:endParaRPr lang="en-US" sz="1600" dirty="0" smtClean="0"/>
-          </a:p>
-          <a:p>
-            <a:pPr marL="446400" lvl="1" indent="0">
-              <a:buNone/>
-            </a:pPr>
-            <a:endParaRPr lang="en-US" sz="1600" dirty="0"/>
-          </a:p>
-          <a:p>
-            <a:pPr marL="446400" lvl="1" indent="0">
-              <a:buNone/>
-            </a:pPr>
-            <a:r>
-              <a:rPr lang="en-US" sz="1600" dirty="0" smtClean="0"/>
-              <a:t>Retrieve the global </a:t>
-            </a:r>
-            <a:r>
-              <a:rPr lang="en-US" sz="1600" b="1" dirty="0" err="1">
-                <a:solidFill>
-                  <a:schemeClr val="accent1"/>
-                </a:solidFill>
-              </a:rPr>
-              <a:t>CCPACSConfigurationManager</a:t>
-            </a:r>
-            <a:r>
-              <a:rPr lang="en-US" sz="1600" dirty="0" smtClean="0">
-                <a:solidFill>
-                  <a:schemeClr val="accent5">
-                    <a:lumMod val="75000"/>
-                  </a:schemeClr>
-                </a:solidFill>
-              </a:rPr>
-              <a:t> </a:t>
-            </a:r>
-            <a:r>
-              <a:rPr lang="en-US" sz="1600" dirty="0" smtClean="0"/>
-              <a:t>object</a:t>
-            </a:r>
-          </a:p>
-          <a:p>
-            <a:pPr marL="446400" lvl="1" indent="0">
-              <a:buNone/>
-            </a:pPr>
-            <a:endParaRPr lang="en-US" sz="1600" dirty="0" smtClean="0"/>
-          </a:p>
-          <a:p>
-            <a:pPr marL="446400" lvl="1" indent="0">
-              <a:buNone/>
-            </a:pPr>
-            <a:r>
-              <a:rPr lang="en-US" sz="1600" dirty="0" smtClean="0"/>
-              <a:t>Access a </a:t>
-            </a:r>
-            <a:r>
-              <a:rPr lang="en-US" sz="1600" b="1" dirty="0">
-                <a:solidFill>
-                  <a:schemeClr val="accent1"/>
-                </a:solidFill>
-              </a:rPr>
-              <a:t>specific aircraft </a:t>
-            </a:r>
-            <a:r>
-              <a:rPr lang="en-US" sz="1600" dirty="0" err="1" smtClean="0"/>
-              <a:t>config</a:t>
-            </a:r>
-            <a:r>
-              <a:rPr lang="en-US" sz="1600" dirty="0" smtClean="0"/>
-              <a:t>, given by it‘s TiGL handle (integer value)</a:t>
-            </a:r>
-          </a:p>
-          <a:p>
-            <a:pPr marL="446400" lvl="1" indent="0">
-              <a:buNone/>
-            </a:pPr>
-            <a:endParaRPr lang="en-US" sz="1600" dirty="0" smtClean="0"/>
-          </a:p>
-          <a:p>
-            <a:r>
-              <a:rPr lang="en-US" sz="1400" dirty="0" err="1" smtClean="0">
-                <a:latin typeface="Courier New" panose="02070309020205020404" pitchFamily="49" charset="0"/>
-                <a:cs typeface="Courier New" panose="02070309020205020404" pitchFamily="49" charset="0"/>
-              </a:rPr>
-              <a:t>aircraft_config</a:t>
-            </a:r>
-            <a:r>
-              <a:rPr lang="en-US" sz="1600" dirty="0" smtClean="0"/>
-              <a:t> is instance of class </a:t>
-            </a:r>
-            <a:r>
-              <a:rPr lang="en-US" sz="1600" dirty="0" err="1" smtClean="0"/>
-              <a:t>CCPACSConfiguration</a:t>
-            </a:r>
-            <a:r>
-              <a:rPr lang="en-US" sz="1600" dirty="0" smtClean="0"/>
-              <a:t>. Gives direct access to fuselages, wings, systems …</a:t>
-            </a:r>
-          </a:p>
-          <a:p>
-            <a:endParaRPr lang="de-DE" sz="1600" dirty="0"/>
-          </a:p>
-          <a:p>
-            <a:endParaRPr lang="en-US" sz="1400" b="1" dirty="0" smtClean="0">
-              <a:solidFill>
-                <a:schemeClr val="accent5">
-                  <a:lumMod val="75000"/>
-                </a:schemeClr>
-              </a:solidFill>
-              <a:latin typeface="Courier New" panose="02070309020205020404" pitchFamily="49" charset="0"/>
-              <a:cs typeface="Courier New" panose="02070309020205020404" pitchFamily="49" charset="0"/>
-            </a:endParaRPr>
-          </a:p>
-          <a:p>
-            <a:endParaRPr lang="en-US" dirty="0" smtClean="0"/>
-          </a:p>
-          <a:p>
-            <a:endParaRPr lang="en-US" dirty="0"/>
-          </a:p>
-        </p:txBody>
-      </p:sp>
-      <p:sp>
-        <p:nvSpPr>
-          <p:cNvPr id="4" name="Fußzeilenplatzhalter 3"/>
-          <p:cNvSpPr>
-            <a:spLocks noGrp="1"/>
-          </p:cNvSpPr>
-          <p:nvPr>
-            <p:ph type="ftr" sz="quarter" idx="13"/>
-          </p:nvPr>
-        </p:nvSpPr>
-        <p:spPr/>
-        <p:txBody>
-          <a:bodyPr/>
-          <a:lstStyle/>
-          <a:p>
-            <a:pPr>
-              <a:defRPr/>
-            </a:pPr>
-            <a:r>
-              <a:rPr lang="en-US" noProof="0" smtClean="0"/>
-              <a:t>&gt; Python API: Basics &gt; Martin Siggel  • 1. TiGL Workshop &gt; 11.09.2018</a:t>
-            </a:r>
-            <a:endParaRPr lang="en-GB" noProof="0" dirty="0"/>
-          </a:p>
-        </p:txBody>
-      </p:sp>
-      <p:sp>
-        <p:nvSpPr>
-          <p:cNvPr id="5" name="Foliennummernplatzhalter 4"/>
-          <p:cNvSpPr>
-            <a:spLocks noGrp="1"/>
-          </p:cNvSpPr>
-          <p:nvPr>
-            <p:ph type="sldNum" sz="quarter" idx="14"/>
-          </p:nvPr>
-        </p:nvSpPr>
-        <p:spPr/>
-        <p:txBody>
-          <a:bodyPr/>
-          <a:lstStyle/>
-          <a:p>
-            <a:pPr>
-              <a:defRPr/>
-            </a:pPr>
-            <a:r>
-              <a:rPr lang="en-GB" noProof="0" smtClean="0"/>
-              <a:t>DLR.de  •  Chart </a:t>
-            </a:r>
-            <a:fld id="{A5AC3FBE-A647-41C9-A8C3-4435ED4FC895}" type="slidenum">
-              <a:rPr lang="en-GB" noProof="0" smtClean="0"/>
-              <a:pPr>
-                <a:defRPr/>
-              </a:pPr>
-              <a:t>12</a:t>
-            </a:fld>
-            <a:endParaRPr lang="en-GB" noProof="0" dirty="0"/>
-          </a:p>
-        </p:txBody>
-      </p:sp>
-      <p:sp>
-        <p:nvSpPr>
-          <p:cNvPr id="6" name="Ellipse 5"/>
-          <p:cNvSpPr/>
-          <p:nvPr/>
-        </p:nvSpPr>
-        <p:spPr>
-          <a:xfrm>
-            <a:off x="10418067" y="3446044"/>
+            <a:off x="10418067" y="3600993"/>
             <a:ext cx="216024" cy="216024"/>
           </a:xfrm>
           <a:prstGeom prst="ellipse">
             <a:avLst/>
           </a:prstGeom>
           <a:solidFill>
-            <a:srgbClr val="FFFF00"/>
+            <a:srgbClr val="92D050"/>
           </a:solidFill>
           <a:ln w="9525">
             <a:solidFill>
@@ -6228,14 +8618,14 @@
           <a:p>
             <a:pPr algn="ctr"/>
             <a:r>
-              <a:rPr lang="de-DE" sz="1200" dirty="0" smtClean="0">
+              <a:rPr lang="de-DE" sz="1200" dirty="0">
                 <a:solidFill>
                   <a:schemeClr val="tx1"/>
                 </a:solidFill>
                 <a:latin typeface="Arial" pitchFamily="34" charset="0"/>
                 <a:cs typeface="Arial" pitchFamily="34" charset="0"/>
               </a:rPr>
-              <a:t>1</a:t>
+              <a:t>2</a:t>
             </a:r>
             <a:endParaRPr lang="en-US" sz="1200" dirty="0" smtClean="0">
               <a:solidFill>
@@ -6249,20 +8639,20 @@
       </p:sp>
       <p:sp>
         <p:nvSpPr>
-          <p:cNvPr id="7" name="Ellipse 6"/>
+          <p:cNvPr id="8" name="Ellipse 7"/>
           <p:cNvSpPr/>
           <p:nvPr/>
         </p:nvSpPr>
         <p:spPr>
           <a:xfrm>
-            <a:off x="10418067" y="3761259"/>
+            <a:off x="552971" y="4293890"/>
             <a:ext cx="216024" cy="216024"/>
           </a:xfrm>
           <a:prstGeom prst="ellipse">
             <a:avLst/>
           </a:prstGeom>
           <a:solidFill>
-            <a:srgbClr val="FFFF00"/>
+            <a:srgbClr val="92D050"/>
           </a:solidFill>
           <a:ln w="9525">
             <a:solidFill>
@@ -6301,7 +8691,7 @@
                 <a:latin typeface="Arial" pitchFamily="34" charset="0"/>
                 <a:cs typeface="Arial" pitchFamily="34" charset="0"/>
               </a:rPr>
-              <a:t>2</a:t>
+              <a:t>0</a:t>
             </a:r>
             <a:endParaRPr lang="en-US" sz="1200" dirty="0" smtClean="0">
               <a:solidFill>
@@ -6315,20 +8705,20 @@
       </p:sp>
       <p:sp>
         <p:nvSpPr>
-          <p:cNvPr id="8" name="Ellipse 7"/>
+          <p:cNvPr id="9" name="Ellipse 8"/>
           <p:cNvSpPr/>
           <p:nvPr/>
         </p:nvSpPr>
         <p:spPr>
           <a:xfrm>
-            <a:off x="552971" y="4293890"/>
+            <a:off x="552971" y="4780016"/>
             <a:ext cx="216024" cy="216024"/>
           </a:xfrm>
           <a:prstGeom prst="ellipse">
             <a:avLst/>
           </a:prstGeom>
           <a:solidFill>
-            <a:srgbClr val="FFFF00"/>
+            <a:srgbClr val="92D050"/>
           </a:solidFill>
           <a:ln w="9525">
             <a:solidFill>
@@ -6360,14 +8750,14 @@
           <a:p>
             <a:pPr algn="ctr"/>
             <a:r>
-              <a:rPr lang="de-DE" sz="1200" dirty="0">
+              <a:rPr lang="de-DE" sz="1200" dirty="0" smtClean="0">
                 <a:solidFill>
                   <a:schemeClr val="tx1"/>
                 </a:solidFill>
                 <a:latin typeface="Arial" pitchFamily="34" charset="0"/>
                 <a:cs typeface="Arial" pitchFamily="34" charset="0"/>
               </a:rPr>
-              <a:t>0</a:t>
+              <a:t>1</a:t>
             </a:r>
             <a:endParaRPr lang="en-US" sz="1200" dirty="0" smtClean="0">
               <a:solidFill>
@@ -6381,20 +8771,20 @@
       </p:sp>
       <p:sp>
         <p:nvSpPr>
-          <p:cNvPr id="9" name="Ellipse 8"/>
+          <p:cNvPr id="12" name="Ellipse 11"/>
           <p:cNvSpPr/>
           <p:nvPr/>
         </p:nvSpPr>
         <p:spPr>
           <a:xfrm>
-            <a:off x="552971" y="4780016"/>
+            <a:off x="10418067" y="2171750"/>
             <a:ext cx="216024" cy="216024"/>
           </a:xfrm>
           <a:prstGeom prst="ellipse">
             <a:avLst/>
           </a:prstGeom>
           <a:solidFill>
-            <a:srgbClr val="FFFF00"/>
+            <a:srgbClr val="92D050"/>
           </a:solidFill>
           <a:ln w="9525">
             <a:solidFill>
@@ -6433,72 +8823,6 @@
                 <a:latin typeface="Arial" pitchFamily="34" charset="0"/>
                 <a:cs typeface="Arial" pitchFamily="34" charset="0"/>
               </a:rPr>
-              <a:t>1</a:t>
-            </a:r>
-            <a:endParaRPr lang="en-US" sz="1200" dirty="0" smtClean="0">
-              <a:solidFill>
-                <a:schemeClr val="tx1"/>
-              </a:solidFill>
-              <a:latin typeface="Arial" pitchFamily="34" charset="0"/>
-              <a:cs typeface="Arial" pitchFamily="34" charset="0"/>
-            </a:endParaRPr>
-          </a:p>
-        </p:txBody>
-      </p:sp>
-      <p:sp>
-        <p:nvSpPr>
-          <p:cNvPr id="12" name="Ellipse 11"/>
-          <p:cNvSpPr/>
-          <p:nvPr/>
-        </p:nvSpPr>
-        <p:spPr>
-          <a:xfrm>
-            <a:off x="10418067" y="2171750"/>
-            <a:ext cx="216024" cy="216024"/>
-          </a:xfrm>
-          <a:prstGeom prst="ellipse">
-            <a:avLst/>
-          </a:prstGeom>
-          <a:solidFill>
-            <a:srgbClr val="FFFF00"/>
-          </a:solidFill>
-          <a:ln w="9525">
-            <a:solidFill>
-              <a:schemeClr val="tx1"/>
-            </a:solidFill>
-          </a:ln>
-        </p:spPr>
-        <p:style>
-          <a:lnRef idx="2">
-            <a:schemeClr val="accent1">
-              <a:shade val="50000"/>
-            </a:schemeClr>
-          </a:lnRef>
-          <a:fillRef idx="1">
-            <a:schemeClr val="accent1"/>
-          </a:fillRef>
-          <a:effectRef idx="0">
-            <a:schemeClr val="accent1"/>
-          </a:effectRef>
-          <a:fontRef idx="minor">
-            <a:schemeClr val="lt1"/>
-          </a:fontRef>
-        </p:style>
-        <p:txBody>
-          <a:bodyPr rtlCol="0" anchor="ctr">
-            <a:noAutofit/>
-          </a:bodyPr>
-          <a:lstStyle/>
-          <a:p>
-            <a:pPr algn="ctr"/>
-            <a:r>
-              <a:rPr lang="de-DE" sz="1200" dirty="0" smtClean="0">
-                <a:solidFill>
-                  <a:schemeClr val="tx1"/>
-                </a:solidFill>
-                <a:latin typeface="Arial" pitchFamily="34" charset="0"/>
-                <a:cs typeface="Arial" pitchFamily="34" charset="0"/>
-              </a:rPr>
               <a:t>0</a:t>
             </a:r>
             <a:endParaRPr lang="en-US" sz="1200" dirty="0" smtClean="0">
@@ -6526,7 +8850,7 @@
             <a:avLst/>
           </a:prstGeom>
           <a:solidFill>
-            <a:srgbClr val="FFFF00"/>
+            <a:srgbClr val="92D050"/>
           </a:solidFill>
           <a:ln w="9525">
             <a:solidFill>
@@ -6622,53 +8946,35 @@
         </p:nvSpPr>
         <p:spPr>
           <a:xfrm>
-            <a:off x="768995" y="2018209"/>
-            <a:ext cx="10585176" cy="432048"/>
+            <a:off x="768995" y="2083128"/>
+            <a:ext cx="10585176" cy="338554"/>
           </a:xfrm>
           <a:prstGeom prst="rect">
             <a:avLst/>
           </a:prstGeom>
           <a:solidFill>
-            <a:schemeClr val="tx2">
-              <a:lumMod val="20000"/>
-              <a:lumOff val="80000"/>
-            </a:schemeClr>
+            <a:schemeClr val="accent1"/>
           </a:solidFill>
-          <a:ln w="9525">
-            <a:solidFill>
-              <a:schemeClr val="tx1"/>
-            </a:solidFill>
-          </a:ln>
+          <a:effectLst>
+            <a:outerShdw blurRad="50800" dist="38100" dir="2700000" algn="tl" rotWithShape="0">
+              <a:prstClr val="black">
+                <a:alpha val="40000"/>
+              </a:prstClr>
+            </a:outerShdw>
+          </a:effectLst>
         </p:spPr>
-        <p:style>
-          <a:lnRef idx="2">
-            <a:schemeClr val="accent1">
-              <a:shade val="50000"/>
-            </a:schemeClr>
-          </a:lnRef>
-          <a:fillRef idx="1">
-            <a:schemeClr val="accent1"/>
-          </a:fillRef>
-          <a:effectRef idx="0">
-            <a:schemeClr val="accent1"/>
-          </a:effectRef>
-          <a:fontRef idx="minor">
-            <a:schemeClr val="lt1"/>
-          </a:fontRef>
-        </p:style>
-        <p:txBody>
-          <a:bodyPr rtlCol="0" anchor="ctr">
-            <a:noAutofit/>
+        <p:txBody>
+          <a:bodyPr wrap="square">
+            <a:spAutoFit/>
           </a:bodyPr>
           <a:lstStyle/>
           <a:p>
-            <a:pPr algn="ctr"/>
-            <a:endParaRPr lang="en-US" dirty="0" smtClean="0">
+            <a:endParaRPr lang="de-DE" sz="1600" dirty="0" smtClean="0">
               <a:solidFill>
-                <a:schemeClr val="tx1"/>
+                <a:schemeClr val="bg1"/>
               </a:solidFill>
-              <a:latin typeface="Arial" pitchFamily="34" charset="0"/>
-              <a:cs typeface="Arial" pitchFamily="34" charset="0"/>
+              <a:latin typeface="Courier New" panose="02070309020205020404" pitchFamily="49" charset="0"/>
+              <a:cs typeface="Courier New" panose="02070309020205020404" pitchFamily="49" charset="0"/>
             </a:endParaRPr>
           </a:p>
         </p:txBody>
@@ -6682,52 +8988,52 @@
         <p:spPr>
           <a:xfrm>
             <a:off x="768995" y="5124078"/>
-            <a:ext cx="10585176" cy="720080"/>
+            <a:ext cx="10585176" cy="830997"/>
           </a:xfrm>
           <a:prstGeom prst="rect">
             <a:avLst/>
           </a:prstGeom>
           <a:solidFill>
-            <a:schemeClr val="tx2">
-              <a:lumMod val="20000"/>
-              <a:lumOff val="80000"/>
-            </a:schemeClr>
+            <a:schemeClr val="accent1"/>
           </a:solidFill>
-          <a:ln w="9525">
-            <a:solidFill>
-              <a:schemeClr val="tx1"/>
-            </a:solidFill>
-          </a:ln>
+          <a:effectLst>
+            <a:outerShdw blurRad="50800" dist="38100" dir="2700000" algn="tl" rotWithShape="0">
+              <a:prstClr val="black">
+                <a:alpha val="40000"/>
+              </a:prstClr>
+            </a:outerShdw>
+          </a:effectLst>
         </p:spPr>
-        <p:style>
-          <a:lnRef idx="2">
-            <a:schemeClr val="accent1">
-              <a:shade val="50000"/>
-            </a:schemeClr>
-          </a:lnRef>
-          <a:fillRef idx="1">
-            <a:schemeClr val="accent1"/>
-          </a:fillRef>
-          <a:effectRef idx="0">
-            <a:schemeClr val="accent1"/>
-          </a:effectRef>
-          <a:fontRef idx="minor">
-            <a:schemeClr val="lt1"/>
-          </a:fontRef>
-        </p:style>
-        <p:txBody>
-          <a:bodyPr rtlCol="0" anchor="ctr">
-            <a:noAutofit/>
+        <p:txBody>
+          <a:bodyPr wrap="square">
+            <a:spAutoFit/>
           </a:bodyPr>
           <a:lstStyle/>
           <a:p>
-            <a:pPr algn="ctr"/>
-            <a:endParaRPr lang="en-US" dirty="0" smtClean="0">
+            <a:endParaRPr lang="de-DE" sz="1600" dirty="0" smtClean="0">
               <a:solidFill>
-                <a:schemeClr val="tx1"/>
+                <a:schemeClr val="bg1"/>
               </a:solidFill>
-              <a:latin typeface="Arial" pitchFamily="34" charset="0"/>
-              <a:cs typeface="Arial" pitchFamily="34" charset="0"/>
+              <a:latin typeface="Courier New" panose="02070309020205020404" pitchFamily="49" charset="0"/>
+              <a:cs typeface="Courier New" panose="02070309020205020404" pitchFamily="49" charset="0"/>
+            </a:endParaRPr>
+          </a:p>
+          <a:p>
+            <a:endParaRPr lang="de-DE" sz="1600" dirty="0">
+              <a:solidFill>
+                <a:schemeClr val="bg1"/>
+              </a:solidFill>
+              <a:latin typeface="Courier New" panose="02070309020205020404" pitchFamily="49" charset="0"/>
+              <a:cs typeface="Courier New" panose="02070309020205020404" pitchFamily="49" charset="0"/>
+            </a:endParaRPr>
+          </a:p>
+          <a:p>
+            <a:endParaRPr lang="en-US" sz="1600" dirty="0">
+              <a:solidFill>
+                <a:schemeClr val="bg1"/>
+              </a:solidFill>
+              <a:latin typeface="Courier New" panose="02070309020205020404" pitchFamily="49" charset="0"/>
+              <a:cs typeface="Courier New" panose="02070309020205020404" pitchFamily="49" charset="0"/>
             </a:endParaRPr>
           </a:p>
         </p:txBody>
@@ -6740,53 +9046,80 @@
         </p:nvSpPr>
         <p:spPr>
           <a:xfrm>
-            <a:off x="768995" y="2925738"/>
-            <a:ext cx="10585176" cy="1728192"/>
+            <a:off x="768995" y="2997746"/>
+            <a:ext cx="10585176" cy="1569660"/>
           </a:xfrm>
           <a:prstGeom prst="rect">
             <a:avLst/>
           </a:prstGeom>
           <a:solidFill>
-            <a:schemeClr val="tx2">
-              <a:lumMod val="20000"/>
-              <a:lumOff val="80000"/>
-            </a:schemeClr>
+            <a:schemeClr val="accent1"/>
           </a:solidFill>
-          <a:ln w="9525">
-            <a:solidFill>
-              <a:schemeClr val="tx1"/>
-            </a:solidFill>
-          </a:ln>
+          <a:effectLst>
+            <a:outerShdw blurRad="50800" dist="38100" dir="2700000" algn="tl" rotWithShape="0">
+              <a:prstClr val="black">
+                <a:alpha val="40000"/>
+              </a:prstClr>
+            </a:outerShdw>
+          </a:effectLst>
         </p:spPr>
-        <p:style>
-          <a:lnRef idx="2">
-            <a:schemeClr val="accent1">
-              <a:shade val="50000"/>
-            </a:schemeClr>
-          </a:lnRef>
-          <a:fillRef idx="1">
-            <a:schemeClr val="accent1"/>
-          </a:fillRef>
-          <a:effectRef idx="0">
-            <a:schemeClr val="accent1"/>
-          </a:effectRef>
-          <a:fontRef idx="minor">
-            <a:schemeClr val="lt1"/>
-          </a:fontRef>
-        </p:style>
-        <p:txBody>
-          <a:bodyPr rtlCol="0" anchor="ctr">
-            <a:noAutofit/>
+        <p:txBody>
+          <a:bodyPr wrap="square">
+            <a:spAutoFit/>
           </a:bodyPr>
           <a:lstStyle/>
           <a:p>
-            <a:pPr algn="ctr"/>
-            <a:endParaRPr lang="en-US" dirty="0" smtClean="0">
+            <a:endParaRPr lang="de-DE" sz="1600" dirty="0" smtClean="0">
               <a:solidFill>
-                <a:schemeClr val="tx1"/>
+                <a:schemeClr val="bg1"/>
               </a:solidFill>
-              <a:latin typeface="Arial" pitchFamily="34" charset="0"/>
-              <a:cs typeface="Arial" pitchFamily="34" charset="0"/>
+              <a:latin typeface="Courier New" panose="02070309020205020404" pitchFamily="49" charset="0"/>
+              <a:cs typeface="Courier New" panose="02070309020205020404" pitchFamily="49" charset="0"/>
+            </a:endParaRPr>
+          </a:p>
+          <a:p>
+            <a:endParaRPr lang="de-DE" sz="1600" dirty="0">
+              <a:solidFill>
+                <a:schemeClr val="bg1"/>
+              </a:solidFill>
+              <a:latin typeface="Courier New" panose="02070309020205020404" pitchFamily="49" charset="0"/>
+              <a:cs typeface="Courier New" panose="02070309020205020404" pitchFamily="49" charset="0"/>
+            </a:endParaRPr>
+          </a:p>
+          <a:p>
+            <a:endParaRPr lang="de-DE" sz="1600" dirty="0" smtClean="0">
+              <a:solidFill>
+                <a:schemeClr val="bg1"/>
+              </a:solidFill>
+              <a:latin typeface="Courier New" panose="02070309020205020404" pitchFamily="49" charset="0"/>
+              <a:cs typeface="Courier New" panose="02070309020205020404" pitchFamily="49" charset="0"/>
+            </a:endParaRPr>
+          </a:p>
+          <a:p>
+            <a:endParaRPr lang="de-DE" sz="1600" dirty="0">
+              <a:solidFill>
+                <a:schemeClr val="bg1"/>
+              </a:solidFill>
+              <a:latin typeface="Courier New" panose="02070309020205020404" pitchFamily="49" charset="0"/>
+              <a:cs typeface="Courier New" panose="02070309020205020404" pitchFamily="49" charset="0"/>
+            </a:endParaRPr>
+          </a:p>
+          <a:p>
+            <a:endParaRPr lang="de-DE" sz="1600" dirty="0" smtClean="0">
+              <a:solidFill>
+                <a:schemeClr val="bg1"/>
+              </a:solidFill>
+              <a:latin typeface="Courier New" panose="02070309020205020404" pitchFamily="49" charset="0"/>
+              <a:cs typeface="Courier New" panose="02070309020205020404" pitchFamily="49" charset="0"/>
+            </a:endParaRPr>
+          </a:p>
+          <a:p>
+            <a:endParaRPr lang="de-DE" sz="1600" dirty="0">
+              <a:solidFill>
+                <a:schemeClr val="bg1"/>
+              </a:solidFill>
+              <a:latin typeface="Courier New" panose="02070309020205020404" pitchFamily="49" charset="0"/>
+              <a:cs typeface="Courier New" panose="02070309020205020404" pitchFamily="49" charset="0"/>
             </a:endParaRPr>
           </a:p>
         </p:txBody>
@@ -6978,18 +9311,24 @@
               <a:rPr lang="en-US" dirty="0"/>
             </a:br>
             <a:r>
-              <a:rPr lang="en-US" dirty="0"/>
-              <a:t>	</a:t>
-            </a:r>
-            <a:r>
-              <a:rPr lang="en-US" sz="1600" dirty="0">
+              <a:rPr lang="en-US" dirty="0" smtClean="0"/>
+              <a:t>       </a:t>
+            </a:r>
+            <a:r>
+              <a:rPr lang="en-US" sz="1600" dirty="0" smtClean="0">
+                <a:solidFill>
+                  <a:schemeClr val="bg1"/>
+                </a:solidFill>
                 <a:latin typeface="Courier New" panose="02070309020205020404" pitchFamily="49" charset="0"/>
                 <a:cs typeface="Courier New" panose="02070309020205020404" pitchFamily="49" charset="0"/>
               </a:rPr>
               <a:t>help(</a:t>
             </a:r>
             <a:r>
-              <a:rPr lang="en-US" sz="1600" dirty="0" err="1">
+              <a:rPr lang="en-US" sz="1600" dirty="0" err="1" smtClean="0">
+                <a:solidFill>
+                  <a:schemeClr val="bg1"/>
+                </a:solidFill>
                 <a:latin typeface="Courier New" panose="02070309020205020404" pitchFamily="49" charset="0"/>
                 <a:cs typeface="Courier New" panose="02070309020205020404" pitchFamily="49" charset="0"/>
               </a:rPr>
@@ -6997,12 +9336,19 @@
             </a:r>
             <a:r>
               <a:rPr lang="en-US" sz="1600" dirty="0" smtClean="0">
+                <a:solidFill>
+                  <a:schemeClr val="bg1"/>
+                </a:solidFill>
                 <a:latin typeface="Courier New" panose="02070309020205020404" pitchFamily="49" charset="0"/>
                 <a:cs typeface="Courier New" panose="02070309020205020404" pitchFamily="49" charset="0"/>
               </a:rPr>
               <a:t>)</a:t>
             </a:r>
-            <a:endParaRPr lang="de-DE" dirty="0"/>
+            <a:endParaRPr lang="de-DE" dirty="0">
+              <a:solidFill>
+                <a:schemeClr val="bg1"/>
+              </a:solidFill>
+            </a:endParaRPr>
           </a:p>
           <a:p>
             <a:r>
@@ -7015,7 +9361,11 @@
             </a:r>
           </a:p>
           <a:p>
-            <a:endParaRPr lang="de-DE" dirty="0"/>
+            <a:endParaRPr lang="de-DE" dirty="0">
+              <a:solidFill>
+                <a:schemeClr val="bg1"/>
+              </a:solidFill>
+            </a:endParaRPr>
           </a:p>
           <a:p>
             <a:pPr marL="446400" lvl="1" indent="0">
@@ -7023,6 +9373,9 @@
             </a:pPr>
             <a:r>
               <a:rPr lang="de-DE" sz="1400" dirty="0" err="1">
+                <a:solidFill>
+                  <a:schemeClr val="bg1"/>
+                </a:solidFill>
                 <a:latin typeface="Courier New" panose="02070309020205020404" pitchFamily="49" charset="0"/>
                 <a:cs typeface="Courier New" panose="02070309020205020404" pitchFamily="49" charset="0"/>
               </a:rPr>
@@ -7030,6 +9383,9 @@
             </a:r>
             <a:r>
               <a:rPr lang="de-DE" sz="1400" dirty="0">
+                <a:solidFill>
+                  <a:schemeClr val="bg1"/>
+                </a:solidFill>
                 <a:latin typeface="Courier New" panose="02070309020205020404" pitchFamily="49" charset="0"/>
                 <a:cs typeface="Courier New" panose="02070309020205020404" pitchFamily="49" charset="0"/>
               </a:rPr>
@@ -7037,6 +9393,9 @@
             </a:r>
             <a:r>
               <a:rPr lang="de-DE" sz="1400" dirty="0" err="1">
+                <a:solidFill>
+                  <a:schemeClr val="bg1"/>
+                </a:solidFill>
                 <a:latin typeface="Courier New" panose="02070309020205020404" pitchFamily="49" charset="0"/>
                 <a:cs typeface="Courier New" panose="02070309020205020404" pitchFamily="49" charset="0"/>
               </a:rPr>
@@ -7044,6 +9403,9 @@
             </a:r>
             <a:r>
               <a:rPr lang="de-DE" sz="1400" dirty="0">
+                <a:solidFill>
+                  <a:schemeClr val="bg1"/>
+                </a:solidFill>
                 <a:latin typeface="Courier New" panose="02070309020205020404" pitchFamily="49" charset="0"/>
                 <a:cs typeface="Courier New" panose="02070309020205020404" pitchFamily="49" charset="0"/>
               </a:rPr>
@@ -7051,6 +9413,9 @@
             </a:r>
             <a:r>
               <a:rPr lang="de-DE" sz="1400" dirty="0" smtClean="0">
+                <a:solidFill>
+                  <a:schemeClr val="bg1"/>
+                </a:solidFill>
                 <a:latin typeface="Courier New" panose="02070309020205020404" pitchFamily="49" charset="0"/>
                 <a:cs typeface="Courier New" panose="02070309020205020404" pitchFamily="49" charset="0"/>
               </a:rPr>
@@ -7063,6 +9428,9 @@
             </a:pPr>
             <a:r>
               <a:rPr lang="de-DE" sz="1400" dirty="0" err="1">
+                <a:solidFill>
+                  <a:schemeClr val="bg1"/>
+                </a:solidFill>
                 <a:latin typeface="Courier New" panose="02070309020205020404" pitchFamily="49" charset="0"/>
                 <a:cs typeface="Courier New" panose="02070309020205020404" pitchFamily="49" charset="0"/>
               </a:rPr>
@@ -7070,6 +9438,9 @@
             </a:r>
             <a:r>
               <a:rPr lang="de-DE" sz="1400" dirty="0">
+                <a:solidFill>
+                  <a:schemeClr val="bg1"/>
+                </a:solidFill>
                 <a:latin typeface="Courier New" panose="02070309020205020404" pitchFamily="49" charset="0"/>
                 <a:cs typeface="Courier New" panose="02070309020205020404" pitchFamily="49" charset="0"/>
               </a:rPr>
@@ -7077,6 +9448,9 @@
             </a:r>
             <a:r>
               <a:rPr lang="de-DE" sz="1400" dirty="0" err="1" smtClean="0">
+                <a:solidFill>
+                  <a:schemeClr val="bg1"/>
+                </a:solidFill>
                 <a:latin typeface="Courier New" panose="02070309020205020404" pitchFamily="49" charset="0"/>
                 <a:cs typeface="Courier New" panose="02070309020205020404" pitchFamily="49" charset="0"/>
               </a:rPr>
@@ -7084,6 +9458,9 @@
             </a:r>
             <a:r>
               <a:rPr lang="de-DE" sz="1400" dirty="0" smtClean="0">
+                <a:solidFill>
+                  <a:schemeClr val="bg1"/>
+                </a:solidFill>
                 <a:latin typeface="Courier New" panose="02070309020205020404" pitchFamily="49" charset="0"/>
                 <a:cs typeface="Courier New" panose="02070309020205020404" pitchFamily="49" charset="0"/>
               </a:rPr>
@@ -7091,6 +9468,9 @@
             </a:r>
             <a:r>
               <a:rPr lang="de-DE" sz="1400" dirty="0" err="1" smtClean="0">
+                <a:solidFill>
+                  <a:schemeClr val="bg1"/>
+                </a:solidFill>
                 <a:latin typeface="Courier New" panose="02070309020205020404" pitchFamily="49" charset="0"/>
                 <a:cs typeface="Courier New" panose="02070309020205020404" pitchFamily="49" charset="0"/>
               </a:rPr>
@@ -7098,6 +9478,9 @@
             </a:r>
             <a:r>
               <a:rPr lang="de-DE" sz="1400" dirty="0" smtClean="0">
+                <a:solidFill>
+                  <a:schemeClr val="bg1"/>
+                </a:solidFill>
                 <a:latin typeface="Courier New" panose="02070309020205020404" pitchFamily="49" charset="0"/>
                 <a:cs typeface="Courier New" panose="02070309020205020404" pitchFamily="49" charset="0"/>
               </a:rPr>
@@ -7110,6 +9493,9 @@
             </a:pPr>
             <a:r>
               <a:rPr lang="de-DE" sz="1400" dirty="0" err="1" smtClean="0">
+                <a:solidFill>
+                  <a:schemeClr val="bg1"/>
+                </a:solidFill>
                 <a:latin typeface="Courier New" panose="02070309020205020404" pitchFamily="49" charset="0"/>
                 <a:cs typeface="Courier New" panose="02070309020205020404" pitchFamily="49" charset="0"/>
               </a:rPr>
@@ -7117,12 +9503,18 @@
             </a:r>
             <a:r>
               <a:rPr lang="de-DE" sz="1400" dirty="0" smtClean="0">
+                <a:solidFill>
+                  <a:schemeClr val="bg1"/>
+                </a:solidFill>
                 <a:latin typeface="Courier New" panose="02070309020205020404" pitchFamily="49" charset="0"/>
                 <a:cs typeface="Courier New" panose="02070309020205020404" pitchFamily="49" charset="0"/>
               </a:rPr>
               <a:t>()</a:t>
             </a:r>
             <a:endParaRPr lang="de-DE" sz="1400" dirty="0">
+              <a:solidFill>
+                <a:schemeClr val="bg1"/>
+              </a:solidFill>
               <a:latin typeface="Courier New" panose="02070309020205020404" pitchFamily="49" charset="0"/>
               <a:cs typeface="Courier New" panose="02070309020205020404" pitchFamily="49" charset="0"/>
             </a:endParaRPr>
@@ -7133,27 +9525,29 @@
             </a:pPr>
             <a:r>
               <a:rPr lang="en-US" sz="1400" dirty="0">
-                <a:latin typeface="Courier New" panose="02070309020205020404" pitchFamily="49" charset="0"/>
-                <a:cs typeface="Courier New" panose="02070309020205020404" pitchFamily="49" charset="0"/>
-              </a:rPr>
-              <a:t>s</a:t>
+                <a:solidFill>
+                  <a:schemeClr val="bg1"/>
+                </a:solidFill>
+                <a:latin typeface="Courier New" panose="02070309020205020404" pitchFamily="49" charset="0"/>
+                <a:cs typeface="Courier New" panose="02070309020205020404" pitchFamily="49" charset="0"/>
+              </a:rPr>
+              <a:t>segment = </a:t>
+            </a:r>
+            <a:r>
+              <a:rPr lang="en-US" sz="1400" dirty="0" err="1">
+                <a:solidFill>
+                  <a:schemeClr val="bg1"/>
+                </a:solidFill>
+                <a:latin typeface="Courier New" panose="02070309020205020404" pitchFamily="49" charset="0"/>
+                <a:cs typeface="Courier New" panose="02070309020205020404" pitchFamily="49" charset="0"/>
+              </a:rPr>
+              <a:t>wing.get_segment</a:t>
             </a:r>
             <a:r>
               <a:rPr lang="en-US" sz="1400" dirty="0">
-                <a:latin typeface="Courier New" panose="02070309020205020404" pitchFamily="49" charset="0"/>
-                <a:cs typeface="Courier New" panose="02070309020205020404" pitchFamily="49" charset="0"/>
-              </a:rPr>
-              <a:t>egment = </a:t>
-            </a:r>
-            <a:r>
-              <a:rPr lang="en-US" sz="1400" dirty="0" err="1">
-                <a:latin typeface="Courier New" panose="02070309020205020404" pitchFamily="49" charset="0"/>
-                <a:cs typeface="Courier New" panose="02070309020205020404" pitchFamily="49" charset="0"/>
-              </a:rPr>
-              <a:t>wing.get_segment</a:t>
-            </a:r>
-            <a:r>
-              <a:rPr lang="en-US" sz="1400" dirty="0">
+                <a:solidFill>
+                  <a:schemeClr val="bg1"/>
+                </a:solidFill>
                 <a:latin typeface="Courier New" panose="02070309020205020404" pitchFamily="49" charset="0"/>
                 <a:cs typeface="Courier New" panose="02070309020205020404" pitchFamily="49" charset="0"/>
               </a:rPr>
@@ -7161,6 +9555,9 @@
             </a:r>
             <a:r>
               <a:rPr lang="en-US" sz="1400" dirty="0" smtClean="0">
+                <a:solidFill>
+                  <a:schemeClr val="bg1"/>
+                </a:solidFill>
                 <a:latin typeface="Courier New" panose="02070309020205020404" pitchFamily="49" charset="0"/>
                 <a:cs typeface="Courier New" panose="02070309020205020404" pitchFamily="49" charset="0"/>
               </a:rPr>
@@ -7173,6 +9570,9 @@
             </a:pPr>
             <a:r>
               <a:rPr lang="en-US" sz="1400" dirty="0">
+                <a:solidFill>
+                  <a:schemeClr val="bg1"/>
+                </a:solidFill>
                 <a:latin typeface="Courier New" panose="02070309020205020404" pitchFamily="49" charset="0"/>
                 <a:cs typeface="Courier New" panose="02070309020205020404" pitchFamily="49" charset="0"/>
               </a:rPr>
@@ -7180,6 +9580,9 @@
             </a:r>
             <a:r>
               <a:rPr lang="en-US" sz="1400" dirty="0" err="1" smtClean="0">
+                <a:solidFill>
+                  <a:schemeClr val="bg1"/>
+                </a:solidFill>
                 <a:latin typeface="Courier New" panose="02070309020205020404" pitchFamily="49" charset="0"/>
                 <a:cs typeface="Courier New" panose="02070309020205020404" pitchFamily="49" charset="0"/>
               </a:rPr>
@@ -7187,6 +9590,9 @@
             </a:r>
             <a:r>
               <a:rPr lang="de-DE" sz="1400" dirty="0" smtClean="0">
+                <a:solidFill>
+                  <a:schemeClr val="bg1"/>
+                </a:solidFill>
                 <a:latin typeface="Courier New" panose="02070309020205020404" pitchFamily="49" charset="0"/>
                 <a:cs typeface="Courier New" panose="02070309020205020404" pitchFamily="49" charset="0"/>
               </a:rPr>
@@ -7194,6 +9600,9 @@
             </a:r>
             <a:r>
               <a:rPr lang="de-DE" sz="1400" dirty="0" err="1" smtClean="0">
+                <a:solidFill>
+                  <a:schemeClr val="bg1"/>
+                </a:solidFill>
                 <a:latin typeface="Courier New" panose="02070309020205020404" pitchFamily="49" charset="0"/>
                 <a:cs typeface="Courier New" panose="02070309020205020404" pitchFamily="49" charset="0"/>
               </a:rPr>
@@ -7201,6 +9610,9 @@
             </a:r>
             <a:r>
               <a:rPr lang="de-DE" sz="1400" dirty="0" smtClean="0">
+                <a:solidFill>
+                  <a:schemeClr val="bg1"/>
+                </a:solidFill>
                 <a:latin typeface="Courier New" panose="02070309020205020404" pitchFamily="49" charset="0"/>
                 <a:cs typeface="Courier New" panose="02070309020205020404" pitchFamily="49" charset="0"/>
               </a:rPr>
@@ -7213,6 +9625,9 @@
             </a:pPr>
             <a:r>
               <a:rPr lang="de-DE" sz="1400" dirty="0" err="1" smtClean="0">
+                <a:solidFill>
+                  <a:schemeClr val="bg1"/>
+                </a:solidFill>
                 <a:latin typeface="Courier New" panose="02070309020205020404" pitchFamily="49" charset="0"/>
                 <a:cs typeface="Courier New" panose="02070309020205020404" pitchFamily="49" charset="0"/>
               </a:rPr>
@@ -7220,6 +9635,9 @@
             </a:r>
             <a:r>
               <a:rPr lang="de-DE" sz="1400" dirty="0" smtClean="0">
+                <a:solidFill>
+                  <a:schemeClr val="bg1"/>
+                </a:solidFill>
                 <a:latin typeface="Courier New" panose="02070309020205020404" pitchFamily="49" charset="0"/>
                 <a:cs typeface="Courier New" panose="02070309020205020404" pitchFamily="49" charset="0"/>
               </a:rPr>
@@ -7227,6 +9645,9 @@
             </a:r>
             <a:r>
               <a:rPr lang="de-DE" sz="1400" dirty="0">
+                <a:solidFill>
+                  <a:schemeClr val="bg1"/>
+                </a:solidFill>
                 <a:latin typeface="Courier New" panose="02070309020205020404" pitchFamily="49" charset="0"/>
                 <a:cs typeface="Courier New" panose="02070309020205020404" pitchFamily="49" charset="0"/>
               </a:rPr>
@@ -7239,6 +9660,9 @@
             </a:pPr>
             <a:r>
               <a:rPr lang="de-DE" sz="1400" dirty="0" err="1">
+                <a:solidFill>
+                  <a:schemeClr val="bg1"/>
+                </a:solidFill>
                 <a:latin typeface="Courier New" panose="02070309020205020404" pitchFamily="49" charset="0"/>
                 <a:cs typeface="Courier New" panose="02070309020205020404" pitchFamily="49" charset="0"/>
               </a:rPr>
@@ -7246,6 +9670,9 @@
             </a:r>
             <a:r>
               <a:rPr lang="de-DE" sz="1400" dirty="0" smtClean="0">
+                <a:solidFill>
+                  <a:schemeClr val="bg1"/>
+                </a:solidFill>
                 <a:latin typeface="Courier New" panose="02070309020205020404" pitchFamily="49" charset="0"/>
                 <a:cs typeface="Courier New" panose="02070309020205020404" pitchFamily="49" charset="0"/>
               </a:rPr>
@@ -7282,7 +9709,11 @@
             </a:r>
           </a:p>
           <a:p>
-            <a:endParaRPr lang="de-DE" dirty="0"/>
+            <a:endParaRPr lang="de-DE" dirty="0">
+              <a:solidFill>
+                <a:schemeClr val="bg1"/>
+              </a:solidFill>
+            </a:endParaRPr>
           </a:p>
           <a:p>
             <a:pPr marL="446400" lvl="1" indent="0">
@@ -7290,6 +9721,9 @@
             </a:pPr>
             <a:r>
               <a:rPr lang="en-US" sz="1400" dirty="0" err="1">
+                <a:solidFill>
+                  <a:schemeClr val="bg1"/>
+                </a:solidFill>
                 <a:latin typeface="Courier New" panose="02070309020205020404" pitchFamily="49" charset="0"/>
                 <a:cs typeface="Courier New" panose="02070309020205020404" pitchFamily="49" charset="0"/>
               </a:rPr>
@@ -7297,6 +9731,9 @@
             </a:r>
             <a:r>
               <a:rPr lang="en-US" sz="1400" dirty="0">
+                <a:solidFill>
+                  <a:schemeClr val="bg1"/>
+                </a:solidFill>
                 <a:latin typeface="Courier New" panose="02070309020205020404" pitchFamily="49" charset="0"/>
                 <a:cs typeface="Courier New" panose="02070309020205020404" pitchFamily="49" charset="0"/>
               </a:rPr>
@@ -7304,6 +9741,9 @@
             </a:r>
             <a:r>
               <a:rPr lang="en-US" sz="1400" dirty="0" err="1">
+                <a:solidFill>
+                  <a:schemeClr val="bg1"/>
+                </a:solidFill>
                 <a:latin typeface="Courier New" panose="02070309020205020404" pitchFamily="49" charset="0"/>
                 <a:cs typeface="Courier New" panose="02070309020205020404" pitchFamily="49" charset="0"/>
               </a:rPr>
@@ -7311,6 +9751,9 @@
             </a:r>
             <a:r>
               <a:rPr lang="en-US" sz="1400" dirty="0">
+                <a:solidFill>
+                  <a:schemeClr val="bg1"/>
+                </a:solidFill>
                 <a:latin typeface="Courier New" panose="02070309020205020404" pitchFamily="49" charset="0"/>
                 <a:cs typeface="Courier New" panose="02070309020205020404" pitchFamily="49" charset="0"/>
               </a:rPr>
@@ -7318,6 +9761,9 @@
             </a:r>
             <a:r>
               <a:rPr lang="en-US" sz="1400" dirty="0" err="1">
+                <a:solidFill>
+                  <a:schemeClr val="bg1"/>
+                </a:solidFill>
                 <a:latin typeface="Courier New" panose="02070309020205020404" pitchFamily="49" charset="0"/>
                 <a:cs typeface="Courier New" panose="02070309020205020404" pitchFamily="49" charset="0"/>
               </a:rPr>
@@ -7325,6 +9771,9 @@
             </a:r>
             <a:r>
               <a:rPr lang="en-US" sz="1400" dirty="0">
+                <a:solidFill>
+                  <a:schemeClr val="bg1"/>
+                </a:solidFill>
                 <a:latin typeface="Courier New" panose="02070309020205020404" pitchFamily="49" charset="0"/>
                 <a:cs typeface="Courier New" panose="02070309020205020404" pitchFamily="49" charset="0"/>
               </a:rPr>
@@ -7332,6 +9781,9 @@
             </a:r>
             <a:r>
               <a:rPr lang="en-US" sz="1400" dirty="0" err="1">
+                <a:solidFill>
+                  <a:schemeClr val="bg1"/>
+                </a:solidFill>
                 <a:latin typeface="Courier New" panose="02070309020205020404" pitchFamily="49" charset="0"/>
                 <a:cs typeface="Courier New" panose="02070309020205020404" pitchFamily="49" charset="0"/>
               </a:rPr>
@@ -7339,6 +9791,9 @@
             </a:r>
             <a:r>
               <a:rPr lang="en-US" sz="1400" dirty="0">
+                <a:solidFill>
+                  <a:schemeClr val="bg1"/>
+                </a:solidFill>
                 <a:latin typeface="Courier New" panose="02070309020205020404" pitchFamily="49" charset="0"/>
                 <a:cs typeface="Courier New" panose="02070309020205020404" pitchFamily="49" charset="0"/>
               </a:rPr>
@@ -7346,6 +9801,9 @@
             </a:r>
             <a:r>
               <a:rPr lang="en-US" sz="1400" dirty="0" smtClean="0">
+                <a:solidFill>
+                  <a:schemeClr val="bg1"/>
+                </a:solidFill>
                 <a:latin typeface="Courier New" panose="02070309020205020404" pitchFamily="49" charset="0"/>
                 <a:cs typeface="Courier New" panose="02070309020205020404" pitchFamily="49" charset="0"/>
               </a:rPr>
@@ -7353,12 +9811,18 @@
             </a:r>
             <a:br>
               <a:rPr lang="en-US" sz="1400" dirty="0" smtClean="0">
+                <a:solidFill>
+                  <a:schemeClr val="bg1"/>
+                </a:solidFill>
                 <a:latin typeface="Courier New" panose="02070309020205020404" pitchFamily="49" charset="0"/>
                 <a:cs typeface="Courier New" panose="02070309020205020404" pitchFamily="49" charset="0"/>
               </a:rPr>
             </a:br>
             <a:r>
               <a:rPr lang="en-US" sz="1400" dirty="0" smtClean="0">
+                <a:solidFill>
+                  <a:schemeClr val="bg1"/>
+                </a:solidFill>
                 <a:latin typeface="Courier New" panose="02070309020205020404" pitchFamily="49" charset="0"/>
                 <a:cs typeface="Courier New" panose="02070309020205020404" pitchFamily="49" charset="0"/>
               </a:rPr>
@@ -7366,6 +9830,9 @@
             </a:r>
             <a:r>
               <a:rPr lang="en-US" sz="1400" dirty="0" err="1">
+                <a:solidFill>
+                  <a:schemeClr val="bg1"/>
+                </a:solidFill>
                 <a:latin typeface="Courier New" panose="02070309020205020404" pitchFamily="49" charset="0"/>
                 <a:cs typeface="Courier New" panose="02070309020205020404" pitchFamily="49" charset="0"/>
               </a:rPr>
@@ -7373,6 +9840,9 @@
             </a:r>
             <a:r>
               <a:rPr lang="en-US" sz="1400" dirty="0">
+                <a:solidFill>
+                  <a:schemeClr val="bg1"/>
+                </a:solidFill>
                 <a:latin typeface="Courier New" panose="02070309020205020404" pitchFamily="49" charset="0"/>
                 <a:cs typeface="Courier New" panose="02070309020205020404" pitchFamily="49" charset="0"/>
               </a:rPr>
@@ -7380,6 +9850,9 @@
             </a:r>
             <a:r>
               <a:rPr lang="en-US" sz="1400" dirty="0" err="1">
+                <a:solidFill>
+                  <a:schemeClr val="bg1"/>
+                </a:solidFill>
                 <a:latin typeface="Courier New" panose="02070309020205020404" pitchFamily="49" charset="0"/>
                 <a:cs typeface="Courier New" panose="02070309020205020404" pitchFamily="49" charset="0"/>
               </a:rPr>
@@ -7387,6 +9860,9 @@
             </a:r>
             <a:r>
               <a:rPr lang="en-US" sz="1400" dirty="0" smtClean="0">
+                <a:solidFill>
+                  <a:schemeClr val="bg1"/>
+                </a:solidFill>
                 <a:latin typeface="Courier New" panose="02070309020205020404" pitchFamily="49" charset="0"/>
                 <a:cs typeface="Courier New" panose="02070309020205020404" pitchFamily="49" charset="0"/>
               </a:rPr>
@@ -7574,52 +10050,61 @@
         <p:spPr>
           <a:xfrm>
             <a:off x="768995" y="3141762"/>
-            <a:ext cx="10585176" cy="1080120"/>
+            <a:ext cx="10585176" cy="1077218"/>
           </a:xfrm>
           <a:prstGeom prst="rect">
             <a:avLst/>
           </a:prstGeom>
           <a:solidFill>
-            <a:schemeClr val="tx2">
-              <a:lumMod val="20000"/>
-              <a:lumOff val="80000"/>
-            </a:schemeClr>
+            <a:schemeClr val="accent1"/>
           </a:solidFill>
-          <a:ln w="9525">
-            <a:solidFill>
-              <a:schemeClr val="tx1"/>
-            </a:solidFill>
-          </a:ln>
+          <a:effectLst>
+            <a:outerShdw blurRad="50800" dist="38100" dir="2700000" algn="tl" rotWithShape="0">
+              <a:prstClr val="black">
+                <a:alpha val="40000"/>
+              </a:prstClr>
+            </a:outerShdw>
+          </a:effectLst>
         </p:spPr>
-        <p:style>
-          <a:lnRef idx="2">
-            <a:schemeClr val="accent1">
-              <a:shade val="50000"/>
-            </a:schemeClr>
-          </a:lnRef>
-          <a:fillRef idx="1">
-            <a:schemeClr val="accent1"/>
-          </a:fillRef>
-          <a:effectRef idx="0">
-            <a:schemeClr val="accent1"/>
-          </a:effectRef>
-          <a:fontRef idx="minor">
-            <a:schemeClr val="lt1"/>
-          </a:fontRef>
-        </p:style>
-        <p:txBody>
-          <a:bodyPr rtlCol="0" anchor="ctr">
-            <a:noAutofit/>
+        <p:txBody>
+          <a:bodyPr wrap="square">
+            <a:spAutoFit/>
           </a:bodyPr>
           <a:lstStyle/>
           <a:p>
-            <a:pPr algn="ctr"/>
-            <a:endParaRPr lang="en-US" dirty="0" smtClean="0">
+            <a:endParaRPr lang="de-DE" sz="1600" dirty="0" smtClean="0">
               <a:solidFill>
-                <a:schemeClr val="tx1"/>
+                <a:schemeClr val="bg1"/>
               </a:solidFill>
-              <a:latin typeface="Arial" pitchFamily="34" charset="0"/>
-              <a:cs typeface="Arial" pitchFamily="34" charset="0"/>
+              <a:latin typeface="Courier New" panose="02070309020205020404" pitchFamily="49" charset="0"/>
+              <a:cs typeface="Courier New" panose="02070309020205020404" pitchFamily="49" charset="0"/>
+            </a:endParaRPr>
+          </a:p>
+          <a:p>
+            <a:endParaRPr lang="de-DE" sz="1600" dirty="0">
+              <a:solidFill>
+                <a:schemeClr val="bg1"/>
+              </a:solidFill>
+              <a:latin typeface="Courier New" panose="02070309020205020404" pitchFamily="49" charset="0"/>
+              <a:cs typeface="Courier New" panose="02070309020205020404" pitchFamily="49" charset="0"/>
+            </a:endParaRPr>
+          </a:p>
+          <a:p>
+            <a:endParaRPr lang="de-DE" sz="1600" dirty="0" smtClean="0">
+              <a:solidFill>
+                <a:schemeClr val="bg1"/>
+              </a:solidFill>
+              <a:latin typeface="Courier New" panose="02070309020205020404" pitchFamily="49" charset="0"/>
+              <a:cs typeface="Courier New" panose="02070309020205020404" pitchFamily="49" charset="0"/>
+            </a:endParaRPr>
+          </a:p>
+          <a:p>
+            <a:endParaRPr lang="en-US" sz="1600" dirty="0">
+              <a:solidFill>
+                <a:schemeClr val="bg1"/>
+              </a:solidFill>
+              <a:latin typeface="Courier New" panose="02070309020205020404" pitchFamily="49" charset="0"/>
+              <a:cs typeface="Courier New" panose="02070309020205020404" pitchFamily="49" charset="0"/>
             </a:endParaRPr>
           </a:p>
         </p:txBody>
@@ -7789,6 +10274,9 @@
             </a:pPr>
             <a:r>
               <a:rPr lang="en-US" sz="1400" dirty="0" err="1" smtClean="0">
+                <a:solidFill>
+                  <a:schemeClr val="bg1"/>
+                </a:solidFill>
                 <a:latin typeface="Courier New" panose="02070309020205020404" pitchFamily="49" charset="0"/>
                 <a:cs typeface="Courier New" panose="02070309020205020404" pitchFamily="49" charset="0"/>
               </a:rPr>
@@ -7796,6 +10284,9 @@
             </a:r>
             <a:r>
               <a:rPr lang="en-US" sz="1400" dirty="0" smtClean="0">
+                <a:solidFill>
+                  <a:schemeClr val="bg1"/>
+                </a:solidFill>
                 <a:latin typeface="Courier New" panose="02070309020205020404" pitchFamily="49" charset="0"/>
                 <a:cs typeface="Courier New" panose="02070309020205020404" pitchFamily="49" charset="0"/>
               </a:rPr>
@@ -7803,6 +10294,9 @@
             </a:r>
             <a:r>
               <a:rPr lang="en-US" sz="1400" dirty="0" err="1" smtClean="0">
+                <a:solidFill>
+                  <a:schemeClr val="bg1"/>
+                </a:solidFill>
                 <a:latin typeface="Courier New" panose="02070309020205020404" pitchFamily="49" charset="0"/>
                 <a:cs typeface="Courier New" panose="02070309020205020404" pitchFamily="49" charset="0"/>
               </a:rPr>
@@ -7810,6 +10304,9 @@
             </a:r>
             <a:r>
               <a:rPr lang="en-US" sz="1400" dirty="0" smtClean="0">
+                <a:solidFill>
+                  <a:schemeClr val="bg1"/>
+                </a:solidFill>
                 <a:latin typeface="Courier New" panose="02070309020205020404" pitchFamily="49" charset="0"/>
                 <a:cs typeface="Courier New" panose="02070309020205020404" pitchFamily="49" charset="0"/>
               </a:rPr>
@@ -7817,12 +10314,18 @@
             </a:r>
             <a:br>
               <a:rPr lang="en-US" sz="1400" dirty="0" smtClean="0">
+                <a:solidFill>
+                  <a:schemeClr val="bg1"/>
+                </a:solidFill>
                 <a:latin typeface="Courier New" panose="02070309020205020404" pitchFamily="49" charset="0"/>
                 <a:cs typeface="Courier New" panose="02070309020205020404" pitchFamily="49" charset="0"/>
               </a:rPr>
             </a:br>
             <a:r>
               <a:rPr lang="en-US" sz="1400" dirty="0" smtClean="0">
+                <a:solidFill>
+                  <a:schemeClr val="bg1"/>
+                </a:solidFill>
                 <a:latin typeface="Courier New" panose="02070309020205020404" pitchFamily="49" charset="0"/>
                 <a:cs typeface="Courier New" panose="02070309020205020404" pitchFamily="49" charset="0"/>
               </a:rPr>
@@ -7830,6 +10333,9 @@
             </a:r>
             <a:r>
               <a:rPr lang="en-US" sz="1400" dirty="0" err="1" smtClean="0">
+                <a:solidFill>
+                  <a:schemeClr val="bg1"/>
+                </a:solidFill>
                 <a:latin typeface="Courier New" panose="02070309020205020404" pitchFamily="49" charset="0"/>
                 <a:cs typeface="Courier New" panose="02070309020205020404" pitchFamily="49" charset="0"/>
               </a:rPr>
@@ -7837,6 +10343,9 @@
             </a:r>
             <a:r>
               <a:rPr lang="en-US" sz="1400" dirty="0" smtClean="0">
+                <a:solidFill>
+                  <a:schemeClr val="bg1"/>
+                </a:solidFill>
                 <a:latin typeface="Courier New" panose="02070309020205020404" pitchFamily="49" charset="0"/>
                 <a:cs typeface="Courier New" panose="02070309020205020404" pitchFamily="49" charset="0"/>
               </a:rPr>
@@ -7844,6 +10353,9 @@
             </a:r>
             <a:r>
               <a:rPr lang="en-US" sz="1400" b="1" dirty="0" smtClean="0">
+                <a:solidFill>
+                  <a:schemeClr val="bg1"/>
+                </a:solidFill>
                 <a:latin typeface="Courier New" panose="02070309020205020404" pitchFamily="49" charset="0"/>
                 <a:cs typeface="Courier New" panose="02070309020205020404" pitchFamily="49" charset="0"/>
               </a:rPr>
@@ -7851,6 +10363,9 @@
             </a:r>
             <a:r>
               <a:rPr lang="en-US" sz="1400" b="1" dirty="0" err="1" smtClean="0">
+                <a:solidFill>
+                  <a:schemeClr val="bg1"/>
+                </a:solidFill>
                 <a:latin typeface="Courier New" panose="02070309020205020404" pitchFamily="49" charset="0"/>
                 <a:cs typeface="Courier New" panose="02070309020205020404" pitchFamily="49" charset="0"/>
               </a:rPr>
@@ -7858,6 +10373,9 @@
             </a:r>
             <a:r>
               <a:rPr lang="en-US" sz="1400" b="1" dirty="0" smtClean="0">
+                <a:solidFill>
+                  <a:schemeClr val="bg1"/>
+                </a:solidFill>
                 <a:latin typeface="Courier New" panose="02070309020205020404" pitchFamily="49" charset="0"/>
                 <a:cs typeface="Courier New" panose="02070309020205020404" pitchFamily="49" charset="0"/>
               </a:rPr>
@@ -7865,6 +10383,9 @@
             </a:r>
             <a:r>
               <a:rPr lang="en-US" sz="1400" dirty="0" smtClean="0">
+                <a:solidFill>
+                  <a:schemeClr val="bg1"/>
+                </a:solidFill>
                 <a:latin typeface="Courier New" panose="02070309020205020404" pitchFamily="49" charset="0"/>
                 <a:cs typeface="Courier New" panose="02070309020205020404" pitchFamily="49" charset="0"/>
               </a:rPr>
@@ -7877,6 +10398,9 @@
             </a:pPr>
             <a:r>
               <a:rPr lang="en-US" sz="1400" dirty="0" smtClean="0">
+                <a:solidFill>
+                  <a:schemeClr val="bg1"/>
+                </a:solidFill>
                 <a:latin typeface="Courier New" panose="02070309020205020404" pitchFamily="49" charset="0"/>
                 <a:cs typeface="Courier New" panose="02070309020205020404" pitchFamily="49" charset="0"/>
               </a:rPr>
@@ -7884,6 +10408,9 @@
             </a:r>
             <a:r>
               <a:rPr lang="en-US" sz="1400" dirty="0" err="1" smtClean="0">
+                <a:solidFill>
+                  <a:schemeClr val="bg1"/>
+                </a:solidFill>
                 <a:latin typeface="Courier New" panose="02070309020205020404" pitchFamily="49" charset="0"/>
                 <a:cs typeface="Courier New" panose="02070309020205020404" pitchFamily="49" charset="0"/>
               </a:rPr>
@@ -7891,6 +10418,9 @@
             </a:r>
             <a:r>
               <a:rPr lang="en-US" sz="1400" dirty="0" smtClean="0">
+                <a:solidFill>
+                  <a:schemeClr val="bg1"/>
+                </a:solidFill>
                 <a:latin typeface="Courier New" panose="02070309020205020404" pitchFamily="49" charset="0"/>
                 <a:cs typeface="Courier New" panose="02070309020205020404" pitchFamily="49" charset="0"/>
               </a:rPr>
@@ -7898,6 +10428,9 @@
             </a:r>
             <a:r>
               <a:rPr lang="en-US" sz="1400" b="1" dirty="0" smtClean="0">
+                <a:solidFill>
+                  <a:schemeClr val="bg1"/>
+                </a:solidFill>
                 <a:latin typeface="Courier New" panose="02070309020205020404" pitchFamily="49" charset="0"/>
                 <a:cs typeface="Courier New" panose="02070309020205020404" pitchFamily="49" charset="0"/>
               </a:rPr>
@@ -7905,6 +10438,9 @@
             </a:r>
             <a:r>
               <a:rPr lang="en-US" sz="1400" b="1" dirty="0" err="1" smtClean="0">
+                <a:solidFill>
+                  <a:schemeClr val="bg1"/>
+                </a:solidFill>
                 <a:latin typeface="Courier New" panose="02070309020205020404" pitchFamily="49" charset="0"/>
                 <a:cs typeface="Courier New" panose="02070309020205020404" pitchFamily="49" charset="0"/>
               </a:rPr>
@@ -7912,6 +10448,9 @@
             </a:r>
             <a:r>
               <a:rPr lang="en-US" sz="1400" b="1" dirty="0" smtClean="0">
+                <a:solidFill>
+                  <a:schemeClr val="bg1"/>
+                </a:solidFill>
                 <a:latin typeface="Courier New" panose="02070309020205020404" pitchFamily="49" charset="0"/>
                 <a:cs typeface="Courier New" panose="02070309020205020404" pitchFamily="49" charset="0"/>
               </a:rPr>
@@ -7919,6 +10458,9 @@
             </a:r>
             <a:r>
               <a:rPr lang="en-US" sz="1400" dirty="0" smtClean="0">
+                <a:solidFill>
+                  <a:schemeClr val="bg1"/>
+                </a:solidFill>
                 <a:latin typeface="Courier New" panose="02070309020205020404" pitchFamily="49" charset="0"/>
                 <a:cs typeface="Courier New" panose="02070309020205020404" pitchFamily="49" charset="0"/>
               </a:rPr>
@@ -7931,6 +10473,9 @@
             </a:pPr>
             <a:r>
               <a:rPr lang="en-US" sz="1400" dirty="0" smtClean="0">
+                <a:solidFill>
+                  <a:schemeClr val="bg1"/>
+                </a:solidFill>
                 <a:latin typeface="Courier New" panose="02070309020205020404" pitchFamily="49" charset="0"/>
                 <a:cs typeface="Courier New" panose="02070309020205020404" pitchFamily="49" charset="0"/>
               </a:rPr>
@@ -8084,52 +10629,43 @@
         <p:spPr>
           <a:xfrm>
             <a:off x="782811" y="5494845"/>
-            <a:ext cx="6178872" cy="540060"/>
+            <a:ext cx="6178872" cy="584775"/>
           </a:xfrm>
           <a:prstGeom prst="rect">
             <a:avLst/>
           </a:prstGeom>
           <a:solidFill>
-            <a:schemeClr val="tx2">
-              <a:lumMod val="20000"/>
-              <a:lumOff val="80000"/>
-            </a:schemeClr>
+            <a:schemeClr val="accent1"/>
           </a:solidFill>
-          <a:ln w="9525">
-            <a:solidFill>
-              <a:schemeClr val="tx1"/>
-            </a:solidFill>
-          </a:ln>
+          <a:effectLst>
+            <a:outerShdw blurRad="50800" dist="38100" dir="2700000" algn="tl" rotWithShape="0">
+              <a:prstClr val="black">
+                <a:alpha val="40000"/>
+              </a:prstClr>
+            </a:outerShdw>
+          </a:effectLst>
         </p:spPr>
-        <p:style>
-          <a:lnRef idx="2">
-            <a:schemeClr val="accent1">
-              <a:shade val="50000"/>
-            </a:schemeClr>
-          </a:lnRef>
-          <a:fillRef idx="1">
-            <a:schemeClr val="accent1"/>
-          </a:fillRef>
-          <a:effectRef idx="0">
-            <a:schemeClr val="accent1"/>
-          </a:effectRef>
-          <a:fontRef idx="minor">
-            <a:schemeClr val="lt1"/>
-          </a:fontRef>
-        </p:style>
-        <p:txBody>
-          <a:bodyPr rtlCol="0" anchor="ctr">
-            <a:noAutofit/>
+        <p:txBody>
+          <a:bodyPr wrap="square">
+            <a:spAutoFit/>
           </a:bodyPr>
           <a:lstStyle/>
           <a:p>
-            <a:pPr algn="ctr"/>
-            <a:endParaRPr lang="en-US" dirty="0" smtClean="0">
+            <a:endParaRPr lang="de-DE" sz="1600" dirty="0" smtClean="0">
               <a:solidFill>
-                <a:schemeClr val="tx1"/>
+                <a:schemeClr val="bg1"/>
               </a:solidFill>
-              <a:latin typeface="Arial" pitchFamily="34" charset="0"/>
-              <a:cs typeface="Arial" pitchFamily="34" charset="0"/>
+              <a:latin typeface="Courier New" panose="02070309020205020404" pitchFamily="49" charset="0"/>
+              <a:cs typeface="Courier New" panose="02070309020205020404" pitchFamily="49" charset="0"/>
+            </a:endParaRPr>
+          </a:p>
+          <a:p>
+            <a:endParaRPr lang="en-US" sz="1600" dirty="0">
+              <a:solidFill>
+                <a:schemeClr val="bg1"/>
+              </a:solidFill>
+              <a:latin typeface="Courier New" panose="02070309020205020404" pitchFamily="49" charset="0"/>
+              <a:cs typeface="Courier New" panose="02070309020205020404" pitchFamily="49" charset="0"/>
             </a:endParaRPr>
           </a:p>
         </p:txBody>
@@ -8334,6 +10870,9 @@
             </a:pPr>
             <a:r>
               <a:rPr lang="en-US" sz="1400" dirty="0" err="1" smtClean="0">
+                <a:solidFill>
+                  <a:schemeClr val="bg1"/>
+                </a:solidFill>
                 <a:latin typeface="Courier New" panose="02070309020205020404" pitchFamily="49" charset="0"/>
                 <a:cs typeface="Courier New" panose="02070309020205020404" pitchFamily="49" charset="0"/>
               </a:rPr>
@@ -8341,12 +10880,18 @@
             </a:r>
             <a:r>
               <a:rPr lang="en-US" sz="1400" dirty="0" smtClean="0">
+                <a:solidFill>
+                  <a:schemeClr val="bg1"/>
+                </a:solidFill>
                 <a:latin typeface="Courier New" panose="02070309020205020404" pitchFamily="49" charset="0"/>
                 <a:cs typeface="Courier New" panose="02070309020205020404" pitchFamily="49" charset="0"/>
               </a:rPr>
               <a:t>() </a:t>
             </a:r>
             <a:endParaRPr lang="en-US" sz="1400" dirty="0">
+              <a:solidFill>
+                <a:schemeClr val="bg1"/>
+              </a:solidFill>
               <a:latin typeface="Courier New" panose="02070309020205020404" pitchFamily="49" charset="0"/>
               <a:cs typeface="Courier New" panose="02070309020205020404" pitchFamily="49" charset="0"/>
             </a:endParaRPr>
@@ -8421,7 +10966,7 @@
           <p:nvPr/>
         </p:nvPicPr>
         <p:blipFill>
-          <a:blip r:embed="rId2">
+          <a:blip r:embed="rId3">
             <a:extLst>
               <a:ext uri="{28A0092B-C50C-407E-A947-70E740481C1C}">
                 <a14:useLocalDpi xmlns:a14="http://schemas.microsoft.com/office/drawing/2010/main" val="0"/>
@@ -8589,15 +11134,27 @@
             </a:r>
             <a:r>
               <a:rPr lang="en-US" sz="1600" dirty="0" smtClean="0"/>
-              <a:t>returns an instance of </a:t>
-            </a:r>
-            <a:r>
-              <a:rPr lang="en-US" sz="1600" dirty="0" err="1" smtClean="0">
+              <a:t>returns </a:t>
+            </a:r>
+            <a:r>
+              <a:rPr lang="en-US" sz="1600" dirty="0" smtClean="0"/>
+              <a:t>an instance of </a:t>
+            </a:r>
+            <a:r>
+              <a:rPr lang="en-US" sz="1600" dirty="0">
                 <a:solidFill>
                   <a:schemeClr val="accent1"/>
                 </a:solidFill>
               </a:rPr>
-              <a:t>CNamedShape</a:t>
+              <a:t>tigl3.geometry.CNamedShap</a:t>
+            </a:r>
+            <a:r>
+              <a:rPr lang="en-US" sz="1600" dirty="0" smtClean="0">
+                <a:solidFill>
+                  <a:schemeClr val="accent1"/>
+                </a:solidFill>
+              </a:rPr>
+              <a:t>e</a:t>
             </a:r>
             <a:endParaRPr lang="en-US" sz="1600" dirty="0" smtClean="0">
               <a:solidFill>
@@ -8723,7 +11280,7 @@
           <p:nvPr/>
         </p:nvPicPr>
         <p:blipFill rotWithShape="1">
-          <a:blip r:embed="rId2">
+          <a:blip r:embed="rId3">
             <a:extLst>
               <a:ext uri="{28A0092B-C50C-407E-A947-70E740481C1C}">
                 <a14:useLocalDpi xmlns:a14="http://schemas.microsoft.com/office/drawing/2010/main" val="0"/>
@@ -8874,12 +11431,12 @@
               <a:t>Methods of </a:t>
             </a:r>
             <a:r>
-              <a:rPr lang="en-US" sz="1600" b="1" dirty="0" err="1" smtClean="0">
+              <a:rPr lang="en-US" sz="1600" b="1" dirty="0">
                 <a:solidFill>
                   <a:schemeClr val="accent1"/>
                 </a:solidFill>
               </a:rPr>
-              <a:t>CNamedShape</a:t>
+              <a:t>tigl3.geometry.</a:t>
             </a:r>
             <a:r>
               <a:rPr lang="en-US" sz="1600" b="1" dirty="0" smtClean="0">
@@ -8887,7 +11444,7 @@
                   <a:schemeClr val="accent1"/>
                 </a:solidFill>
               </a:rPr>
-              <a:t> </a:t>
+              <a:t>CNamedShape </a:t>
             </a:r>
             <a:r>
               <a:rPr lang="en-US" sz="1600" dirty="0" smtClean="0"/>
@@ -9061,8 +11618,74 @@
             </a:r>
             <a:r>
               <a:rPr lang="en-US" sz="1400" dirty="0"/>
-              <a:t>Name of the face</a:t>
-            </a:r>
+              <a:t>Name of the </a:t>
+            </a:r>
+            <a:r>
+              <a:rPr lang="en-US" sz="1400" dirty="0" smtClean="0"/>
+              <a:t>face</a:t>
+            </a:r>
+          </a:p>
+          <a:p>
+            <a:pPr lvl="2">
+              <a:buFont typeface="Wingdings" panose="05000000000000000000" pitchFamily="2" charset="2"/>
+              <a:buChar char="§"/>
+            </a:pPr>
+            <a:endParaRPr lang="en-US" sz="1400" dirty="0" smtClean="0">
+              <a:latin typeface="Courier New" panose="02070309020205020404" pitchFamily="49" charset="0"/>
+              <a:cs typeface="Courier New" panose="02070309020205020404" pitchFamily="49" charset="0"/>
+            </a:endParaRPr>
+          </a:p>
+          <a:p>
+            <a:pPr lvl="2">
+              <a:buFont typeface="Wingdings" panose="05000000000000000000" pitchFamily="2" charset="2"/>
+              <a:buChar char="§"/>
+            </a:pPr>
+            <a:r>
+              <a:rPr lang="en-US" sz="1400" dirty="0" smtClean="0">
+                <a:latin typeface="Courier New" panose="02070309020205020404" pitchFamily="49" charset="0"/>
+                <a:cs typeface="Courier New" panose="02070309020205020404" pitchFamily="49" charset="0"/>
+              </a:rPr>
+              <a:t>.</a:t>
+            </a:r>
+            <a:r>
+              <a:rPr lang="en-US" sz="1400" dirty="0" err="1" smtClean="0">
+                <a:latin typeface="Courier New" panose="02070309020205020404" pitchFamily="49" charset="0"/>
+                <a:cs typeface="Courier New" panose="02070309020205020404" pitchFamily="49" charset="0"/>
+              </a:rPr>
+              <a:t>set_name</a:t>
+            </a:r>
+            <a:r>
+              <a:rPr lang="en-US" sz="1400" dirty="0">
+                <a:latin typeface="Courier New" panose="02070309020205020404" pitchFamily="49" charset="0"/>
+                <a:cs typeface="Courier New" panose="02070309020205020404" pitchFamily="49" charset="0"/>
+              </a:rPr>
+              <a:t>(): </a:t>
+            </a:r>
+            <a:r>
+              <a:rPr lang="en-US" sz="1400" dirty="0"/>
+              <a:t>Set the </a:t>
+            </a:r>
+            <a:r>
+              <a:rPr lang="en-US" sz="1400" dirty="0"/>
+              <a:t>n</a:t>
+            </a:r>
+            <a:r>
+              <a:rPr lang="en-US" sz="1400" dirty="0"/>
+              <a:t>ame </a:t>
+            </a:r>
+            <a:r>
+              <a:rPr lang="en-US" sz="1400" dirty="0"/>
+              <a:t>of </a:t>
+            </a:r>
+            <a:r>
+              <a:rPr lang="en-US" sz="1400" dirty="0"/>
+              <a:t>the </a:t>
+            </a:r>
+            <a:r>
+              <a:rPr lang="en-US" sz="1400" dirty="0" smtClean="0"/>
+              <a:t>face</a:t>
+            </a:r>
+            <a:endParaRPr lang="en-US" sz="1400" dirty="0"/>
           </a:p>
           <a:p>
             <a:pPr lvl="2">
@@ -9209,53 +11832,35 @@
         </p:nvSpPr>
         <p:spPr>
           <a:xfrm>
-            <a:off x="696987" y="5609084"/>
-            <a:ext cx="10729192" cy="412998"/>
+            <a:off x="696987" y="5662042"/>
+            <a:ext cx="10729192" cy="338554"/>
           </a:xfrm>
           <a:prstGeom prst="rect">
             <a:avLst/>
           </a:prstGeom>
           <a:solidFill>
-            <a:schemeClr val="tx2">
-              <a:lumMod val="20000"/>
-              <a:lumOff val="80000"/>
-            </a:schemeClr>
+            <a:schemeClr val="accent1"/>
           </a:solidFill>
-          <a:ln w="9525">
-            <a:solidFill>
-              <a:schemeClr val="tx1"/>
-            </a:solidFill>
-          </a:ln>
+          <a:effectLst>
+            <a:outerShdw blurRad="50800" dist="38100" dir="2700000" algn="tl" rotWithShape="0">
+              <a:prstClr val="black">
+                <a:alpha val="40000"/>
+              </a:prstClr>
+            </a:outerShdw>
+          </a:effectLst>
         </p:spPr>
-        <p:style>
-          <a:lnRef idx="2">
-            <a:schemeClr val="accent1">
-              <a:shade val="50000"/>
-            </a:schemeClr>
-          </a:lnRef>
-          <a:fillRef idx="1">
-            <a:schemeClr val="accent1"/>
-          </a:fillRef>
-          <a:effectRef idx="0">
-            <a:schemeClr val="accent1"/>
-          </a:effectRef>
-          <a:fontRef idx="minor">
-            <a:schemeClr val="lt1"/>
-          </a:fontRef>
-        </p:style>
-        <p:txBody>
-          <a:bodyPr rtlCol="0" anchor="ctr">
-            <a:noAutofit/>
+        <p:txBody>
+          <a:bodyPr wrap="square">
+            <a:spAutoFit/>
           </a:bodyPr>
           <a:lstStyle/>
           <a:p>
-            <a:pPr algn="ctr"/>
-            <a:endParaRPr lang="en-US" dirty="0" smtClean="0">
+            <a:endParaRPr lang="en-US" sz="1600" dirty="0">
               <a:solidFill>
-                <a:schemeClr val="tx1"/>
+                <a:schemeClr val="bg1"/>
               </a:solidFill>
-              <a:latin typeface="Arial" pitchFamily="34" charset="0"/>
-              <a:cs typeface="Arial" pitchFamily="34" charset="0"/>
+              <a:latin typeface="Courier New" panose="02070309020205020404" pitchFamily="49" charset="0"/>
+              <a:cs typeface="Courier New" panose="02070309020205020404" pitchFamily="49" charset="0"/>
             </a:endParaRPr>
           </a:p>
         </p:txBody>
@@ -9269,52 +11874,34 @@
         <p:spPr>
           <a:xfrm>
             <a:off x="696987" y="4634880"/>
-            <a:ext cx="10729192" cy="412998"/>
+            <a:ext cx="10729192" cy="338554"/>
           </a:xfrm>
           <a:prstGeom prst="rect">
             <a:avLst/>
           </a:prstGeom>
           <a:solidFill>
-            <a:schemeClr val="tx2">
-              <a:lumMod val="20000"/>
-              <a:lumOff val="80000"/>
-            </a:schemeClr>
+            <a:schemeClr val="accent1"/>
           </a:solidFill>
-          <a:ln w="9525">
-            <a:solidFill>
-              <a:schemeClr val="tx1"/>
-            </a:solidFill>
-          </a:ln>
+          <a:effectLst>
+            <a:outerShdw blurRad="50800" dist="38100" dir="2700000" algn="tl" rotWithShape="0">
+              <a:prstClr val="black">
+                <a:alpha val="40000"/>
+              </a:prstClr>
+            </a:outerShdw>
+          </a:effectLst>
         </p:spPr>
-        <p:style>
-          <a:lnRef idx="2">
-            <a:schemeClr val="accent1">
-              <a:shade val="50000"/>
-            </a:schemeClr>
-          </a:lnRef>
-          <a:fillRef idx="1">
-            <a:schemeClr val="accent1"/>
-          </a:fillRef>
-          <a:effectRef idx="0">
-            <a:schemeClr val="accent1"/>
-          </a:effectRef>
-          <a:fontRef idx="minor">
-            <a:schemeClr val="lt1"/>
-          </a:fontRef>
-        </p:style>
-        <p:txBody>
-          <a:bodyPr rtlCol="0" anchor="ctr">
-            <a:noAutofit/>
+        <p:txBody>
+          <a:bodyPr wrap="square">
+            <a:spAutoFit/>
           </a:bodyPr>
           <a:lstStyle/>
           <a:p>
-            <a:pPr algn="ctr"/>
-            <a:endParaRPr lang="en-US" dirty="0" smtClean="0">
+            <a:endParaRPr lang="en-US" sz="1600" dirty="0">
               <a:solidFill>
-                <a:schemeClr val="tx1"/>
+                <a:schemeClr val="bg1"/>
               </a:solidFill>
-              <a:latin typeface="Arial" pitchFamily="34" charset="0"/>
-              <a:cs typeface="Arial" pitchFamily="34" charset="0"/>
+              <a:latin typeface="Courier New" panose="02070309020205020404" pitchFamily="49" charset="0"/>
+              <a:cs typeface="Courier New" panose="02070309020205020404" pitchFamily="49" charset="0"/>
             </a:endParaRPr>
           </a:p>
         </p:txBody>
@@ -9328,52 +11915,34 @@
         <p:spPr>
           <a:xfrm>
             <a:off x="696987" y="3429794"/>
-            <a:ext cx="10729192" cy="412998"/>
+            <a:ext cx="10729192" cy="338554"/>
           </a:xfrm>
           <a:prstGeom prst="rect">
             <a:avLst/>
           </a:prstGeom>
           <a:solidFill>
-            <a:schemeClr val="tx2">
-              <a:lumMod val="20000"/>
-              <a:lumOff val="80000"/>
-            </a:schemeClr>
+            <a:schemeClr val="accent1"/>
           </a:solidFill>
-          <a:ln w="9525">
-            <a:solidFill>
-              <a:schemeClr val="tx1"/>
-            </a:solidFill>
-          </a:ln>
+          <a:effectLst>
+            <a:outerShdw blurRad="50800" dist="38100" dir="2700000" algn="tl" rotWithShape="0">
+              <a:prstClr val="black">
+                <a:alpha val="40000"/>
+              </a:prstClr>
+            </a:outerShdw>
+          </a:effectLst>
         </p:spPr>
-        <p:style>
-          <a:lnRef idx="2">
-            <a:schemeClr val="accent1">
-              <a:shade val="50000"/>
-            </a:schemeClr>
-          </a:lnRef>
-          <a:fillRef idx="1">
-            <a:schemeClr val="accent1"/>
-          </a:fillRef>
-          <a:effectRef idx="0">
-            <a:schemeClr val="accent1"/>
-          </a:effectRef>
-          <a:fontRef idx="minor">
-            <a:schemeClr val="lt1"/>
-          </a:fontRef>
-        </p:style>
-        <p:txBody>
-          <a:bodyPr rtlCol="0" anchor="ctr">
-            <a:noAutofit/>
+        <p:txBody>
+          <a:bodyPr wrap="square">
+            <a:spAutoFit/>
           </a:bodyPr>
           <a:lstStyle/>
           <a:p>
-            <a:pPr algn="ctr"/>
-            <a:endParaRPr lang="en-US" dirty="0" smtClean="0">
+            <a:endParaRPr lang="en-US" sz="1600" dirty="0">
               <a:solidFill>
-                <a:schemeClr val="tx1"/>
+                <a:schemeClr val="bg1"/>
               </a:solidFill>
-              <a:latin typeface="Arial" pitchFamily="34" charset="0"/>
-              <a:cs typeface="Arial" pitchFamily="34" charset="0"/>
+              <a:latin typeface="Courier New" panose="02070309020205020404" pitchFamily="49" charset="0"/>
+              <a:cs typeface="Courier New" panose="02070309020205020404" pitchFamily="49" charset="0"/>
             </a:endParaRPr>
           </a:p>
         </p:txBody>
@@ -9387,52 +11956,52 @@
         <p:spPr>
           <a:xfrm>
             <a:off x="696987" y="2061642"/>
-            <a:ext cx="10729192" cy="845046"/>
+            <a:ext cx="10729192" cy="830997"/>
           </a:xfrm>
           <a:prstGeom prst="rect">
             <a:avLst/>
           </a:prstGeom>
           <a:solidFill>
-            <a:schemeClr val="tx2">
-              <a:lumMod val="20000"/>
-              <a:lumOff val="80000"/>
-            </a:schemeClr>
+            <a:schemeClr val="accent1"/>
           </a:solidFill>
-          <a:ln w="9525">
-            <a:solidFill>
-              <a:schemeClr val="tx1"/>
-            </a:solidFill>
-          </a:ln>
+          <a:effectLst>
+            <a:outerShdw blurRad="50800" dist="38100" dir="2700000" algn="tl" rotWithShape="0">
+              <a:prstClr val="black">
+                <a:alpha val="40000"/>
+              </a:prstClr>
+            </a:outerShdw>
+          </a:effectLst>
         </p:spPr>
-        <p:style>
-          <a:lnRef idx="2">
-            <a:schemeClr val="accent1">
-              <a:shade val="50000"/>
-            </a:schemeClr>
-          </a:lnRef>
-          <a:fillRef idx="1">
-            <a:schemeClr val="accent1"/>
-          </a:fillRef>
-          <a:effectRef idx="0">
-            <a:schemeClr val="accent1"/>
-          </a:effectRef>
-          <a:fontRef idx="minor">
-            <a:schemeClr val="lt1"/>
-          </a:fontRef>
-        </p:style>
-        <p:txBody>
-          <a:bodyPr rtlCol="0" anchor="ctr">
-            <a:noAutofit/>
+        <p:txBody>
+          <a:bodyPr wrap="square">
+            <a:spAutoFit/>
           </a:bodyPr>
           <a:lstStyle/>
           <a:p>
-            <a:pPr algn="ctr"/>
-            <a:endParaRPr lang="en-US" dirty="0" smtClean="0">
+            <a:endParaRPr lang="de-DE" sz="1600" dirty="0" smtClean="0">
               <a:solidFill>
-                <a:schemeClr val="tx1"/>
+                <a:schemeClr val="bg1"/>
               </a:solidFill>
-              <a:latin typeface="Arial" pitchFamily="34" charset="0"/>
-              <a:cs typeface="Arial" pitchFamily="34" charset="0"/>
+              <a:latin typeface="Courier New" panose="02070309020205020404" pitchFamily="49" charset="0"/>
+              <a:cs typeface="Courier New" panose="02070309020205020404" pitchFamily="49" charset="0"/>
+            </a:endParaRPr>
+          </a:p>
+          <a:p>
+            <a:endParaRPr lang="de-DE" sz="1600" dirty="0">
+              <a:solidFill>
+                <a:schemeClr val="bg1"/>
+              </a:solidFill>
+              <a:latin typeface="Courier New" panose="02070309020205020404" pitchFamily="49" charset="0"/>
+              <a:cs typeface="Courier New" panose="02070309020205020404" pitchFamily="49" charset="0"/>
+            </a:endParaRPr>
+          </a:p>
+          <a:p>
+            <a:endParaRPr lang="en-US" sz="1600" dirty="0">
+              <a:solidFill>
+                <a:schemeClr val="bg1"/>
+              </a:solidFill>
+              <a:latin typeface="Courier New" panose="02070309020205020404" pitchFamily="49" charset="0"/>
+              <a:cs typeface="Courier New" panose="02070309020205020404" pitchFamily="49" charset="0"/>
             </a:endParaRPr>
           </a:p>
         </p:txBody>
@@ -9525,6 +12094,9 @@
             </a:pPr>
             <a:r>
               <a:rPr lang="en-US" sz="1400" b="1" dirty="0" smtClean="0">
+                <a:solidFill>
+                  <a:schemeClr val="bg1"/>
+                </a:solidFill>
                 <a:latin typeface="Courier New" panose="02070309020205020404" pitchFamily="49" charset="0"/>
                 <a:cs typeface="Courier New" panose="02070309020205020404" pitchFamily="49" charset="0"/>
               </a:rPr>
@@ -9532,6 +12104,9 @@
             </a:r>
             <a:r>
               <a:rPr lang="en-US" sz="1400" dirty="0" smtClean="0">
+                <a:solidFill>
+                  <a:schemeClr val="bg1"/>
+                </a:solidFill>
                 <a:latin typeface="Courier New" panose="02070309020205020404" pitchFamily="49" charset="0"/>
                 <a:cs typeface="Courier New" panose="02070309020205020404" pitchFamily="49" charset="0"/>
               </a:rPr>
@@ -9539,6 +12114,9 @@
             </a:r>
             <a:r>
               <a:rPr lang="en-US" sz="1400" b="1" dirty="0" smtClean="0">
+                <a:solidFill>
+                  <a:schemeClr val="bg1"/>
+                </a:solidFill>
                 <a:latin typeface="Courier New" panose="02070309020205020404" pitchFamily="49" charset="0"/>
                 <a:cs typeface="Courier New" panose="02070309020205020404" pitchFamily="49" charset="0"/>
               </a:rPr>
@@ -9546,12 +12124,18 @@
             </a:r>
             <a:r>
               <a:rPr lang="en-US" sz="1400" dirty="0" err="1" smtClean="0">
+                <a:solidFill>
+                  <a:schemeClr val="bg1"/>
+                </a:solidFill>
                 <a:latin typeface="Courier New" panose="02070309020205020404" pitchFamily="49" charset="0"/>
                 <a:cs typeface="Courier New" panose="02070309020205020404" pitchFamily="49" charset="0"/>
               </a:rPr>
               <a:t>CNamedShape</a:t>
             </a:r>
             <a:endParaRPr lang="en-US" sz="1400" dirty="0" smtClean="0">
+              <a:solidFill>
+                <a:schemeClr val="bg1"/>
+              </a:solidFill>
               <a:latin typeface="Courier New" panose="02070309020205020404" pitchFamily="49" charset="0"/>
               <a:cs typeface="Courier New" panose="02070309020205020404" pitchFamily="49" charset="0"/>
             </a:endParaRPr>
@@ -9562,6 +12146,9 @@
             </a:pPr>
             <a:r>
               <a:rPr lang="en-US" sz="1400" dirty="0" smtClean="0">
+                <a:solidFill>
+                  <a:schemeClr val="bg1"/>
+                </a:solidFill>
                 <a:latin typeface="Courier New" panose="02070309020205020404" pitchFamily="49" charset="0"/>
                 <a:cs typeface="Courier New" panose="02070309020205020404" pitchFamily="49" charset="0"/>
               </a:rPr>
@@ -9569,6 +12156,9 @@
             </a:r>
             <a:r>
               <a:rPr lang="en-US" sz="1400" dirty="0" err="1" smtClean="0">
+                <a:solidFill>
+                  <a:schemeClr val="bg1"/>
+                </a:solidFill>
                 <a:latin typeface="Courier New" panose="02070309020205020404" pitchFamily="49" charset="0"/>
                 <a:cs typeface="Courier New" panose="02070309020205020404" pitchFamily="49" charset="0"/>
               </a:rPr>
@@ -9576,6 +12166,9 @@
             </a:r>
             <a:r>
               <a:rPr lang="en-US" sz="1400" dirty="0" smtClean="0">
+                <a:solidFill>
+                  <a:schemeClr val="bg1"/>
+                </a:solidFill>
                 <a:latin typeface="Courier New" panose="02070309020205020404" pitchFamily="49" charset="0"/>
                 <a:cs typeface="Courier New" panose="02070309020205020404" pitchFamily="49" charset="0"/>
               </a:rPr>
@@ -9583,6 +12176,9 @@
             </a:r>
             <a:r>
               <a:rPr lang="en-US" sz="1400" i="1" dirty="0" smtClean="0">
+                <a:solidFill>
+                  <a:schemeClr val="bg1"/>
+                </a:solidFill>
                 <a:latin typeface="Courier New" panose="02070309020205020404" pitchFamily="49" charset="0"/>
                 <a:cs typeface="Courier New" panose="02070309020205020404" pitchFamily="49" charset="0"/>
               </a:rPr>
@@ -9595,6 +12191,9 @@
             </a:pPr>
             <a:r>
               <a:rPr lang="en-US" sz="1400" dirty="0" err="1" smtClean="0">
+                <a:solidFill>
+                  <a:schemeClr val="bg1"/>
+                </a:solidFill>
                 <a:latin typeface="Courier New" panose="02070309020205020404" pitchFamily="49" charset="0"/>
                 <a:cs typeface="Courier New" panose="02070309020205020404" pitchFamily="49" charset="0"/>
               </a:rPr>
@@ -9602,6 +12201,9 @@
             </a:r>
             <a:r>
               <a:rPr lang="en-US" sz="1400" dirty="0" smtClean="0">
+                <a:solidFill>
+                  <a:schemeClr val="bg1"/>
+                </a:solidFill>
                 <a:latin typeface="Courier New" panose="02070309020205020404" pitchFamily="49" charset="0"/>
                 <a:cs typeface="Courier New" panose="02070309020205020404" pitchFamily="49" charset="0"/>
               </a:rPr>
@@ -9609,6 +12211,9 @@
             </a:r>
             <a:r>
               <a:rPr lang="en-US" sz="1400" dirty="0" err="1" smtClean="0">
+                <a:solidFill>
+                  <a:schemeClr val="bg1"/>
+                </a:solidFill>
                 <a:latin typeface="Courier New" panose="02070309020205020404" pitchFamily="49" charset="0"/>
                 <a:cs typeface="Courier New" panose="02070309020205020404" pitchFamily="49" charset="0"/>
               </a:rPr>
@@ -9616,6 +12221,9 @@
             </a:r>
             <a:r>
               <a:rPr lang="en-US" sz="1400" dirty="0" smtClean="0">
+                <a:solidFill>
+                  <a:schemeClr val="bg1"/>
+                </a:solidFill>
                 <a:latin typeface="Courier New" panose="02070309020205020404" pitchFamily="49" charset="0"/>
                 <a:cs typeface="Courier New" panose="02070309020205020404" pitchFamily="49" charset="0"/>
               </a:rPr>
@@ -9623,6 +12231,9 @@
             </a:r>
             <a:r>
               <a:rPr lang="en-US" sz="1400" b="1" dirty="0" smtClean="0">
+                <a:solidFill>
+                  <a:schemeClr val="bg1"/>
+                </a:solidFill>
                 <a:latin typeface="Courier New" panose="02070309020205020404" pitchFamily="49" charset="0"/>
                 <a:cs typeface="Courier New" panose="02070309020205020404" pitchFamily="49" charset="0"/>
               </a:rPr>
@@ -9630,6 +12241,9 @@
             </a:r>
             <a:r>
               <a:rPr lang="en-US" sz="1400" b="1" dirty="0" err="1" smtClean="0">
+                <a:solidFill>
+                  <a:schemeClr val="bg1"/>
+                </a:solidFill>
                 <a:latin typeface="Courier New" panose="02070309020205020404" pitchFamily="49" charset="0"/>
                 <a:cs typeface="Courier New" panose="02070309020205020404" pitchFamily="49" charset="0"/>
               </a:rPr>
@@ -9637,6 +12251,9 @@
             </a:r>
             <a:r>
               <a:rPr lang="en-US" sz="1400" b="1" dirty="0" smtClean="0">
+                <a:solidFill>
+                  <a:schemeClr val="bg1"/>
+                </a:solidFill>
                 <a:latin typeface="Courier New" panose="02070309020205020404" pitchFamily="49" charset="0"/>
                 <a:cs typeface="Courier New" panose="02070309020205020404" pitchFamily="49" charset="0"/>
               </a:rPr>
@@ -9644,6 +12261,9 @@
             </a:r>
             <a:r>
               <a:rPr lang="en-US" sz="1400" dirty="0" smtClean="0">
+                <a:solidFill>
+                  <a:schemeClr val="bg1"/>
+                </a:solidFill>
                 <a:latin typeface="Courier New" panose="02070309020205020404" pitchFamily="49" charset="0"/>
                 <a:cs typeface="Courier New" panose="02070309020205020404" pitchFamily="49" charset="0"/>
               </a:rPr>
@@ -9667,6 +12287,9 @@
           </a:p>
           <a:p>
             <a:endParaRPr lang="en-US" sz="1400" dirty="0" smtClean="0">
+              <a:solidFill>
+                <a:schemeClr val="bg1"/>
+              </a:solidFill>
               <a:latin typeface="Courier New" panose="02070309020205020404" pitchFamily="49" charset="0"/>
               <a:cs typeface="Courier New" panose="02070309020205020404" pitchFamily="49" charset="0"/>
             </a:endParaRPr>
@@ -9677,6 +12300,9 @@
             </a:pPr>
             <a:r>
               <a:rPr lang="en-US" sz="1400" dirty="0" smtClean="0">
+                <a:solidFill>
+                  <a:schemeClr val="bg1"/>
+                </a:solidFill>
                 <a:latin typeface="Courier New" panose="02070309020205020404" pitchFamily="49" charset="0"/>
                 <a:cs typeface="Courier New" panose="02070309020205020404" pitchFamily="49" charset="0"/>
               </a:rPr>
@@ -9684,6 +12310,9 @@
             </a:r>
             <a:r>
               <a:rPr lang="en-US" sz="1400" dirty="0" err="1" smtClean="0">
+                <a:solidFill>
+                  <a:schemeClr val="bg1"/>
+                </a:solidFill>
                 <a:latin typeface="Courier New" panose="02070309020205020404" pitchFamily="49" charset="0"/>
                 <a:cs typeface="Courier New" panose="02070309020205020404" pitchFamily="49" charset="0"/>
               </a:rPr>
@@ -9691,6 +12320,9 @@
             </a:r>
             <a:r>
               <a:rPr lang="en-US" sz="1400" dirty="0" smtClean="0">
+                <a:solidFill>
+                  <a:schemeClr val="bg1"/>
+                </a:solidFill>
                 <a:latin typeface="Courier New" panose="02070309020205020404" pitchFamily="49" charset="0"/>
                 <a:cs typeface="Courier New" panose="02070309020205020404" pitchFamily="49" charset="0"/>
               </a:rPr>
@@ -9698,6 +12330,9 @@
             </a:r>
             <a:r>
               <a:rPr lang="en-US" sz="1400" i="1" dirty="0" smtClean="0">
+                <a:solidFill>
+                  <a:schemeClr val="bg1"/>
+                </a:solidFill>
                 <a:latin typeface="Courier New" panose="02070309020205020404" pitchFamily="49" charset="0"/>
                 <a:cs typeface="Courier New" panose="02070309020205020404" pitchFamily="49" charset="0"/>
               </a:rPr>
@@ -9746,10 +12381,23 @@
                 <a:latin typeface="Courier New" panose="02070309020205020404" pitchFamily="49" charset="0"/>
                 <a:cs typeface="Courier New" panose="02070309020205020404" pitchFamily="49" charset="0"/>
               </a:rPr>
-              <a:t>	print(</a:t>
+              <a:t>	</a:t>
+            </a:r>
+            <a:r>
+              <a:rPr lang="en-US" sz="1400" dirty="0" smtClean="0">
+                <a:solidFill>
+                  <a:schemeClr val="bg1"/>
+                </a:solidFill>
+                <a:latin typeface="Courier New" panose="02070309020205020404" pitchFamily="49" charset="0"/>
+                <a:cs typeface="Courier New" panose="02070309020205020404" pitchFamily="49" charset="0"/>
+              </a:rPr>
+              <a:t>print(</a:t>
             </a:r>
             <a:r>
               <a:rPr lang="en-US" sz="1400" dirty="0" err="1" smtClean="0">
+                <a:solidFill>
+                  <a:schemeClr val="bg1"/>
+                </a:solidFill>
                 <a:latin typeface="Courier New" panose="02070309020205020404" pitchFamily="49" charset="0"/>
                 <a:cs typeface="Courier New" panose="02070309020205020404" pitchFamily="49" charset="0"/>
               </a:rPr>
@@ -9757,6 +12405,9 @@
             </a:r>
             <a:r>
               <a:rPr lang="en-US" sz="1400" dirty="0" smtClean="0">
+                <a:solidFill>
+                  <a:schemeClr val="bg1"/>
+                </a:solidFill>
                 <a:latin typeface="Courier New" panose="02070309020205020404" pitchFamily="49" charset="0"/>
                 <a:cs typeface="Courier New" panose="02070309020205020404" pitchFamily="49" charset="0"/>
               </a:rPr>
@@ -9793,6 +12444,9 @@
             </a:pPr>
             <a:r>
               <a:rPr lang="en-US" sz="1400" dirty="0" err="1" smtClean="0">
+                <a:solidFill>
+                  <a:schemeClr val="bg1"/>
+                </a:solidFill>
                 <a:latin typeface="Courier New" panose="02070309020205020404" pitchFamily="49" charset="0"/>
                 <a:cs typeface="Courier New" panose="02070309020205020404" pitchFamily="49" charset="0"/>
               </a:rPr>
@@ -9800,6 +12454,9 @@
             </a:r>
             <a:r>
               <a:rPr lang="en-US" sz="1400" dirty="0" smtClean="0">
+                <a:solidFill>
+                  <a:schemeClr val="bg1"/>
+                </a:solidFill>
                 <a:latin typeface="Courier New" panose="02070309020205020404" pitchFamily="49" charset="0"/>
                 <a:cs typeface="Courier New" panose="02070309020205020404" pitchFamily="49" charset="0"/>
               </a:rPr>
@@ -9807,6 +12464,9 @@
             </a:r>
             <a:r>
               <a:rPr lang="en-US" sz="1400" dirty="0" err="1" smtClean="0">
+                <a:solidFill>
+                  <a:schemeClr val="bg1"/>
+                </a:solidFill>
                 <a:latin typeface="Courier New" panose="02070309020205020404" pitchFamily="49" charset="0"/>
                 <a:cs typeface="Courier New" panose="02070309020205020404" pitchFamily="49" charset="0"/>
               </a:rPr>
@@ -9814,6 +12474,9 @@
             </a:r>
             <a:r>
               <a:rPr lang="en-US" sz="1400" dirty="0" smtClean="0">
+                <a:solidFill>
+                  <a:schemeClr val="bg1"/>
+                </a:solidFill>
                 <a:latin typeface="Courier New" panose="02070309020205020404" pitchFamily="49" charset="0"/>
                 <a:cs typeface="Courier New" panose="02070309020205020404" pitchFamily="49" charset="0"/>
               </a:rPr>
@@ -9821,6 +12484,9 @@
             </a:r>
             <a:r>
               <a:rPr lang="en-US" sz="1400" b="1" dirty="0" smtClean="0">
+                <a:solidFill>
+                  <a:schemeClr val="bg1"/>
+                </a:solidFill>
                 <a:latin typeface="Courier New" panose="02070309020205020404" pitchFamily="49" charset="0"/>
                 <a:cs typeface="Courier New" panose="02070309020205020404" pitchFamily="49" charset="0"/>
               </a:rPr>
@@ -9828,12 +12494,18 @@
             </a:r>
             <a:r>
               <a:rPr lang="en-US" sz="1400" dirty="0" smtClean="0">
+                <a:solidFill>
+                  <a:schemeClr val="bg1"/>
+                </a:solidFill>
                 <a:latin typeface="Courier New" panose="02070309020205020404" pitchFamily="49" charset="0"/>
                 <a:cs typeface="Courier New" panose="02070309020205020404" pitchFamily="49" charset="0"/>
               </a:rPr>
               <a:t>)</a:t>
             </a:r>
             <a:endParaRPr lang="en-US" sz="1400" dirty="0">
+              <a:solidFill>
+                <a:schemeClr val="bg1"/>
+              </a:solidFill>
               <a:latin typeface="Courier New" panose="02070309020205020404" pitchFamily="49" charset="0"/>
               <a:cs typeface="Courier New" panose="02070309020205020404" pitchFamily="49" charset="0"/>
             </a:endParaRPr>
@@ -10680,7 +13352,7 @@
           <p:nvPr/>
         </p:nvPicPr>
         <p:blipFill>
-          <a:blip r:embed="rId2">
+          <a:blip r:embed="rId3">
             <a:extLst>
               <a:ext uri="{28A0092B-C50C-407E-A947-70E740481C1C}">
                 <a14:useLocalDpi xmlns:a14="http://schemas.microsoft.com/office/drawing/2010/main" val="0"/>
@@ -10744,7 +13416,7 @@
           <p:nvPr/>
         </p:nvPicPr>
         <p:blipFill>
-          <a:blip r:embed="rId3" cstate="print">
+          <a:blip r:embed="rId4" cstate="print">
             <a:extLst>
               <a:ext uri="{28A0092B-C50C-407E-A947-70E740481C1C}">
                 <a14:useLocalDpi xmlns:a14="http://schemas.microsoft.com/office/drawing/2010/main" val="0"/>
@@ -11440,52 +14112,70 @@
         <p:spPr>
           <a:xfrm>
             <a:off x="696987" y="2018209"/>
-            <a:ext cx="10729192" cy="1367358"/>
+            <a:ext cx="10729192" cy="1323439"/>
           </a:xfrm>
           <a:prstGeom prst="rect">
             <a:avLst/>
           </a:prstGeom>
           <a:solidFill>
-            <a:schemeClr val="tx2">
-              <a:lumMod val="20000"/>
-              <a:lumOff val="80000"/>
-            </a:schemeClr>
+            <a:schemeClr val="accent1"/>
           </a:solidFill>
-          <a:ln w="9525">
-            <a:solidFill>
-              <a:schemeClr val="tx1"/>
-            </a:solidFill>
-          </a:ln>
+          <a:effectLst>
+            <a:outerShdw blurRad="50800" dist="38100" dir="2700000" algn="tl" rotWithShape="0">
+              <a:prstClr val="black">
+                <a:alpha val="40000"/>
+              </a:prstClr>
+            </a:outerShdw>
+          </a:effectLst>
         </p:spPr>
-        <p:style>
-          <a:lnRef idx="2">
-            <a:schemeClr val="accent1">
-              <a:shade val="50000"/>
-            </a:schemeClr>
-          </a:lnRef>
-          <a:fillRef idx="1">
-            <a:schemeClr val="accent1"/>
-          </a:fillRef>
-          <a:effectRef idx="0">
-            <a:schemeClr val="accent1"/>
-          </a:effectRef>
-          <a:fontRef idx="minor">
-            <a:schemeClr val="lt1"/>
-          </a:fontRef>
-        </p:style>
-        <p:txBody>
-          <a:bodyPr rtlCol="0" anchor="ctr">
-            <a:noAutofit/>
+        <p:txBody>
+          <a:bodyPr wrap="square">
+            <a:spAutoFit/>
           </a:bodyPr>
           <a:lstStyle/>
           <a:p>
-            <a:pPr algn="ctr"/>
-            <a:endParaRPr lang="en-US" dirty="0" smtClean="0">
+            <a:endParaRPr lang="de-DE" sz="1600" dirty="0" smtClean="0">
               <a:solidFill>
-                <a:schemeClr val="tx1"/>
+                <a:schemeClr val="bg1"/>
               </a:solidFill>
-              <a:latin typeface="Arial" pitchFamily="34" charset="0"/>
-              <a:cs typeface="Arial" pitchFamily="34" charset="0"/>
+              <a:latin typeface="Courier New" panose="02070309020205020404" pitchFamily="49" charset="0"/>
+              <a:cs typeface="Courier New" panose="02070309020205020404" pitchFamily="49" charset="0"/>
+            </a:endParaRPr>
+          </a:p>
+          <a:p>
+            <a:endParaRPr lang="de-DE" sz="1600" dirty="0">
+              <a:solidFill>
+                <a:schemeClr val="bg1"/>
+              </a:solidFill>
+              <a:latin typeface="Courier New" panose="02070309020205020404" pitchFamily="49" charset="0"/>
+              <a:cs typeface="Courier New" panose="02070309020205020404" pitchFamily="49" charset="0"/>
+            </a:endParaRPr>
+          </a:p>
+          <a:p>
+            <a:endParaRPr lang="de-DE" sz="1600" dirty="0" smtClean="0">
+              <a:solidFill>
+                <a:schemeClr val="bg1"/>
+              </a:solidFill>
+              <a:latin typeface="Courier New" panose="02070309020205020404" pitchFamily="49" charset="0"/>
+              <a:cs typeface="Courier New" panose="02070309020205020404" pitchFamily="49" charset="0"/>
+            </a:endParaRPr>
+          </a:p>
+          <a:p>
+            <a:endParaRPr lang="de-DE" sz="1600" dirty="0">
+              <a:solidFill>
+                <a:schemeClr val="bg1"/>
+              </a:solidFill>
+              <a:latin typeface="Courier New" panose="02070309020205020404" pitchFamily="49" charset="0"/>
+              <a:cs typeface="Courier New" panose="02070309020205020404" pitchFamily="49" charset="0"/>
+            </a:endParaRPr>
+          </a:p>
+          <a:p>
+            <a:endParaRPr lang="en-US" sz="1600" dirty="0">
+              <a:solidFill>
+                <a:schemeClr val="bg1"/>
+              </a:solidFill>
+              <a:latin typeface="Courier New" panose="02070309020205020404" pitchFamily="49" charset="0"/>
+              <a:cs typeface="Courier New" panose="02070309020205020404" pitchFamily="49" charset="0"/>
             </a:endParaRPr>
           </a:p>
         </p:txBody>
@@ -11624,6 +14314,9 @@
             </a:pPr>
             <a:r>
               <a:rPr lang="en-US" sz="1400" b="1" dirty="0" smtClean="0">
+                <a:solidFill>
+                  <a:schemeClr val="bg1"/>
+                </a:solidFill>
                 <a:latin typeface="Courier New" panose="02070309020205020404" pitchFamily="49" charset="0"/>
                 <a:cs typeface="Courier New" panose="02070309020205020404" pitchFamily="49" charset="0"/>
               </a:rPr>
@@ -11631,6 +14324,9 @@
             </a:r>
             <a:r>
               <a:rPr lang="en-US" sz="1400" dirty="0">
+                <a:solidFill>
+                  <a:schemeClr val="bg1"/>
+                </a:solidFill>
                 <a:latin typeface="Courier New" panose="02070309020205020404" pitchFamily="49" charset="0"/>
                 <a:cs typeface="Courier New" panose="02070309020205020404" pitchFamily="49" charset="0"/>
               </a:rPr>
@@ -11638,12 +14334,18 @@
             </a:r>
             <a:br>
               <a:rPr lang="en-US" sz="1400" dirty="0">
+                <a:solidFill>
+                  <a:schemeClr val="bg1"/>
+                </a:solidFill>
                 <a:latin typeface="Courier New" panose="02070309020205020404" pitchFamily="49" charset="0"/>
                 <a:cs typeface="Courier New" panose="02070309020205020404" pitchFamily="49" charset="0"/>
               </a:rPr>
             </a:br>
             <a:r>
               <a:rPr lang="en-US" sz="1400" dirty="0">
+                <a:solidFill>
+                  <a:schemeClr val="bg1"/>
+                </a:solidFill>
                 <a:latin typeface="Courier New" panose="02070309020205020404" pitchFamily="49" charset="0"/>
                 <a:cs typeface="Courier New" panose="02070309020205020404" pitchFamily="49" charset="0"/>
               </a:rPr>
@@ -11651,6 +14353,9 @@
             </a:r>
             <a:r>
               <a:rPr lang="en-US" sz="1400" b="1" dirty="0">
+                <a:solidFill>
+                  <a:schemeClr val="bg1"/>
+                </a:solidFill>
                 <a:latin typeface="Courier New" panose="02070309020205020404" pitchFamily="49" charset="0"/>
                 <a:cs typeface="Courier New" panose="02070309020205020404" pitchFamily="49" charset="0"/>
               </a:rPr>
@@ -11658,6 +14363,9 @@
             </a:r>
             <a:r>
               <a:rPr lang="en-US" sz="1400" b="1" dirty="0" err="1" smtClean="0">
+                <a:solidFill>
+                  <a:schemeClr val="bg1"/>
+                </a:solidFill>
                 <a:latin typeface="Courier New" panose="02070309020205020404" pitchFamily="49" charset="0"/>
                 <a:cs typeface="Courier New" panose="02070309020205020404" pitchFamily="49" charset="0"/>
               </a:rPr>
@@ -11665,6 +14373,9 @@
             </a:r>
             <a:r>
               <a:rPr lang="en-US" sz="1400" b="1" dirty="0">
+                <a:solidFill>
+                  <a:schemeClr val="bg1"/>
+                </a:solidFill>
                 <a:latin typeface="Courier New" panose="02070309020205020404" pitchFamily="49" charset="0"/>
                 <a:cs typeface="Courier New" panose="02070309020205020404" pitchFamily="49" charset="0"/>
               </a:rPr>
@@ -11672,6 +14383,9 @@
             </a:r>
             <a:r>
               <a:rPr lang="en-US" sz="1400" dirty="0">
+                <a:solidFill>
+                  <a:schemeClr val="bg1"/>
+                </a:solidFill>
                 <a:latin typeface="Courier New" panose="02070309020205020404" pitchFamily="49" charset="0"/>
                 <a:cs typeface="Courier New" panose="02070309020205020404" pitchFamily="49" charset="0"/>
               </a:rPr>
@@ -11679,12 +14393,18 @@
             </a:r>
             <a:br>
               <a:rPr lang="en-US" sz="1400" dirty="0">
+                <a:solidFill>
+                  <a:schemeClr val="bg1"/>
+                </a:solidFill>
                 <a:latin typeface="Courier New" panose="02070309020205020404" pitchFamily="49" charset="0"/>
                 <a:cs typeface="Courier New" panose="02070309020205020404" pitchFamily="49" charset="0"/>
               </a:rPr>
             </a:br>
             <a:r>
               <a:rPr lang="en-US" sz="1400" dirty="0" err="1" smtClean="0">
+                <a:solidFill>
+                  <a:schemeClr val="bg1"/>
+                </a:solidFill>
                 <a:latin typeface="Courier New" panose="02070309020205020404" pitchFamily="49" charset="0"/>
                 <a:cs typeface="Courier New" panose="02070309020205020404" pitchFamily="49" charset="0"/>
               </a:rPr>
@@ -11692,6 +14412,9 @@
             </a:r>
             <a:r>
               <a:rPr lang="en-US" sz="1400" dirty="0" smtClean="0">
+                <a:solidFill>
+                  <a:schemeClr val="bg1"/>
+                </a:solidFill>
                 <a:latin typeface="Courier New" panose="02070309020205020404" pitchFamily="49" charset="0"/>
                 <a:cs typeface="Courier New" panose="02070309020205020404" pitchFamily="49" charset="0"/>
               </a:rPr>
@@ -11699,6 +14422,9 @@
             </a:r>
             <a:r>
               <a:rPr lang="en-US" sz="1400" dirty="0" err="1" smtClean="0">
+                <a:solidFill>
+                  <a:schemeClr val="bg1"/>
+                </a:solidFill>
                 <a:latin typeface="Courier New" panose="02070309020205020404" pitchFamily="49" charset="0"/>
                 <a:cs typeface="Courier New" panose="02070309020205020404" pitchFamily="49" charset="0"/>
               </a:rPr>
@@ -11706,6 +14432,9 @@
             </a:r>
             <a:r>
               <a:rPr lang="en-US" sz="1400" dirty="0" smtClean="0">
+                <a:solidFill>
+                  <a:schemeClr val="bg1"/>
+                </a:solidFill>
                 <a:latin typeface="Courier New" panose="02070309020205020404" pitchFamily="49" charset="0"/>
                 <a:cs typeface="Courier New" panose="02070309020205020404" pitchFamily="49" charset="0"/>
               </a:rPr>
@@ -11718,6 +14447,9 @@
             </a:pPr>
             <a:r>
               <a:rPr lang="en-US" sz="1400" dirty="0" err="1" smtClean="0">
+                <a:solidFill>
+                  <a:schemeClr val="bg1"/>
+                </a:solidFill>
                 <a:latin typeface="Courier New" panose="02070309020205020404" pitchFamily="49" charset="0"/>
                 <a:cs typeface="Courier New" panose="02070309020205020404" pitchFamily="49" charset="0"/>
               </a:rPr>
@@ -11725,6 +14457,9 @@
             </a:r>
             <a:r>
               <a:rPr lang="en-US" sz="1400" dirty="0" smtClean="0">
+                <a:solidFill>
+                  <a:schemeClr val="bg1"/>
+                </a:solidFill>
                 <a:latin typeface="Courier New" panose="02070309020205020404" pitchFamily="49" charset="0"/>
                 <a:cs typeface="Courier New" panose="02070309020205020404" pitchFamily="49" charset="0"/>
               </a:rPr>
@@ -11732,6 +14467,9 @@
             </a:r>
             <a:r>
               <a:rPr lang="en-US" sz="1400" dirty="0" err="1" smtClean="0">
+                <a:solidFill>
+                  <a:schemeClr val="bg1"/>
+                </a:solidFill>
                 <a:latin typeface="Courier New" panose="02070309020205020404" pitchFamily="49" charset="0"/>
                 <a:cs typeface="Courier New" panose="02070309020205020404" pitchFamily="49" charset="0"/>
               </a:rPr>
@@ -11739,6 +14477,9 @@
             </a:r>
             <a:r>
               <a:rPr lang="en-US" sz="1400" dirty="0" smtClean="0">
+                <a:solidFill>
+                  <a:schemeClr val="bg1"/>
+                </a:solidFill>
                 <a:latin typeface="Courier New" panose="02070309020205020404" pitchFamily="49" charset="0"/>
                 <a:cs typeface="Courier New" panose="02070309020205020404" pitchFamily="49" charset="0"/>
               </a:rPr>
@@ -11751,6 +14492,9 @@
             </a:pPr>
             <a:r>
               <a:rPr lang="en-US" sz="1400" dirty="0" err="1" smtClean="0">
+                <a:solidFill>
+                  <a:schemeClr val="bg1"/>
+                </a:solidFill>
                 <a:latin typeface="Courier New" panose="02070309020205020404" pitchFamily="49" charset="0"/>
                 <a:cs typeface="Courier New" panose="02070309020205020404" pitchFamily="49" charset="0"/>
               </a:rPr>
@@ -11758,6 +14502,9 @@
             </a:r>
             <a:r>
               <a:rPr lang="en-US" sz="1400" dirty="0" smtClean="0">
+                <a:solidFill>
+                  <a:schemeClr val="bg1"/>
+                </a:solidFill>
                 <a:latin typeface="Courier New" panose="02070309020205020404" pitchFamily="49" charset="0"/>
                 <a:cs typeface="Courier New" panose="02070309020205020404" pitchFamily="49" charset="0"/>
               </a:rPr>
@@ -11765,6 +14512,9 @@
             </a:r>
             <a:r>
               <a:rPr lang="en-US" sz="1400" dirty="0" err="1" smtClean="0">
+                <a:solidFill>
+                  <a:schemeClr val="bg1"/>
+                </a:solidFill>
                 <a:latin typeface="Courier New" panose="02070309020205020404" pitchFamily="49" charset="0"/>
                 <a:cs typeface="Courier New" panose="02070309020205020404" pitchFamily="49" charset="0"/>
               </a:rPr>
@@ -11772,6 +14522,9 @@
             </a:r>
             <a:r>
               <a:rPr lang="en-US" sz="1400" dirty="0" smtClean="0">
+                <a:solidFill>
+                  <a:schemeClr val="bg1"/>
+                </a:solidFill>
                 <a:latin typeface="Courier New" panose="02070309020205020404" pitchFamily="49" charset="0"/>
                 <a:cs typeface="Courier New" panose="02070309020205020404" pitchFamily="49" charset="0"/>
               </a:rPr>
@@ -11779,6 +14532,9 @@
             </a:r>
             <a:r>
               <a:rPr lang="en-US" sz="1400" dirty="0">
+                <a:solidFill>
+                  <a:schemeClr val="bg1"/>
+                </a:solidFill>
                 <a:latin typeface="Courier New" panose="02070309020205020404" pitchFamily="49" charset="0"/>
                 <a:cs typeface="Courier New" panose="02070309020205020404" pitchFamily="49" charset="0"/>
               </a:rPr>
@@ -11786,12 +14542,18 @@
             </a:r>
             <a:br>
               <a:rPr lang="en-US" sz="1400" dirty="0">
+                <a:solidFill>
+                  <a:schemeClr val="bg1"/>
+                </a:solidFill>
                 <a:latin typeface="Courier New" panose="02070309020205020404" pitchFamily="49" charset="0"/>
                 <a:cs typeface="Courier New" panose="02070309020205020404" pitchFamily="49" charset="0"/>
               </a:rPr>
             </a:br>
             <a:r>
               <a:rPr lang="en-US" sz="1400" dirty="0" err="1">
+                <a:solidFill>
+                  <a:schemeClr val="bg1"/>
+                </a:solidFill>
                 <a:latin typeface="Courier New" panose="02070309020205020404" pitchFamily="49" charset="0"/>
                 <a:cs typeface="Courier New" panose="02070309020205020404" pitchFamily="49" charset="0"/>
               </a:rPr>
@@ -11799,6 +14561,9 @@
             </a:r>
             <a:r>
               <a:rPr lang="en-US" sz="1400" dirty="0">
+                <a:solidFill>
+                  <a:schemeClr val="bg1"/>
+                </a:solidFill>
                 <a:latin typeface="Courier New" panose="02070309020205020404" pitchFamily="49" charset="0"/>
                 <a:cs typeface="Courier New" panose="02070309020205020404" pitchFamily="49" charset="0"/>
               </a:rPr>
@@ -11806,6 +14571,9 @@
             </a:r>
             <a:r>
               <a:rPr lang="en-US" sz="1400" b="1" dirty="0">
+                <a:solidFill>
+                  <a:schemeClr val="bg1"/>
+                </a:solidFill>
                 <a:latin typeface="Courier New" panose="02070309020205020404" pitchFamily="49" charset="0"/>
                 <a:cs typeface="Courier New" panose="02070309020205020404" pitchFamily="49" charset="0"/>
               </a:rPr>
@@ -11813,6 +14581,9 @@
             </a:r>
             <a:r>
               <a:rPr lang="en-US" sz="1400" b="1" dirty="0" err="1" smtClean="0">
+                <a:solidFill>
+                  <a:schemeClr val="bg1"/>
+                </a:solidFill>
                 <a:latin typeface="Courier New" panose="02070309020205020404" pitchFamily="49" charset="0"/>
                 <a:cs typeface="Courier New" panose="02070309020205020404" pitchFamily="49" charset="0"/>
               </a:rPr>
@@ -11820,6 +14591,9 @@
             </a:r>
             <a:r>
               <a:rPr lang="en-US" sz="1400" b="1" dirty="0">
+                <a:solidFill>
+                  <a:schemeClr val="bg1"/>
+                </a:solidFill>
                 <a:latin typeface="Courier New" panose="02070309020205020404" pitchFamily="49" charset="0"/>
                 <a:cs typeface="Courier New" panose="02070309020205020404" pitchFamily="49" charset="0"/>
               </a:rPr>
@@ -11827,6 +14601,9 @@
             </a:r>
             <a:r>
               <a:rPr lang="en-US" sz="1400" dirty="0">
+                <a:solidFill>
+                  <a:schemeClr val="bg1"/>
+                </a:solidFill>
                 <a:latin typeface="Courier New" panose="02070309020205020404" pitchFamily="49" charset="0"/>
                 <a:cs typeface="Courier New" panose="02070309020205020404" pitchFamily="49" charset="0"/>
               </a:rPr>
@@ -11903,7 +14680,7 @@
           <p:nvPr/>
         </p:nvPicPr>
         <p:blipFill>
-          <a:blip r:embed="rId2">
+          <a:blip r:embed="rId3">
             <a:extLst>
               <a:ext uri="{28A0092B-C50C-407E-A947-70E740481C1C}">
                 <a14:useLocalDpi xmlns:a14="http://schemas.microsoft.com/office/drawing/2010/main" val="0"/>
@@ -11981,52 +14758,70 @@
         <p:spPr>
           <a:xfrm>
             <a:off x="696987" y="2565698"/>
-            <a:ext cx="10729192" cy="1367358"/>
+            <a:ext cx="10729192" cy="1323439"/>
           </a:xfrm>
           <a:prstGeom prst="rect">
             <a:avLst/>
           </a:prstGeom>
           <a:solidFill>
-            <a:schemeClr val="tx2">
-              <a:lumMod val="20000"/>
-              <a:lumOff val="80000"/>
-            </a:schemeClr>
+            <a:schemeClr val="accent1"/>
           </a:solidFill>
-          <a:ln w="9525">
-            <a:solidFill>
-              <a:schemeClr val="tx1"/>
-            </a:solidFill>
-          </a:ln>
+          <a:effectLst>
+            <a:outerShdw blurRad="50800" dist="38100" dir="2700000" algn="tl" rotWithShape="0">
+              <a:prstClr val="black">
+                <a:alpha val="40000"/>
+              </a:prstClr>
+            </a:outerShdw>
+          </a:effectLst>
         </p:spPr>
-        <p:style>
-          <a:lnRef idx="2">
-            <a:schemeClr val="accent1">
-              <a:shade val="50000"/>
-            </a:schemeClr>
-          </a:lnRef>
-          <a:fillRef idx="1">
-            <a:schemeClr val="accent1"/>
-          </a:fillRef>
-          <a:effectRef idx="0">
-            <a:schemeClr val="accent1"/>
-          </a:effectRef>
-          <a:fontRef idx="minor">
-            <a:schemeClr val="lt1"/>
-          </a:fontRef>
-        </p:style>
-        <p:txBody>
-          <a:bodyPr rtlCol="0" anchor="ctr">
-            <a:noAutofit/>
+        <p:txBody>
+          <a:bodyPr wrap="square">
+            <a:spAutoFit/>
           </a:bodyPr>
           <a:lstStyle/>
           <a:p>
-            <a:pPr algn="ctr"/>
-            <a:endParaRPr lang="en-US" dirty="0" smtClean="0">
+            <a:endParaRPr lang="de-DE" sz="1600" dirty="0" smtClean="0">
               <a:solidFill>
-                <a:schemeClr val="tx1"/>
+                <a:schemeClr val="bg1"/>
               </a:solidFill>
-              <a:latin typeface="Arial" pitchFamily="34" charset="0"/>
-              <a:cs typeface="Arial" pitchFamily="34" charset="0"/>
+              <a:latin typeface="Courier New" panose="02070309020205020404" pitchFamily="49" charset="0"/>
+              <a:cs typeface="Courier New" panose="02070309020205020404" pitchFamily="49" charset="0"/>
+            </a:endParaRPr>
+          </a:p>
+          <a:p>
+            <a:endParaRPr lang="de-DE" sz="1600" dirty="0">
+              <a:solidFill>
+                <a:schemeClr val="bg1"/>
+              </a:solidFill>
+              <a:latin typeface="Courier New" panose="02070309020205020404" pitchFamily="49" charset="0"/>
+              <a:cs typeface="Courier New" panose="02070309020205020404" pitchFamily="49" charset="0"/>
+            </a:endParaRPr>
+          </a:p>
+          <a:p>
+            <a:endParaRPr lang="de-DE" sz="1600" dirty="0" smtClean="0">
+              <a:solidFill>
+                <a:schemeClr val="bg1"/>
+              </a:solidFill>
+              <a:latin typeface="Courier New" panose="02070309020205020404" pitchFamily="49" charset="0"/>
+              <a:cs typeface="Courier New" panose="02070309020205020404" pitchFamily="49" charset="0"/>
+            </a:endParaRPr>
+          </a:p>
+          <a:p>
+            <a:endParaRPr lang="de-DE" sz="1600" dirty="0">
+              <a:solidFill>
+                <a:schemeClr val="bg1"/>
+              </a:solidFill>
+              <a:latin typeface="Courier New" panose="02070309020205020404" pitchFamily="49" charset="0"/>
+              <a:cs typeface="Courier New" panose="02070309020205020404" pitchFamily="49" charset="0"/>
+            </a:endParaRPr>
+          </a:p>
+          <a:p>
+            <a:endParaRPr lang="de-DE" sz="1600" dirty="0" smtClean="0">
+              <a:solidFill>
+                <a:schemeClr val="bg1"/>
+              </a:solidFill>
+              <a:latin typeface="Courier New" panose="02070309020205020404" pitchFamily="49" charset="0"/>
+              <a:cs typeface="Courier New" panose="02070309020205020404" pitchFamily="49" charset="0"/>
             </a:endParaRPr>
           </a:p>
         </p:txBody>
@@ -12127,6 +14922,9 @@
             </a:pPr>
             <a:r>
               <a:rPr lang="en-US" sz="1400" b="1" dirty="0">
+                <a:solidFill>
+                  <a:schemeClr val="bg1"/>
+                </a:solidFill>
                 <a:latin typeface="Courier New" panose="02070309020205020404" pitchFamily="49" charset="0"/>
                 <a:cs typeface="Courier New" panose="02070309020205020404" pitchFamily="49" charset="0"/>
               </a:rPr>
@@ -12134,6 +14932,9 @@
             </a:r>
             <a:r>
               <a:rPr lang="en-US" sz="1400" dirty="0">
+                <a:solidFill>
+                  <a:schemeClr val="bg1"/>
+                </a:solidFill>
                 <a:latin typeface="Courier New" panose="02070309020205020404" pitchFamily="49" charset="0"/>
                 <a:cs typeface="Courier New" panose="02070309020205020404" pitchFamily="49" charset="0"/>
               </a:rPr>
@@ -12141,12 +14942,18 @@
             </a:r>
             <a:br>
               <a:rPr lang="en-US" sz="1400" dirty="0">
+                <a:solidFill>
+                  <a:schemeClr val="bg1"/>
+                </a:solidFill>
                 <a:latin typeface="Courier New" panose="02070309020205020404" pitchFamily="49" charset="0"/>
                 <a:cs typeface="Courier New" panose="02070309020205020404" pitchFamily="49" charset="0"/>
               </a:rPr>
             </a:br>
             <a:r>
               <a:rPr lang="en-US" sz="1400" dirty="0">
+                <a:solidFill>
+                  <a:schemeClr val="bg1"/>
+                </a:solidFill>
                 <a:latin typeface="Courier New" panose="02070309020205020404" pitchFamily="49" charset="0"/>
                 <a:cs typeface="Courier New" panose="02070309020205020404" pitchFamily="49" charset="0"/>
               </a:rPr>
@@ -12154,6 +14961,9 @@
             </a:r>
             <a:r>
               <a:rPr lang="en-US" sz="1400" b="1" dirty="0">
+                <a:solidFill>
+                  <a:schemeClr val="bg1"/>
+                </a:solidFill>
                 <a:latin typeface="Courier New" panose="02070309020205020404" pitchFamily="49" charset="0"/>
                 <a:cs typeface="Courier New" panose="02070309020205020404" pitchFamily="49" charset="0"/>
               </a:rPr>
@@ -12161,6 +14971,9 @@
             </a:r>
             <a:r>
               <a:rPr lang="en-US" sz="1400" b="1" dirty="0" err="1" smtClean="0">
+                <a:solidFill>
+                  <a:schemeClr val="bg1"/>
+                </a:solidFill>
                 <a:latin typeface="Courier New" panose="02070309020205020404" pitchFamily="49" charset="0"/>
                 <a:cs typeface="Courier New" panose="02070309020205020404" pitchFamily="49" charset="0"/>
               </a:rPr>
@@ -12168,6 +14981,9 @@
             </a:r>
             <a:r>
               <a:rPr lang="en-US" sz="1400" b="1" dirty="0" smtClean="0">
+                <a:solidFill>
+                  <a:schemeClr val="bg1"/>
+                </a:solidFill>
                 <a:latin typeface="Courier New" panose="02070309020205020404" pitchFamily="49" charset="0"/>
                 <a:cs typeface="Courier New" panose="02070309020205020404" pitchFamily="49" charset="0"/>
               </a:rPr>
@@ -12175,6 +14991,9 @@
             </a:r>
             <a:r>
               <a:rPr lang="en-US" sz="1400" dirty="0" smtClean="0">
+                <a:solidFill>
+                  <a:schemeClr val="bg1"/>
+                </a:solidFill>
                 <a:latin typeface="Courier New" panose="02070309020205020404" pitchFamily="49" charset="0"/>
                 <a:cs typeface="Courier New" panose="02070309020205020404" pitchFamily="49" charset="0"/>
               </a:rPr>
@@ -12187,6 +15006,9 @@
             </a:pPr>
             <a:r>
               <a:rPr lang="en-US" sz="1400" dirty="0" err="1" smtClean="0">
+                <a:solidFill>
+                  <a:schemeClr val="bg1"/>
+                </a:solidFill>
                 <a:latin typeface="Courier New" panose="02070309020205020404" pitchFamily="49" charset="0"/>
                 <a:cs typeface="Courier New" panose="02070309020205020404" pitchFamily="49" charset="0"/>
               </a:rPr>
@@ -12194,6 +15016,9 @@
             </a:r>
             <a:r>
               <a:rPr lang="en-US" sz="1400" dirty="0" smtClean="0">
+                <a:solidFill>
+                  <a:schemeClr val="bg1"/>
+                </a:solidFill>
                 <a:latin typeface="Courier New" panose="02070309020205020404" pitchFamily="49" charset="0"/>
                 <a:cs typeface="Courier New" panose="02070309020205020404" pitchFamily="49" charset="0"/>
               </a:rPr>
@@ -12201,6 +15026,9 @@
             </a:r>
             <a:r>
               <a:rPr lang="en-US" sz="1400" dirty="0" err="1" smtClean="0">
+                <a:solidFill>
+                  <a:schemeClr val="bg1"/>
+                </a:solidFill>
                 <a:latin typeface="Courier New" panose="02070309020205020404" pitchFamily="49" charset="0"/>
                 <a:cs typeface="Courier New" panose="02070309020205020404" pitchFamily="49" charset="0"/>
               </a:rPr>
@@ -12208,6 +15036,9 @@
             </a:r>
             <a:r>
               <a:rPr lang="en-US" sz="1400" dirty="0" smtClean="0">
+                <a:solidFill>
+                  <a:schemeClr val="bg1"/>
+                </a:solidFill>
                 <a:latin typeface="Courier New" panose="02070309020205020404" pitchFamily="49" charset="0"/>
                 <a:cs typeface="Courier New" panose="02070309020205020404" pitchFamily="49" charset="0"/>
               </a:rPr>
@@ -12215,6 +15046,9 @@
             </a:r>
             <a:r>
               <a:rPr lang="en-US" sz="1400" dirty="0">
+                <a:solidFill>
+                  <a:schemeClr val="bg1"/>
+                </a:solidFill>
                 <a:latin typeface="Courier New" panose="02070309020205020404" pitchFamily="49" charset="0"/>
                 <a:cs typeface="Courier New" panose="02070309020205020404" pitchFamily="49" charset="0"/>
               </a:rPr>
@@ -12222,12 +15056,18 @@
             </a:r>
             <a:br>
               <a:rPr lang="en-US" sz="1400" dirty="0">
+                <a:solidFill>
+                  <a:schemeClr val="bg1"/>
+                </a:solidFill>
                 <a:latin typeface="Courier New" panose="02070309020205020404" pitchFamily="49" charset="0"/>
                 <a:cs typeface="Courier New" panose="02070309020205020404" pitchFamily="49" charset="0"/>
               </a:rPr>
             </a:br>
             <a:r>
               <a:rPr lang="en-US" sz="1400" dirty="0" err="1" smtClean="0">
+                <a:solidFill>
+                  <a:schemeClr val="bg1"/>
+                </a:solidFill>
                 <a:latin typeface="Courier New" panose="02070309020205020404" pitchFamily="49" charset="0"/>
                 <a:cs typeface="Courier New" panose="02070309020205020404" pitchFamily="49" charset="0"/>
               </a:rPr>
@@ -12235,6 +15075,9 @@
             </a:r>
             <a:r>
               <a:rPr lang="en-US" sz="1400" dirty="0" smtClean="0">
+                <a:solidFill>
+                  <a:schemeClr val="bg1"/>
+                </a:solidFill>
                 <a:latin typeface="Courier New" panose="02070309020205020404" pitchFamily="49" charset="0"/>
                 <a:cs typeface="Courier New" panose="02070309020205020404" pitchFamily="49" charset="0"/>
               </a:rPr>
@@ -12242,6 +15085,9 @@
             </a:r>
             <a:r>
               <a:rPr lang="en-US" sz="1400" dirty="0" err="1" smtClean="0">
+                <a:solidFill>
+                  <a:schemeClr val="bg1"/>
+                </a:solidFill>
                 <a:latin typeface="Courier New" panose="02070309020205020404" pitchFamily="49" charset="0"/>
                 <a:cs typeface="Courier New" panose="02070309020205020404" pitchFamily="49" charset="0"/>
               </a:rPr>
@@ -12249,6 +15095,9 @@
             </a:r>
             <a:r>
               <a:rPr lang="en-US" sz="1400" dirty="0" smtClean="0">
+                <a:solidFill>
+                  <a:schemeClr val="bg1"/>
+                </a:solidFill>
                 <a:latin typeface="Courier New" panose="02070309020205020404" pitchFamily="49" charset="0"/>
                 <a:cs typeface="Courier New" panose="02070309020205020404" pitchFamily="49" charset="0"/>
               </a:rPr>
@@ -12256,6 +15105,9 @@
             </a:r>
             <a:r>
               <a:rPr lang="en-US" sz="1400" dirty="0">
+                <a:solidFill>
+                  <a:schemeClr val="bg1"/>
+                </a:solidFill>
                 <a:latin typeface="Courier New" panose="02070309020205020404" pitchFamily="49" charset="0"/>
                 <a:cs typeface="Courier New" panose="02070309020205020404" pitchFamily="49" charset="0"/>
               </a:rPr>
@@ -12263,12 +15115,18 @@
             </a:r>
             <a:br>
               <a:rPr lang="en-US" sz="1400" dirty="0">
+                <a:solidFill>
+                  <a:schemeClr val="bg1"/>
+                </a:solidFill>
                 <a:latin typeface="Courier New" panose="02070309020205020404" pitchFamily="49" charset="0"/>
                 <a:cs typeface="Courier New" panose="02070309020205020404" pitchFamily="49" charset="0"/>
               </a:rPr>
             </a:br>
             <a:r>
               <a:rPr lang="en-US" sz="1400" dirty="0" err="1">
+                <a:solidFill>
+                  <a:schemeClr val="bg1"/>
+                </a:solidFill>
                 <a:latin typeface="Courier New" panose="02070309020205020404" pitchFamily="49" charset="0"/>
                 <a:cs typeface="Courier New" panose="02070309020205020404" pitchFamily="49" charset="0"/>
               </a:rPr>
@@ -12276,6 +15134,9 @@
             </a:r>
             <a:r>
               <a:rPr lang="en-US" sz="1400" dirty="0">
+                <a:solidFill>
+                  <a:schemeClr val="bg1"/>
+                </a:solidFill>
                 <a:latin typeface="Courier New" panose="02070309020205020404" pitchFamily="49" charset="0"/>
                 <a:cs typeface="Courier New" panose="02070309020205020404" pitchFamily="49" charset="0"/>
               </a:rPr>
@@ -12283,6 +15144,9 @@
             </a:r>
             <a:r>
               <a:rPr lang="en-US" sz="1400" b="1" dirty="0">
+                <a:solidFill>
+                  <a:schemeClr val="bg1"/>
+                </a:solidFill>
                 <a:latin typeface="Courier New" panose="02070309020205020404" pitchFamily="49" charset="0"/>
                 <a:cs typeface="Courier New" panose="02070309020205020404" pitchFamily="49" charset="0"/>
               </a:rPr>
@@ -12290,6 +15154,9 @@
             </a:r>
             <a:r>
               <a:rPr lang="en-US" sz="1400" b="1" dirty="0" err="1" smtClean="0">
+                <a:solidFill>
+                  <a:schemeClr val="bg1"/>
+                </a:solidFill>
                 <a:latin typeface="Courier New" panose="02070309020205020404" pitchFamily="49" charset="0"/>
                 <a:cs typeface="Courier New" panose="02070309020205020404" pitchFamily="49" charset="0"/>
               </a:rPr>
@@ -12297,6 +15164,9 @@
             </a:r>
             <a:r>
               <a:rPr lang="en-US" sz="1400" b="1" dirty="0">
+                <a:solidFill>
+                  <a:schemeClr val="bg1"/>
+                </a:solidFill>
                 <a:latin typeface="Courier New" panose="02070309020205020404" pitchFamily="49" charset="0"/>
                 <a:cs typeface="Courier New" panose="02070309020205020404" pitchFamily="49" charset="0"/>
               </a:rPr>
@@ -12304,6 +15174,9 @@
             </a:r>
             <a:r>
               <a:rPr lang="en-US" sz="1400" dirty="0">
+                <a:solidFill>
+                  <a:schemeClr val="bg1"/>
+                </a:solidFill>
                 <a:latin typeface="Courier New" panose="02070309020205020404" pitchFamily="49" charset="0"/>
                 <a:cs typeface="Courier New" panose="02070309020205020404" pitchFamily="49" charset="0"/>
               </a:rPr>
@@ -12380,7 +15253,7 @@
           <p:nvPr/>
         </p:nvPicPr>
         <p:blipFill>
-          <a:blip r:embed="rId2">
+          <a:blip r:embed="rId3">
             <a:extLst>
               <a:ext uri="{28A0092B-C50C-407E-A947-70E740481C1C}">
                 <a14:useLocalDpi xmlns:a14="http://schemas.microsoft.com/office/drawing/2010/main" val="0"/>
@@ -12871,53 +15744,107 @@
         </p:nvSpPr>
         <p:spPr>
           <a:xfrm>
-            <a:off x="1129035" y="3348260"/>
-            <a:ext cx="10297144" cy="2313782"/>
+            <a:off x="1129035" y="3319685"/>
+            <a:ext cx="10297144" cy="2308324"/>
           </a:xfrm>
           <a:prstGeom prst="rect">
             <a:avLst/>
           </a:prstGeom>
           <a:solidFill>
-            <a:schemeClr val="tx2">
-              <a:lumMod val="20000"/>
-              <a:lumOff val="80000"/>
-            </a:schemeClr>
+            <a:schemeClr val="accent1"/>
           </a:solidFill>
-          <a:ln w="9525">
-            <a:solidFill>
-              <a:schemeClr val="tx1"/>
-            </a:solidFill>
-          </a:ln>
+          <a:effectLst>
+            <a:outerShdw blurRad="50800" dist="38100" dir="2700000" algn="tl" rotWithShape="0">
+              <a:prstClr val="black">
+                <a:alpha val="40000"/>
+              </a:prstClr>
+            </a:outerShdw>
+          </a:effectLst>
         </p:spPr>
-        <p:style>
-          <a:lnRef idx="2">
-            <a:schemeClr val="accent1">
-              <a:shade val="50000"/>
-            </a:schemeClr>
-          </a:lnRef>
-          <a:fillRef idx="1">
-            <a:schemeClr val="accent1"/>
-          </a:fillRef>
-          <a:effectRef idx="0">
-            <a:schemeClr val="accent1"/>
-          </a:effectRef>
-          <a:fontRef idx="minor">
-            <a:schemeClr val="lt1"/>
-          </a:fontRef>
-        </p:style>
-        <p:txBody>
-          <a:bodyPr rtlCol="0" anchor="ctr">
-            <a:noAutofit/>
+        <p:txBody>
+          <a:bodyPr wrap="square">
+            <a:spAutoFit/>
           </a:bodyPr>
           <a:lstStyle/>
           <a:p>
-            <a:pPr algn="ctr"/>
-            <a:endParaRPr lang="en-US" dirty="0" smtClean="0">
+            <a:endParaRPr lang="de-DE" sz="1600" dirty="0" smtClean="0">
               <a:solidFill>
-                <a:schemeClr val="tx1"/>
+                <a:schemeClr val="bg1"/>
               </a:solidFill>
-              <a:latin typeface="Arial" pitchFamily="34" charset="0"/>
-              <a:cs typeface="Arial" pitchFamily="34" charset="0"/>
+              <a:latin typeface="Courier New" panose="02070309020205020404" pitchFamily="49" charset="0"/>
+              <a:cs typeface="Courier New" panose="02070309020205020404" pitchFamily="49" charset="0"/>
+            </a:endParaRPr>
+          </a:p>
+          <a:p>
+            <a:endParaRPr lang="de-DE" sz="1600" dirty="0">
+              <a:solidFill>
+                <a:schemeClr val="bg1"/>
+              </a:solidFill>
+              <a:latin typeface="Courier New" panose="02070309020205020404" pitchFamily="49" charset="0"/>
+              <a:cs typeface="Courier New" panose="02070309020205020404" pitchFamily="49" charset="0"/>
+            </a:endParaRPr>
+          </a:p>
+          <a:p>
+            <a:endParaRPr lang="de-DE" sz="1600" dirty="0" smtClean="0">
+              <a:solidFill>
+                <a:schemeClr val="bg1"/>
+              </a:solidFill>
+              <a:latin typeface="Courier New" panose="02070309020205020404" pitchFamily="49" charset="0"/>
+              <a:cs typeface="Courier New" panose="02070309020205020404" pitchFamily="49" charset="0"/>
+            </a:endParaRPr>
+          </a:p>
+          <a:p>
+            <a:endParaRPr lang="de-DE" sz="1600" dirty="0">
+              <a:solidFill>
+                <a:schemeClr val="bg1"/>
+              </a:solidFill>
+              <a:latin typeface="Courier New" panose="02070309020205020404" pitchFamily="49" charset="0"/>
+              <a:cs typeface="Courier New" panose="02070309020205020404" pitchFamily="49" charset="0"/>
+            </a:endParaRPr>
+          </a:p>
+          <a:p>
+            <a:endParaRPr lang="de-DE" sz="1600" dirty="0" smtClean="0">
+              <a:solidFill>
+                <a:schemeClr val="bg1"/>
+              </a:solidFill>
+              <a:latin typeface="Courier New" panose="02070309020205020404" pitchFamily="49" charset="0"/>
+              <a:cs typeface="Courier New" panose="02070309020205020404" pitchFamily="49" charset="0"/>
+            </a:endParaRPr>
+          </a:p>
+          <a:p>
+            <a:endParaRPr lang="de-DE" sz="1600" dirty="0">
+              <a:solidFill>
+                <a:schemeClr val="bg1"/>
+              </a:solidFill>
+              <a:latin typeface="Courier New" panose="02070309020205020404" pitchFamily="49" charset="0"/>
+              <a:cs typeface="Courier New" panose="02070309020205020404" pitchFamily="49" charset="0"/>
+            </a:endParaRPr>
+          </a:p>
+          <a:p>
+            <a:endParaRPr lang="de-DE" sz="1600" dirty="0" smtClean="0">
+              <a:solidFill>
+                <a:schemeClr val="bg1"/>
+              </a:solidFill>
+              <a:latin typeface="Courier New" panose="02070309020205020404" pitchFamily="49" charset="0"/>
+              <a:cs typeface="Courier New" panose="02070309020205020404" pitchFamily="49" charset="0"/>
+            </a:endParaRPr>
+          </a:p>
+          <a:p>
+            <a:endParaRPr lang="de-DE" sz="1600" dirty="0">
+              <a:solidFill>
+                <a:schemeClr val="bg1"/>
+              </a:solidFill>
+              <a:latin typeface="Courier New" panose="02070309020205020404" pitchFamily="49" charset="0"/>
+              <a:cs typeface="Courier New" panose="02070309020205020404" pitchFamily="49" charset="0"/>
+            </a:endParaRPr>
+          </a:p>
+          <a:p>
+            <a:endParaRPr lang="en-US" sz="1600" dirty="0">
+              <a:solidFill>
+                <a:schemeClr val="bg1"/>
+              </a:solidFill>
+              <a:latin typeface="Courier New" panose="02070309020205020404" pitchFamily="49" charset="0"/>
+              <a:cs typeface="Courier New" panose="02070309020205020404" pitchFamily="49" charset="0"/>
             </a:endParaRPr>
           </a:p>
         </p:txBody>
@@ -13014,6 +15941,9 @@
             </a:pPr>
             <a:r>
               <a:rPr lang="en-US" sz="1400" b="1" dirty="0" smtClean="0">
+                <a:solidFill>
+                  <a:schemeClr val="bg1"/>
+                </a:solidFill>
                 <a:latin typeface="Courier New" panose="02070309020205020404" pitchFamily="49" charset="0"/>
                 <a:cs typeface="Courier New" panose="02070309020205020404" pitchFamily="49" charset="0"/>
               </a:rPr>
@@ -13021,6 +15951,9 @@
             </a:r>
             <a:r>
               <a:rPr lang="en-US" sz="1400" dirty="0" smtClean="0">
+                <a:solidFill>
+                  <a:schemeClr val="bg1"/>
+                </a:solidFill>
                 <a:latin typeface="Courier New" panose="02070309020205020404" pitchFamily="49" charset="0"/>
                 <a:cs typeface="Courier New" panose="02070309020205020404" pitchFamily="49" charset="0"/>
               </a:rPr>
@@ -13033,6 +15966,9 @@
             </a:pPr>
             <a:r>
               <a:rPr lang="en-US" sz="1400" i="1" dirty="0" smtClean="0">
+                <a:solidFill>
+                  <a:schemeClr val="bg1"/>
+                </a:solidFill>
                 <a:latin typeface="Courier New" panose="02070309020205020404" pitchFamily="49" charset="0"/>
                 <a:cs typeface="Courier New" panose="02070309020205020404" pitchFamily="49" charset="0"/>
               </a:rPr>
@@ -13040,6 +15976,9 @@
             </a:r>
             <a:r>
               <a:rPr lang="en-US" sz="1400" dirty="0" smtClean="0">
+                <a:solidFill>
+                  <a:schemeClr val="bg1"/>
+                </a:solidFill>
                 <a:latin typeface="Courier New" panose="02070309020205020404" pitchFamily="49" charset="0"/>
                 <a:cs typeface="Courier New" panose="02070309020205020404" pitchFamily="49" charset="0"/>
               </a:rPr>
@@ -13047,12 +15986,18 @@
             </a:r>
             <a:br>
               <a:rPr lang="en-US" sz="1400" dirty="0" smtClean="0">
+                <a:solidFill>
+                  <a:schemeClr val="bg1"/>
+                </a:solidFill>
                 <a:latin typeface="Courier New" panose="02070309020205020404" pitchFamily="49" charset="0"/>
                 <a:cs typeface="Courier New" panose="02070309020205020404" pitchFamily="49" charset="0"/>
               </a:rPr>
             </a:br>
             <a:r>
               <a:rPr lang="en-US" sz="1400" dirty="0" err="1" smtClean="0">
+                <a:solidFill>
+                  <a:schemeClr val="bg1"/>
+                </a:solidFill>
                 <a:latin typeface="Courier New" panose="02070309020205020404" pitchFamily="49" charset="0"/>
                 <a:cs typeface="Courier New" panose="02070309020205020404" pitchFamily="49" charset="0"/>
               </a:rPr>
@@ -13060,6 +16005,9 @@
             </a:r>
             <a:r>
               <a:rPr lang="en-US" sz="1400" dirty="0" smtClean="0">
+                <a:solidFill>
+                  <a:schemeClr val="bg1"/>
+                </a:solidFill>
                 <a:latin typeface="Courier New" panose="02070309020205020404" pitchFamily="49" charset="0"/>
                 <a:cs typeface="Courier New" panose="02070309020205020404" pitchFamily="49" charset="0"/>
               </a:rPr>
@@ -13067,6 +16015,9 @@
             </a:r>
             <a:r>
               <a:rPr lang="en-US" sz="1400" b="1" dirty="0" smtClean="0">
+                <a:solidFill>
+                  <a:schemeClr val="bg1"/>
+                </a:solidFill>
                 <a:latin typeface="Courier New" panose="02070309020205020404" pitchFamily="49" charset="0"/>
                 <a:cs typeface="Courier New" panose="02070309020205020404" pitchFamily="49" charset="0"/>
               </a:rPr>
@@ -13074,6 +16025,9 @@
             </a:r>
             <a:r>
               <a:rPr lang="en-US" sz="1400" b="1" dirty="0" err="1" smtClean="0">
+                <a:solidFill>
+                  <a:schemeClr val="bg1"/>
+                </a:solidFill>
                 <a:latin typeface="Courier New" panose="02070309020205020404" pitchFamily="49" charset="0"/>
                 <a:cs typeface="Courier New" panose="02070309020205020404" pitchFamily="49" charset="0"/>
               </a:rPr>
@@ -13081,6 +16035,9 @@
             </a:r>
             <a:r>
               <a:rPr lang="en-US" sz="1400" b="1" dirty="0" smtClean="0">
+                <a:solidFill>
+                  <a:schemeClr val="bg1"/>
+                </a:solidFill>
                 <a:latin typeface="Courier New" panose="02070309020205020404" pitchFamily="49" charset="0"/>
                 <a:cs typeface="Courier New" panose="02070309020205020404" pitchFamily="49" charset="0"/>
               </a:rPr>
@@ -13088,6 +16045,9 @@
             </a:r>
             <a:r>
               <a:rPr lang="en-US" sz="1400" dirty="0" smtClean="0">
+                <a:solidFill>
+                  <a:schemeClr val="bg1"/>
+                </a:solidFill>
                 <a:latin typeface="Courier New" panose="02070309020205020404" pitchFamily="49" charset="0"/>
                 <a:cs typeface="Courier New" panose="02070309020205020404" pitchFamily="49" charset="0"/>
               </a:rPr>
@@ -13095,12 +16055,18 @@
             </a:r>
             <a:br>
               <a:rPr lang="en-US" sz="1400" dirty="0" smtClean="0">
+                <a:solidFill>
+                  <a:schemeClr val="bg1"/>
+                </a:solidFill>
                 <a:latin typeface="Courier New" panose="02070309020205020404" pitchFamily="49" charset="0"/>
                 <a:cs typeface="Courier New" panose="02070309020205020404" pitchFamily="49" charset="0"/>
               </a:rPr>
             </a:br>
             <a:r>
               <a:rPr lang="en-US" sz="1400" dirty="0" err="1" smtClean="0">
+                <a:solidFill>
+                  <a:schemeClr val="bg1"/>
+                </a:solidFill>
                 <a:latin typeface="Courier New" panose="02070309020205020404" pitchFamily="49" charset="0"/>
                 <a:cs typeface="Courier New" panose="02070309020205020404" pitchFamily="49" charset="0"/>
               </a:rPr>
@@ -13108,6 +16074,9 @@
             </a:r>
             <a:r>
               <a:rPr lang="en-US" sz="1400" dirty="0" smtClean="0">
+                <a:solidFill>
+                  <a:schemeClr val="bg1"/>
+                </a:solidFill>
                 <a:latin typeface="Courier New" panose="02070309020205020404" pitchFamily="49" charset="0"/>
                 <a:cs typeface="Courier New" panose="02070309020205020404" pitchFamily="49" charset="0"/>
               </a:rPr>
@@ -13115,6 +16084,9 @@
             </a:r>
             <a:r>
               <a:rPr lang="en-US" sz="1400" b="1" dirty="0" smtClean="0">
+                <a:solidFill>
+                  <a:schemeClr val="bg1"/>
+                </a:solidFill>
                 <a:latin typeface="Courier New" panose="02070309020205020404" pitchFamily="49" charset="0"/>
                 <a:cs typeface="Courier New" panose="02070309020205020404" pitchFamily="49" charset="0"/>
               </a:rPr>
@@ -13122,6 +16094,9 @@
             </a:r>
             <a:r>
               <a:rPr lang="en-US" sz="1400" dirty="0" smtClean="0">
+                <a:solidFill>
+                  <a:schemeClr val="bg1"/>
+                </a:solidFill>
                 <a:latin typeface="Courier New" panose="02070309020205020404" pitchFamily="49" charset="0"/>
                 <a:cs typeface="Courier New" panose="02070309020205020404" pitchFamily="49" charset="0"/>
               </a:rPr>
@@ -13129,12 +16104,18 @@
             </a:r>
             <a:br>
               <a:rPr lang="en-US" sz="1400" dirty="0" smtClean="0">
+                <a:solidFill>
+                  <a:schemeClr val="bg1"/>
+                </a:solidFill>
                 <a:latin typeface="Courier New" panose="02070309020205020404" pitchFamily="49" charset="0"/>
                 <a:cs typeface="Courier New" panose="02070309020205020404" pitchFamily="49" charset="0"/>
               </a:rPr>
             </a:br>
             <a:r>
               <a:rPr lang="en-US" sz="1400" dirty="0" err="1" smtClean="0">
+                <a:solidFill>
+                  <a:schemeClr val="bg1"/>
+                </a:solidFill>
                 <a:latin typeface="Courier New" panose="02070309020205020404" pitchFamily="49" charset="0"/>
                 <a:cs typeface="Courier New" panose="02070309020205020404" pitchFamily="49" charset="0"/>
               </a:rPr>
@@ -13142,6 +16123,9 @@
             </a:r>
             <a:r>
               <a:rPr lang="en-US" sz="1400" dirty="0" smtClean="0">
+                <a:solidFill>
+                  <a:schemeClr val="bg1"/>
+                </a:solidFill>
                 <a:latin typeface="Courier New" panose="02070309020205020404" pitchFamily="49" charset="0"/>
                 <a:cs typeface="Courier New" panose="02070309020205020404" pitchFamily="49" charset="0"/>
               </a:rPr>
@@ -13149,6 +16133,9 @@
             </a:r>
             <a:r>
               <a:rPr lang="en-US" sz="1400" b="1" dirty="0" smtClean="0">
+                <a:solidFill>
+                  <a:schemeClr val="bg1"/>
+                </a:solidFill>
                 <a:latin typeface="Courier New" panose="02070309020205020404" pitchFamily="49" charset="0"/>
                 <a:cs typeface="Courier New" panose="02070309020205020404" pitchFamily="49" charset="0"/>
               </a:rPr>
@@ -13156,6 +16143,9 @@
             </a:r>
             <a:r>
               <a:rPr lang="en-US" sz="1400" dirty="0" smtClean="0">
+                <a:solidFill>
+                  <a:schemeClr val="bg1"/>
+                </a:solidFill>
                 <a:latin typeface="Courier New" panose="02070309020205020404" pitchFamily="49" charset="0"/>
                 <a:cs typeface="Courier New" panose="02070309020205020404" pitchFamily="49" charset="0"/>
               </a:rPr>
@@ -13167,6 +16157,9 @@
               <a:buNone/>
             </a:pPr>
             <a:endParaRPr lang="en-US" sz="1400" dirty="0" smtClean="0">
+              <a:solidFill>
+                <a:schemeClr val="bg1"/>
+              </a:solidFill>
               <a:latin typeface="Courier New" panose="02070309020205020404" pitchFamily="49" charset="0"/>
               <a:cs typeface="Courier New" panose="02070309020205020404" pitchFamily="49" charset="0"/>
             </a:endParaRPr>
@@ -13177,6 +16170,9 @@
             </a:pPr>
             <a:r>
               <a:rPr lang="en-US" sz="1400" i="1" dirty="0" smtClean="0">
+                <a:solidFill>
+                  <a:schemeClr val="bg1"/>
+                </a:solidFill>
                 <a:latin typeface="Courier New" panose="02070309020205020404" pitchFamily="49" charset="0"/>
                 <a:cs typeface="Courier New" panose="02070309020205020404" pitchFamily="49" charset="0"/>
               </a:rPr>
@@ -13184,6 +16180,9 @@
             </a:r>
             <a:r>
               <a:rPr lang="en-US" sz="1400" dirty="0" smtClean="0">
+                <a:solidFill>
+                  <a:schemeClr val="bg1"/>
+                </a:solidFill>
                 <a:latin typeface="Courier New" panose="02070309020205020404" pitchFamily="49" charset="0"/>
                 <a:cs typeface="Courier New" panose="02070309020205020404" pitchFamily="49" charset="0"/>
               </a:rPr>
@@ -13191,12 +16190,18 @@
             </a:r>
             <a:br>
               <a:rPr lang="en-US" sz="1400" dirty="0" smtClean="0">
+                <a:solidFill>
+                  <a:schemeClr val="bg1"/>
+                </a:solidFill>
                 <a:latin typeface="Courier New" panose="02070309020205020404" pitchFamily="49" charset="0"/>
                 <a:cs typeface="Courier New" panose="02070309020205020404" pitchFamily="49" charset="0"/>
               </a:rPr>
             </a:br>
             <a:r>
               <a:rPr lang="en-US" sz="1400" dirty="0" smtClean="0">
+                <a:solidFill>
+                  <a:schemeClr val="bg1"/>
+                </a:solidFill>
                 <a:latin typeface="Courier New" panose="02070309020205020404" pitchFamily="49" charset="0"/>
                 <a:cs typeface="Courier New" panose="02070309020205020404" pitchFamily="49" charset="0"/>
               </a:rPr>
@@ -13204,6 +16209,9 @@
             </a:r>
             <a:r>
               <a:rPr lang="en-US" sz="1400" b="1" dirty="0" smtClean="0">
+                <a:solidFill>
+                  <a:schemeClr val="bg1"/>
+                </a:solidFill>
                 <a:latin typeface="Courier New" panose="02070309020205020404" pitchFamily="49" charset="0"/>
                 <a:cs typeface="Courier New" panose="02070309020205020404" pitchFamily="49" charset="0"/>
               </a:rPr>
@@ -13211,6 +16219,9 @@
             </a:r>
             <a:r>
               <a:rPr lang="en-US" sz="1400" b="1" dirty="0" err="1" smtClean="0">
+                <a:solidFill>
+                  <a:schemeClr val="bg1"/>
+                </a:solidFill>
                 <a:latin typeface="Courier New" panose="02070309020205020404" pitchFamily="49" charset="0"/>
                 <a:cs typeface="Courier New" panose="02070309020205020404" pitchFamily="49" charset="0"/>
               </a:rPr>
@@ -13218,6 +16229,9 @@
             </a:r>
             <a:r>
               <a:rPr lang="en-US" sz="1400" b="1" dirty="0" smtClean="0">
+                <a:solidFill>
+                  <a:schemeClr val="bg1"/>
+                </a:solidFill>
                 <a:latin typeface="Courier New" panose="02070309020205020404" pitchFamily="49" charset="0"/>
                 <a:cs typeface="Courier New" panose="02070309020205020404" pitchFamily="49" charset="0"/>
               </a:rPr>
@@ -13225,6 +16239,9 @@
             </a:r>
             <a:r>
               <a:rPr lang="en-US" sz="1400" dirty="0" smtClean="0">
+                <a:solidFill>
+                  <a:schemeClr val="bg1"/>
+                </a:solidFill>
                 <a:latin typeface="Courier New" panose="02070309020205020404" pitchFamily="49" charset="0"/>
                 <a:cs typeface="Courier New" panose="02070309020205020404" pitchFamily="49" charset="0"/>
               </a:rPr>
@@ -13232,6 +16249,9 @@
             </a:r>
             <a:r>
               <a:rPr lang="en-US" sz="1400" dirty="0" err="1" smtClean="0">
+                <a:solidFill>
+                  <a:schemeClr val="bg1"/>
+                </a:solidFill>
                 <a:latin typeface="Courier New" panose="02070309020205020404" pitchFamily="49" charset="0"/>
                 <a:cs typeface="Courier New" panose="02070309020205020404" pitchFamily="49" charset="0"/>
               </a:rPr>
@@ -13239,6 +16259,9 @@
             </a:r>
             <a:r>
               <a:rPr lang="en-US" sz="1400" dirty="0" smtClean="0">
+                <a:solidFill>
+                  <a:schemeClr val="bg1"/>
+                </a:solidFill>
                 <a:latin typeface="Courier New" panose="02070309020205020404" pitchFamily="49" charset="0"/>
                 <a:cs typeface="Courier New" panose="02070309020205020404" pitchFamily="49" charset="0"/>
               </a:rPr>
@@ -13246,12 +16269,18 @@
             </a:r>
             <a:br>
               <a:rPr lang="en-US" sz="1400" dirty="0" smtClean="0">
+                <a:solidFill>
+                  <a:schemeClr val="bg1"/>
+                </a:solidFill>
                 <a:latin typeface="Courier New" panose="02070309020205020404" pitchFamily="49" charset="0"/>
                 <a:cs typeface="Courier New" panose="02070309020205020404" pitchFamily="49" charset="0"/>
               </a:rPr>
             </a:br>
             <a:r>
               <a:rPr lang="en-US" sz="1400" dirty="0" err="1" smtClean="0">
+                <a:solidFill>
+                  <a:schemeClr val="bg1"/>
+                </a:solidFill>
                 <a:latin typeface="Courier New" panose="02070309020205020404" pitchFamily="49" charset="0"/>
                 <a:cs typeface="Courier New" panose="02070309020205020404" pitchFamily="49" charset="0"/>
               </a:rPr>
@@ -13259,6 +16288,9 @@
             </a:r>
             <a:r>
               <a:rPr lang="en-US" sz="1400" dirty="0" smtClean="0">
+                <a:solidFill>
+                  <a:schemeClr val="bg1"/>
+                </a:solidFill>
                 <a:latin typeface="Courier New" panose="02070309020205020404" pitchFamily="49" charset="0"/>
                 <a:cs typeface="Courier New" panose="02070309020205020404" pitchFamily="49" charset="0"/>
               </a:rPr>
@@ -13266,6 +16298,9 @@
             </a:r>
             <a:r>
               <a:rPr lang="en-US" sz="1400" dirty="0" err="1" smtClean="0">
+                <a:solidFill>
+                  <a:schemeClr val="bg1"/>
+                </a:solidFill>
                 <a:latin typeface="Courier New" panose="02070309020205020404" pitchFamily="49" charset="0"/>
                 <a:cs typeface="Courier New" panose="02070309020205020404" pitchFamily="49" charset="0"/>
               </a:rPr>
@@ -13273,6 +16308,9 @@
             </a:r>
             <a:r>
               <a:rPr lang="en-US" sz="1400" dirty="0" smtClean="0">
+                <a:solidFill>
+                  <a:schemeClr val="bg1"/>
+                </a:solidFill>
                 <a:latin typeface="Courier New" panose="02070309020205020404" pitchFamily="49" charset="0"/>
                 <a:cs typeface="Courier New" panose="02070309020205020404" pitchFamily="49" charset="0"/>
               </a:rPr>
@@ -13280,12 +16318,18 @@
             </a:r>
             <a:br>
               <a:rPr lang="en-US" sz="1400" dirty="0" smtClean="0">
+                <a:solidFill>
+                  <a:schemeClr val="bg1"/>
+                </a:solidFill>
                 <a:latin typeface="Courier New" panose="02070309020205020404" pitchFamily="49" charset="0"/>
                 <a:cs typeface="Courier New" panose="02070309020205020404" pitchFamily="49" charset="0"/>
               </a:rPr>
             </a:br>
             <a:r>
               <a:rPr lang="en-US" sz="1400" dirty="0" err="1" smtClean="0">
+                <a:solidFill>
+                  <a:schemeClr val="bg1"/>
+                </a:solidFill>
                 <a:latin typeface="Courier New" panose="02070309020205020404" pitchFamily="49" charset="0"/>
                 <a:cs typeface="Courier New" panose="02070309020205020404" pitchFamily="49" charset="0"/>
               </a:rPr>
@@ -13293,6 +16337,9 @@
             </a:r>
             <a:r>
               <a:rPr lang="en-US" sz="1400" dirty="0" smtClean="0">
+                <a:solidFill>
+                  <a:schemeClr val="bg1"/>
+                </a:solidFill>
                 <a:latin typeface="Courier New" panose="02070309020205020404" pitchFamily="49" charset="0"/>
                 <a:cs typeface="Courier New" panose="02070309020205020404" pitchFamily="49" charset="0"/>
               </a:rPr>
@@ -13300,6 +16347,9 @@
             </a:r>
             <a:r>
               <a:rPr lang="en-US" sz="1400" b="1" dirty="0" smtClean="0">
+                <a:solidFill>
+                  <a:schemeClr val="bg1"/>
+                </a:solidFill>
                 <a:latin typeface="Courier New" panose="02070309020205020404" pitchFamily="49" charset="0"/>
                 <a:cs typeface="Courier New" panose="02070309020205020404" pitchFamily="49" charset="0"/>
               </a:rPr>
@@ -13307,6 +16357,9 @@
             </a:r>
             <a:r>
               <a:rPr lang="en-US" sz="1400" b="1" dirty="0" err="1" smtClean="0">
+                <a:solidFill>
+                  <a:schemeClr val="bg1"/>
+                </a:solidFill>
                 <a:latin typeface="Courier New" panose="02070309020205020404" pitchFamily="49" charset="0"/>
                 <a:cs typeface="Courier New" panose="02070309020205020404" pitchFamily="49" charset="0"/>
               </a:rPr>
@@ -13314,6 +16367,9 @@
             </a:r>
             <a:r>
               <a:rPr lang="en-US" sz="1400" b="1" dirty="0" smtClean="0">
+                <a:solidFill>
+                  <a:schemeClr val="bg1"/>
+                </a:solidFill>
                 <a:latin typeface="Courier New" panose="02070309020205020404" pitchFamily="49" charset="0"/>
                 <a:cs typeface="Courier New" panose="02070309020205020404" pitchFamily="49" charset="0"/>
               </a:rPr>
@@ -13321,6 +16377,9 @@
             </a:r>
             <a:r>
               <a:rPr lang="en-US" sz="1400" dirty="0" smtClean="0">
+                <a:solidFill>
+                  <a:schemeClr val="bg1"/>
+                </a:solidFill>
                 <a:latin typeface="Courier New" panose="02070309020205020404" pitchFamily="49" charset="0"/>
                 <a:cs typeface="Courier New" panose="02070309020205020404" pitchFamily="49" charset="0"/>
               </a:rPr>
@@ -13437,53 +16496,53 @@
         </p:nvSpPr>
         <p:spPr>
           <a:xfrm>
-            <a:off x="1129035" y="4077866"/>
-            <a:ext cx="10297144" cy="792088"/>
+            <a:off x="1129035" y="4087391"/>
+            <a:ext cx="10297144" cy="830997"/>
           </a:xfrm>
           <a:prstGeom prst="rect">
             <a:avLst/>
           </a:prstGeom>
           <a:solidFill>
-            <a:schemeClr val="tx2">
-              <a:lumMod val="20000"/>
-              <a:lumOff val="80000"/>
-            </a:schemeClr>
+            <a:schemeClr val="accent1"/>
           </a:solidFill>
-          <a:ln w="9525">
-            <a:solidFill>
-              <a:schemeClr val="tx1"/>
-            </a:solidFill>
-          </a:ln>
+          <a:effectLst>
+            <a:outerShdw blurRad="50800" dist="38100" dir="2700000" algn="tl" rotWithShape="0">
+              <a:prstClr val="black">
+                <a:alpha val="40000"/>
+              </a:prstClr>
+            </a:outerShdw>
+          </a:effectLst>
         </p:spPr>
-        <p:style>
-          <a:lnRef idx="2">
-            <a:schemeClr val="accent1">
-              <a:shade val="50000"/>
-            </a:schemeClr>
-          </a:lnRef>
-          <a:fillRef idx="1">
-            <a:schemeClr val="accent1"/>
-          </a:fillRef>
-          <a:effectRef idx="0">
-            <a:schemeClr val="accent1"/>
-          </a:effectRef>
-          <a:fontRef idx="minor">
-            <a:schemeClr val="lt1"/>
-          </a:fontRef>
-        </p:style>
-        <p:txBody>
-          <a:bodyPr rtlCol="0" anchor="ctr">
-            <a:noAutofit/>
+        <p:txBody>
+          <a:bodyPr wrap="square">
+            <a:spAutoFit/>
           </a:bodyPr>
           <a:lstStyle/>
           <a:p>
-            <a:pPr algn="ctr"/>
-            <a:endParaRPr lang="en-US" dirty="0" smtClean="0">
+            <a:endParaRPr lang="de-DE" sz="1600" dirty="0" smtClean="0">
               <a:solidFill>
-                <a:schemeClr val="tx1"/>
+                <a:schemeClr val="bg1"/>
               </a:solidFill>
-              <a:latin typeface="Arial" pitchFamily="34" charset="0"/>
-              <a:cs typeface="Arial" pitchFamily="34" charset="0"/>
+              <a:latin typeface="Courier New" panose="02070309020205020404" pitchFamily="49" charset="0"/>
+              <a:cs typeface="Courier New" panose="02070309020205020404" pitchFamily="49" charset="0"/>
+            </a:endParaRPr>
+          </a:p>
+          <a:p>
+            <a:endParaRPr lang="de-DE" sz="1600" dirty="0">
+              <a:solidFill>
+                <a:schemeClr val="bg1"/>
+              </a:solidFill>
+              <a:latin typeface="Courier New" panose="02070309020205020404" pitchFamily="49" charset="0"/>
+              <a:cs typeface="Courier New" panose="02070309020205020404" pitchFamily="49" charset="0"/>
+            </a:endParaRPr>
+          </a:p>
+          <a:p>
+            <a:endParaRPr lang="en-US" sz="1600" dirty="0">
+              <a:solidFill>
+                <a:schemeClr val="bg1"/>
+              </a:solidFill>
+              <a:latin typeface="Courier New" panose="02070309020205020404" pitchFamily="49" charset="0"/>
+              <a:cs typeface="Courier New" panose="02070309020205020404" pitchFamily="49" charset="0"/>
             </a:endParaRPr>
           </a:p>
         </p:txBody>
@@ -13626,7 +16685,11 @@
             </a:r>
           </a:p>
           <a:p>
-            <a:endParaRPr lang="en-US" sz="1600" dirty="0" smtClean="0"/>
+            <a:endParaRPr lang="en-US" sz="1600" dirty="0" smtClean="0">
+              <a:solidFill>
+                <a:schemeClr val="bg1"/>
+              </a:solidFill>
+            </a:endParaRPr>
           </a:p>
           <a:p>
             <a:pPr marL="896400" lvl="2" indent="0">
@@ -13634,6 +16697,9 @@
             </a:pPr>
             <a:r>
               <a:rPr lang="en-US" sz="1400" b="1" dirty="0" smtClean="0">
+                <a:solidFill>
+                  <a:schemeClr val="bg1"/>
+                </a:solidFill>
                 <a:latin typeface="Courier New" panose="02070309020205020404" pitchFamily="49" charset="0"/>
                 <a:cs typeface="Courier New" panose="02070309020205020404" pitchFamily="49" charset="0"/>
               </a:rPr>
@@ -13641,6 +16707,9 @@
             </a:r>
             <a:r>
               <a:rPr lang="en-US" sz="1400" dirty="0" smtClean="0">
+                <a:solidFill>
+                  <a:schemeClr val="bg1"/>
+                </a:solidFill>
                 <a:latin typeface="Courier New" panose="02070309020205020404" pitchFamily="49" charset="0"/>
                 <a:cs typeface="Courier New" panose="02070309020205020404" pitchFamily="49" charset="0"/>
               </a:rPr>
@@ -13648,6 +16717,9 @@
             </a:r>
             <a:r>
               <a:rPr lang="en-US" sz="1400" b="1" dirty="0" smtClean="0">
+                <a:solidFill>
+                  <a:schemeClr val="bg1"/>
+                </a:solidFill>
                 <a:latin typeface="Courier New" panose="02070309020205020404" pitchFamily="49" charset="0"/>
                 <a:cs typeface="Courier New" panose="02070309020205020404" pitchFamily="49" charset="0"/>
               </a:rPr>
@@ -13655,12 +16727,18 @@
             </a:r>
             <a:r>
               <a:rPr lang="en-US" sz="1400" dirty="0" err="1" smtClean="0">
+                <a:solidFill>
+                  <a:schemeClr val="bg1"/>
+                </a:solidFill>
                 <a:latin typeface="Courier New" panose="02070309020205020404" pitchFamily="49" charset="0"/>
                 <a:cs typeface="Courier New" panose="02070309020205020404" pitchFamily="49" charset="0"/>
               </a:rPr>
               <a:t>export_shapes</a:t>
             </a:r>
             <a:endParaRPr lang="en-US" sz="1400" dirty="0" smtClean="0">
+              <a:solidFill>
+                <a:schemeClr val="bg1"/>
+              </a:solidFill>
               <a:latin typeface="Courier New" panose="02070309020205020404" pitchFamily="49" charset="0"/>
               <a:cs typeface="Courier New" panose="02070309020205020404" pitchFamily="49" charset="0"/>
             </a:endParaRPr>
@@ -13670,6 +16748,9 @@
               <a:buNone/>
             </a:pPr>
             <a:endParaRPr lang="en-US" sz="1400" dirty="0" smtClean="0">
+              <a:solidFill>
+                <a:schemeClr val="bg1"/>
+              </a:solidFill>
               <a:latin typeface="Courier New" panose="02070309020205020404" pitchFamily="49" charset="0"/>
               <a:cs typeface="Courier New" panose="02070309020205020404" pitchFamily="49" charset="0"/>
             </a:endParaRPr>
@@ -13680,6 +16761,9 @@
             </a:pPr>
             <a:r>
               <a:rPr lang="en-US" sz="1400" dirty="0" err="1" smtClean="0">
+                <a:solidFill>
+                  <a:schemeClr val="bg1"/>
+                </a:solidFill>
                 <a:latin typeface="Courier New" panose="02070309020205020404" pitchFamily="49" charset="0"/>
                 <a:cs typeface="Courier New" panose="02070309020205020404" pitchFamily="49" charset="0"/>
               </a:rPr>
@@ -13687,6 +16771,9 @@
             </a:r>
             <a:r>
               <a:rPr lang="en-US" sz="1400" dirty="0" smtClean="0">
+                <a:solidFill>
+                  <a:schemeClr val="bg1"/>
+                </a:solidFill>
                 <a:latin typeface="Courier New" panose="02070309020205020404" pitchFamily="49" charset="0"/>
                 <a:cs typeface="Courier New" panose="02070309020205020404" pitchFamily="49" charset="0"/>
               </a:rPr>
@@ -13694,6 +16781,9 @@
             </a:r>
             <a:r>
               <a:rPr lang="en-US" sz="1400" dirty="0" err="1" smtClean="0">
+                <a:solidFill>
+                  <a:schemeClr val="bg1"/>
+                </a:solidFill>
                 <a:latin typeface="Courier New" panose="02070309020205020404" pitchFamily="49" charset="0"/>
                 <a:cs typeface="Courier New" panose="02070309020205020404" pitchFamily="49" charset="0"/>
               </a:rPr>
@@ -13701,6 +16791,9 @@
             </a:r>
             <a:r>
               <a:rPr lang="en-US" sz="1400" dirty="0" smtClean="0">
+                <a:solidFill>
+                  <a:schemeClr val="bg1"/>
+                </a:solidFill>
                 <a:latin typeface="Courier New" panose="02070309020205020404" pitchFamily="49" charset="0"/>
                 <a:cs typeface="Courier New" panose="02070309020205020404" pitchFamily="49" charset="0"/>
               </a:rPr>
@@ -13708,6 +16801,9 @@
             </a:r>
             <a:r>
               <a:rPr lang="en-US" sz="1400" dirty="0" err="1" smtClean="0">
+                <a:solidFill>
+                  <a:schemeClr val="bg1"/>
+                </a:solidFill>
                 <a:latin typeface="Courier New" panose="02070309020205020404" pitchFamily="49" charset="0"/>
                 <a:cs typeface="Courier New" panose="02070309020205020404" pitchFamily="49" charset="0"/>
               </a:rPr>
@@ -13715,6 +16811,9 @@
             </a:r>
             <a:r>
               <a:rPr lang="en-US" sz="1400" dirty="0" smtClean="0">
+                <a:solidFill>
+                  <a:schemeClr val="bg1"/>
+                </a:solidFill>
                 <a:latin typeface="Courier New" panose="02070309020205020404" pitchFamily="49" charset="0"/>
                 <a:cs typeface="Courier New" panose="02070309020205020404" pitchFamily="49" charset="0"/>
               </a:rPr>
@@ -13722,6 +16821,9 @@
             </a:r>
             <a:r>
               <a:rPr lang="en-US" sz="1400" b="1" dirty="0" smtClean="0">
+                <a:solidFill>
+                  <a:schemeClr val="bg1"/>
+                </a:solidFill>
                 <a:latin typeface="Courier New" panose="02070309020205020404" pitchFamily="49" charset="0"/>
                 <a:cs typeface="Courier New" panose="02070309020205020404" pitchFamily="49" charset="0"/>
               </a:rPr>
@@ -13729,6 +16831,9 @@
             </a:r>
             <a:r>
               <a:rPr lang="en-US" sz="1400" b="1" dirty="0" err="1" smtClean="0">
+                <a:solidFill>
+                  <a:schemeClr val="bg1"/>
+                </a:solidFill>
                 <a:latin typeface="Courier New" panose="02070309020205020404" pitchFamily="49" charset="0"/>
                 <a:cs typeface="Courier New" panose="02070309020205020404" pitchFamily="49" charset="0"/>
               </a:rPr>
@@ -13736,6 +16841,9 @@
             </a:r>
             <a:r>
               <a:rPr lang="en-US" sz="1400" b="1" dirty="0" smtClean="0">
+                <a:solidFill>
+                  <a:schemeClr val="bg1"/>
+                </a:solidFill>
                 <a:latin typeface="Courier New" panose="02070309020205020404" pitchFamily="49" charset="0"/>
                 <a:cs typeface="Courier New" panose="02070309020205020404" pitchFamily="49" charset="0"/>
               </a:rPr>
@@ -13743,12 +16851,18 @@
             </a:r>
             <a:r>
               <a:rPr lang="en-US" sz="1400" dirty="0" smtClean="0">
+                <a:solidFill>
+                  <a:schemeClr val="bg1"/>
+                </a:solidFill>
                 <a:latin typeface="Courier New" panose="02070309020205020404" pitchFamily="49" charset="0"/>
                 <a:cs typeface="Courier New" panose="02070309020205020404" pitchFamily="49" charset="0"/>
               </a:rPr>
               <a:t>)</a:t>
             </a:r>
             <a:endParaRPr lang="en-US" sz="1400" dirty="0">
+              <a:solidFill>
+                <a:schemeClr val="bg1"/>
+              </a:solidFill>
               <a:latin typeface="Courier New" panose="02070309020205020404" pitchFamily="49" charset="0"/>
               <a:cs typeface="Courier New" panose="02070309020205020404" pitchFamily="49" charset="0"/>
             </a:endParaRPr>
@@ -14040,7 +17154,15 @@
             </a:pPr>
             <a:r>
               <a:rPr lang="en-US" sz="1400" dirty="0" smtClean="0"/>
-              <a:t>Create a box</a:t>
+              <a:t>Create </a:t>
+            </a:r>
+            <a:r>
+              <a:rPr lang="en-US" sz="1400" dirty="0" smtClean="0"/>
+              <a:t>named shape with a </a:t>
+            </a:r>
+            <a:r>
+              <a:rPr lang="en-US" sz="1400" dirty="0" smtClean="0"/>
+              <a:t>box</a:t>
             </a:r>
           </a:p>
           <a:p>
@@ -14251,11 +17373,11 @@
           <p:nvPr/>
         </p:nvPicPr>
         <p:blipFill>
-          <a:blip r:embed="rId2">
+          <a:blip r:embed="rId3">
             <a:extLst>
               <a:ext uri="{BEBA8EAE-BF5A-486C-A8C5-ECC9F3942E4B}">
                 <a14:imgProps xmlns:a14="http://schemas.microsoft.com/office/drawing/2010/main">
-                  <a14:imgLayer r:embed="rId3">
+                  <a14:imgLayer r:embed="rId4">
                     <a14:imgEffect>
                       <a14:brightnessContrast bright="40000" contrast="-20000"/>
                     </a14:imgEffect>
@@ -14587,7 +17709,7 @@
           <p:nvPr/>
         </p:nvPicPr>
         <p:blipFill rotWithShape="1">
-          <a:blip r:embed="rId2">
+          <a:blip r:embed="rId3">
             <a:extLst>
               <a:ext uri="{28A0092B-C50C-407E-A947-70E740481C1C}">
                 <a14:useLocalDpi xmlns:a14="http://schemas.microsoft.com/office/drawing/2010/main" val="0"/>
@@ -14902,11 +18024,11 @@
           <p:nvPr/>
         </p:nvPicPr>
         <p:blipFill>
-          <a:blip r:embed="rId2">
+          <a:blip r:embed="rId3">
             <a:extLst>
               <a:ext uri="{BEBA8EAE-BF5A-486C-A8C5-ECC9F3942E4B}">
                 <a14:imgProps xmlns:a14="http://schemas.microsoft.com/office/drawing/2010/main">
-                  <a14:imgLayer r:embed="rId3">
+                  <a14:imgLayer r:embed="rId4">
                     <a14:imgEffect>
                       <a14:backgroundRemoval t="3137" b="100000" l="2653" r="95306"/>
                     </a14:imgEffect>
@@ -14965,7 +18087,7 @@
           <p:nvPr/>
         </p:nvPicPr>
         <p:blipFill>
-          <a:blip r:embed="rId4">
+          <a:blip r:embed="rId5">
             <a:extLst>
               <a:ext uri="{28A0092B-C50C-407E-A947-70E740481C1C}">
                 <a14:useLocalDpi xmlns:a14="http://schemas.microsoft.com/office/drawing/2010/main" val="0"/>
@@ -15006,7 +18128,7 @@
           <p:nvPr/>
         </p:nvPicPr>
         <p:blipFill rotWithShape="1">
-          <a:blip r:embed="rId5">
+          <a:blip r:embed="rId6">
             <a:extLst>
               <a:ext uri="{28A0092B-C50C-407E-A947-70E740481C1C}">
                 <a14:useLocalDpi xmlns:a14="http://schemas.microsoft.com/office/drawing/2010/main" val="0"/>
@@ -15428,7 +18550,7 @@
           <p:nvPr/>
         </p:nvPicPr>
         <p:blipFill>
-          <a:blip r:embed="rId2">
+          <a:blip r:embed="rId3">
             <a:extLst>
               <a:ext uri="{28A0092B-C50C-407E-A947-70E740481C1C}">
                 <a14:useLocalDpi xmlns:a14="http://schemas.microsoft.com/office/drawing/2010/main" val="0"/>
@@ -15820,7 +18942,7 @@
           <p:nvPr/>
         </p:nvPicPr>
         <p:blipFill>
-          <a:blip r:embed="rId2" cstate="print">
+          <a:blip r:embed="rId3" cstate="print">
             <a:extLst>
               <a:ext uri="{28A0092B-C50C-407E-A947-70E740481C1C}">
                 <a14:useLocalDpi xmlns:a14="http://schemas.microsoft.com/office/drawing/2010/main" val="0"/>
@@ -15919,7 +19041,7 @@
             </a:r>
             <a:r>
               <a:rPr lang="en-US" sz="1600" dirty="0">
-                <a:hlinkClick r:id="rId3"/>
+                <a:hlinkClick r:id="rId4"/>
               </a:rPr>
               <a:t>https://anaconda.org/DLR-SC/</a:t>
             </a:r>
@@ -15979,52 +19101,104 @@
         <p:spPr>
           <a:xfrm>
             <a:off x="2785219" y="5806058"/>
-            <a:ext cx="6768752" cy="576064"/>
+            <a:ext cx="6912768" cy="338554"/>
           </a:xfrm>
           <a:prstGeom prst="rect">
             <a:avLst/>
           </a:prstGeom>
           <a:solidFill>
-            <a:schemeClr val="tx2">
-              <a:lumMod val="20000"/>
-              <a:lumOff val="80000"/>
-            </a:schemeClr>
+            <a:schemeClr val="accent1"/>
           </a:solidFill>
-          <a:ln w="9525">
-            <a:solidFill>
-              <a:schemeClr val="tx1"/>
-            </a:solidFill>
-          </a:ln>
+          <a:effectLst>
+            <a:outerShdw blurRad="50800" dist="38100" dir="2700000" algn="tl" rotWithShape="0">
+              <a:prstClr val="black">
+                <a:alpha val="40000"/>
+              </a:prstClr>
+            </a:outerShdw>
+          </a:effectLst>
         </p:spPr>
-        <p:style>
-          <a:lnRef idx="2">
-            <a:schemeClr val="accent1">
-              <a:shade val="50000"/>
-            </a:schemeClr>
-          </a:lnRef>
-          <a:fillRef idx="1">
-            <a:schemeClr val="accent1"/>
-          </a:fillRef>
-          <a:effectRef idx="0">
-            <a:schemeClr val="accent1"/>
-          </a:effectRef>
-          <a:fontRef idx="minor">
-            <a:schemeClr val="lt1"/>
-          </a:fontRef>
-        </p:style>
-        <p:txBody>
-          <a:bodyPr rtlCol="0" anchor="ctr">
-            <a:noAutofit/>
+        <p:txBody>
+          <a:bodyPr wrap="square">
+            <a:spAutoFit/>
           </a:bodyPr>
           <a:lstStyle/>
           <a:p>
-            <a:pPr algn="ctr"/>
-            <a:endParaRPr lang="en-US" dirty="0" smtClean="0">
+            <a:r>
+              <a:rPr lang="en-US" sz="1600" dirty="0" smtClean="0">
+                <a:solidFill>
+                  <a:schemeClr val="bg1"/>
+                </a:solidFill>
+                <a:latin typeface="Courier New" panose="02070309020205020404" pitchFamily="49" charset="0"/>
+                <a:cs typeface="Courier New" panose="02070309020205020404" pitchFamily="49" charset="0"/>
+              </a:rPr>
+              <a:t>&gt;&gt; </a:t>
+            </a:r>
+            <a:r>
+              <a:rPr lang="en-US" sz="1600" dirty="0" err="1" smtClean="0">
+                <a:solidFill>
+                  <a:schemeClr val="bg1"/>
+                </a:solidFill>
+                <a:latin typeface="Courier New" panose="02070309020205020404" pitchFamily="49" charset="0"/>
+                <a:cs typeface="Courier New" panose="02070309020205020404" pitchFamily="49" charset="0"/>
+              </a:rPr>
+              <a:t>conda</a:t>
+            </a:r>
+            <a:r>
+              <a:rPr lang="en-US" sz="1600" dirty="0" smtClean="0">
+                <a:solidFill>
+                  <a:schemeClr val="bg1"/>
+                </a:solidFill>
+                <a:latin typeface="Courier New" panose="02070309020205020404" pitchFamily="49" charset="0"/>
+                <a:cs typeface="Courier New" panose="02070309020205020404" pitchFamily="49" charset="0"/>
+              </a:rPr>
+              <a:t> </a:t>
+            </a:r>
+            <a:r>
+              <a:rPr lang="en-US" sz="1600" dirty="0">
+                <a:solidFill>
+                  <a:schemeClr val="bg1"/>
+                </a:solidFill>
+                <a:latin typeface="Courier New" panose="02070309020205020404" pitchFamily="49" charset="0"/>
+                <a:cs typeface="Courier New" panose="02070309020205020404" pitchFamily="49" charset="0"/>
+              </a:rPr>
+              <a:t>install </a:t>
+            </a:r>
+            <a:r>
+              <a:rPr lang="en-US" sz="1600" dirty="0" err="1">
+                <a:solidFill>
+                  <a:schemeClr val="bg1"/>
+                </a:solidFill>
+                <a:latin typeface="Courier New" panose="02070309020205020404" pitchFamily="49" charset="0"/>
+                <a:cs typeface="Courier New" panose="02070309020205020404" pitchFamily="49" charset="0"/>
+              </a:rPr>
+              <a:t>numpy</a:t>
+            </a:r>
+            <a:r>
+              <a:rPr lang="en-US" sz="1600" dirty="0">
+                <a:solidFill>
+                  <a:schemeClr val="bg1"/>
+                </a:solidFill>
+                <a:latin typeface="Courier New" panose="02070309020205020404" pitchFamily="49" charset="0"/>
+                <a:cs typeface="Courier New" panose="02070309020205020404" pitchFamily="49" charset="0"/>
+              </a:rPr>
+              <a:t> </a:t>
+            </a:r>
+            <a:r>
+              <a:rPr lang="en-US" sz="1600" dirty="0" err="1">
+                <a:solidFill>
+                  <a:schemeClr val="bg1"/>
+                </a:solidFill>
+                <a:latin typeface="Courier New" panose="02070309020205020404" pitchFamily="49" charset="0"/>
+                <a:cs typeface="Courier New" panose="02070309020205020404" pitchFamily="49" charset="0"/>
+              </a:rPr>
+              <a:t>matplotlib</a:t>
+            </a:r>
+            <a:endParaRPr lang="en-US" sz="1600" dirty="0">
               <a:solidFill>
-                <a:schemeClr val="tx1"/>
+                <a:schemeClr val="bg1"/>
               </a:solidFill>
-              <a:latin typeface="Arial" pitchFamily="34" charset="0"/>
-              <a:cs typeface="Arial" pitchFamily="34" charset="0"/>
+              <a:latin typeface="Courier New" panose="02070309020205020404" pitchFamily="49" charset="0"/>
+              <a:cs typeface="Courier New" panose="02070309020205020404" pitchFamily="49" charset="0"/>
             </a:endParaRPr>
           </a:p>
         </p:txBody>
@@ -16038,52 +19212,64 @@
         <p:spPr>
           <a:xfrm>
             <a:off x="2785219" y="4365898"/>
-            <a:ext cx="6768752" cy="576064"/>
+            <a:ext cx="6912768" cy="338554"/>
           </a:xfrm>
           <a:prstGeom prst="rect">
             <a:avLst/>
           </a:prstGeom>
           <a:solidFill>
-            <a:schemeClr val="tx2">
-              <a:lumMod val="20000"/>
-              <a:lumOff val="80000"/>
-            </a:schemeClr>
+            <a:schemeClr val="accent1"/>
           </a:solidFill>
-          <a:ln w="9525">
-            <a:solidFill>
-              <a:schemeClr val="tx1"/>
-            </a:solidFill>
-          </a:ln>
+          <a:effectLst>
+            <a:outerShdw blurRad="50800" dist="38100" dir="2700000" algn="tl" rotWithShape="0">
+              <a:prstClr val="black">
+                <a:alpha val="40000"/>
+              </a:prstClr>
+            </a:outerShdw>
+          </a:effectLst>
         </p:spPr>
-        <p:style>
-          <a:lnRef idx="2">
-            <a:schemeClr val="accent1">
-              <a:shade val="50000"/>
-            </a:schemeClr>
-          </a:lnRef>
-          <a:fillRef idx="1">
-            <a:schemeClr val="accent1"/>
-          </a:fillRef>
-          <a:effectRef idx="0">
-            <a:schemeClr val="accent1"/>
-          </a:effectRef>
-          <a:fontRef idx="minor">
-            <a:schemeClr val="lt1"/>
-          </a:fontRef>
-        </p:style>
-        <p:txBody>
-          <a:bodyPr rtlCol="0" anchor="ctr">
-            <a:noAutofit/>
+        <p:txBody>
+          <a:bodyPr wrap="square">
+            <a:spAutoFit/>
           </a:bodyPr>
           <a:lstStyle/>
           <a:p>
-            <a:pPr algn="ctr"/>
-            <a:endParaRPr lang="en-US" dirty="0" smtClean="0">
+            <a:r>
+              <a:rPr lang="en-US" sz="1600" dirty="0" smtClean="0">
+                <a:solidFill>
+                  <a:schemeClr val="bg1"/>
+                </a:solidFill>
+                <a:latin typeface="Courier New" panose="02070309020205020404" pitchFamily="49" charset="0"/>
+                <a:cs typeface="Courier New" panose="02070309020205020404" pitchFamily="49" charset="0"/>
+              </a:rPr>
+              <a:t>&gt;&gt; source </a:t>
+            </a:r>
+            <a:r>
+              <a:rPr lang="en-US" sz="1600" dirty="0">
+                <a:solidFill>
+                  <a:schemeClr val="bg1"/>
+                </a:solidFill>
+                <a:latin typeface="Courier New" panose="02070309020205020404" pitchFamily="49" charset="0"/>
+                <a:cs typeface="Courier New" panose="02070309020205020404" pitchFamily="49" charset="0"/>
+              </a:rPr>
+              <a:t>activate </a:t>
+            </a:r>
+            <a:r>
+              <a:rPr lang="en-US" sz="1600" dirty="0" err="1">
+                <a:solidFill>
+                  <a:schemeClr val="bg1"/>
+                </a:solidFill>
+                <a:latin typeface="Courier New" panose="02070309020205020404" pitchFamily="49" charset="0"/>
+                <a:cs typeface="Courier New" panose="02070309020205020404" pitchFamily="49" charset="0"/>
+              </a:rPr>
+              <a:t>tigl_env</a:t>
+            </a:r>
+            <a:endParaRPr lang="en-US" sz="1600" dirty="0">
               <a:solidFill>
-                <a:schemeClr val="tx1"/>
+                <a:schemeClr val="bg1"/>
               </a:solidFill>
-              <a:latin typeface="Arial" pitchFamily="34" charset="0"/>
-              <a:cs typeface="Arial" pitchFamily="34" charset="0"/>
+              <a:latin typeface="Courier New" panose="02070309020205020404" pitchFamily="49" charset="0"/>
+              <a:cs typeface="Courier New" panose="02070309020205020404" pitchFamily="49" charset="0"/>
             </a:endParaRPr>
           </a:p>
         </p:txBody>
@@ -16097,53 +19283,58 @@
         <p:spPr>
           <a:xfrm>
             <a:off x="2785219" y="3501802"/>
-            <a:ext cx="6768752" cy="576064"/>
+            <a:ext cx="6912768" cy="338554"/>
           </a:xfrm>
           <a:prstGeom prst="rect">
             <a:avLst/>
           </a:prstGeom>
           <a:solidFill>
-            <a:schemeClr val="tx2">
-              <a:lumMod val="20000"/>
-              <a:lumOff val="80000"/>
-            </a:schemeClr>
+            <a:schemeClr val="accent1"/>
           </a:solidFill>
-          <a:ln w="9525">
-            <a:solidFill>
-              <a:schemeClr val="tx1"/>
-            </a:solidFill>
-          </a:ln>
+          <a:effectLst>
+            <a:outerShdw blurRad="50800" dist="38100" dir="2700000" algn="tl" rotWithShape="0">
+              <a:prstClr val="black">
+                <a:alpha val="40000"/>
+              </a:prstClr>
+            </a:outerShdw>
+          </a:effectLst>
         </p:spPr>
-        <p:style>
-          <a:lnRef idx="2">
-            <a:schemeClr val="accent1">
-              <a:shade val="50000"/>
-            </a:schemeClr>
-          </a:lnRef>
-          <a:fillRef idx="1">
-            <a:schemeClr val="accent1"/>
-          </a:fillRef>
-          <a:effectRef idx="0">
-            <a:schemeClr val="accent1"/>
-          </a:effectRef>
-          <a:fontRef idx="minor">
-            <a:schemeClr val="lt1"/>
-          </a:fontRef>
-        </p:style>
-        <p:txBody>
-          <a:bodyPr rtlCol="0" anchor="ctr">
-            <a:noAutofit/>
+        <p:txBody>
+          <a:bodyPr wrap="square">
+            <a:spAutoFit/>
           </a:bodyPr>
           <a:lstStyle/>
           <a:p>
-            <a:pPr algn="ctr"/>
-            <a:endParaRPr lang="en-US" dirty="0" smtClean="0">
-              <a:solidFill>
-                <a:schemeClr val="tx1"/>
-              </a:solidFill>
-              <a:latin typeface="Arial" pitchFamily="34" charset="0"/>
-              <a:cs typeface="Arial" pitchFamily="34" charset="0"/>
-            </a:endParaRPr>
+            <a:r>
+              <a:rPr lang="en-US" sz="1600" dirty="0" smtClean="0">
+                <a:solidFill>
+                  <a:schemeClr val="bg1"/>
+                </a:solidFill>
+                <a:latin typeface="Courier New" panose="02070309020205020404" pitchFamily="49" charset="0"/>
+                <a:cs typeface="Courier New" panose="02070309020205020404" pitchFamily="49" charset="0"/>
+              </a:rPr>
+              <a:t>&gt;&gt; activate </a:t>
+            </a:r>
+            <a:r>
+              <a:rPr lang="en-US" sz="1600" dirty="0" err="1">
+                <a:solidFill>
+                  <a:schemeClr val="bg1"/>
+                </a:solidFill>
+                <a:latin typeface="Courier New" panose="02070309020205020404" pitchFamily="49" charset="0"/>
+                <a:cs typeface="Courier New" panose="02070309020205020404" pitchFamily="49" charset="0"/>
+              </a:rPr>
+              <a:t>tigl_env</a:t>
+            </a:r>
+            <a:r>
+              <a:rPr lang="en-US" sz="1600" dirty="0">
+                <a:solidFill>
+                  <a:schemeClr val="bg1"/>
+                </a:solidFill>
+                <a:latin typeface="Courier New" panose="02070309020205020404" pitchFamily="49" charset="0"/>
+                <a:cs typeface="Courier New" panose="02070309020205020404" pitchFamily="49" charset="0"/>
+              </a:rPr>
+              <a:t> </a:t>
+            </a:r>
           </a:p>
         </p:txBody>
       </p:sp>
@@ -16156,52 +19347,104 @@
         <p:spPr>
           <a:xfrm>
             <a:off x="2785219" y="2061642"/>
-            <a:ext cx="6768752" cy="576064"/>
+            <a:ext cx="6912768" cy="338554"/>
           </a:xfrm>
           <a:prstGeom prst="rect">
             <a:avLst/>
           </a:prstGeom>
           <a:solidFill>
-            <a:schemeClr val="tx2">
-              <a:lumMod val="20000"/>
-              <a:lumOff val="80000"/>
-            </a:schemeClr>
+            <a:schemeClr val="accent1"/>
           </a:solidFill>
-          <a:ln w="9525">
-            <a:solidFill>
-              <a:schemeClr val="tx1"/>
-            </a:solidFill>
-          </a:ln>
+          <a:effectLst>
+            <a:outerShdw blurRad="50800" dist="38100" dir="2700000" algn="tl" rotWithShape="0">
+              <a:prstClr val="black">
+                <a:alpha val="40000"/>
+              </a:prstClr>
+            </a:outerShdw>
+          </a:effectLst>
         </p:spPr>
-        <p:style>
-          <a:lnRef idx="2">
-            <a:schemeClr val="accent1">
-              <a:shade val="50000"/>
-            </a:schemeClr>
-          </a:lnRef>
-          <a:fillRef idx="1">
-            <a:schemeClr val="accent1"/>
-          </a:fillRef>
-          <a:effectRef idx="0">
-            <a:schemeClr val="accent1"/>
-          </a:effectRef>
-          <a:fontRef idx="minor">
-            <a:schemeClr val="lt1"/>
-          </a:fontRef>
-        </p:style>
-        <p:txBody>
-          <a:bodyPr rtlCol="0" anchor="ctr">
-            <a:noAutofit/>
+        <p:txBody>
+          <a:bodyPr wrap="square">
+            <a:spAutoFit/>
           </a:bodyPr>
           <a:lstStyle/>
           <a:p>
-            <a:pPr algn="ctr"/>
-            <a:endParaRPr lang="en-US" dirty="0" smtClean="0">
+            <a:r>
+              <a:rPr lang="en-US" sz="1600" dirty="0" smtClean="0">
+                <a:solidFill>
+                  <a:schemeClr val="bg1"/>
+                </a:solidFill>
+                <a:latin typeface="Courier New" panose="02070309020205020404" pitchFamily="49" charset="0"/>
+                <a:cs typeface="Courier New" panose="02070309020205020404" pitchFamily="49" charset="0"/>
+              </a:rPr>
+              <a:t>&gt;&gt; </a:t>
+            </a:r>
+            <a:r>
+              <a:rPr lang="en-US" sz="1600" dirty="0" err="1" smtClean="0">
+                <a:solidFill>
+                  <a:schemeClr val="bg1"/>
+                </a:solidFill>
+                <a:latin typeface="Courier New" panose="02070309020205020404" pitchFamily="49" charset="0"/>
+                <a:cs typeface="Courier New" panose="02070309020205020404" pitchFamily="49" charset="0"/>
+              </a:rPr>
+              <a:t>conda</a:t>
+            </a:r>
+            <a:r>
+              <a:rPr lang="en-US" sz="1600" dirty="0" smtClean="0">
+                <a:solidFill>
+                  <a:schemeClr val="bg1"/>
+                </a:solidFill>
+                <a:latin typeface="Courier New" panose="02070309020205020404" pitchFamily="49" charset="0"/>
+                <a:cs typeface="Courier New" panose="02070309020205020404" pitchFamily="49" charset="0"/>
+              </a:rPr>
+              <a:t> </a:t>
+            </a:r>
+            <a:r>
+              <a:rPr lang="en-US" sz="1600" dirty="0">
+                <a:solidFill>
+                  <a:schemeClr val="bg1"/>
+                </a:solidFill>
+                <a:latin typeface="Courier New" panose="02070309020205020404" pitchFamily="49" charset="0"/>
+                <a:cs typeface="Courier New" panose="02070309020205020404" pitchFamily="49" charset="0"/>
+              </a:rPr>
+              <a:t>create -n </a:t>
+            </a:r>
+            <a:r>
+              <a:rPr lang="en-US" sz="1600" dirty="0" err="1">
+                <a:solidFill>
+                  <a:schemeClr val="bg1"/>
+                </a:solidFill>
+                <a:latin typeface="Courier New" panose="02070309020205020404" pitchFamily="49" charset="0"/>
+                <a:cs typeface="Courier New" panose="02070309020205020404" pitchFamily="49" charset="0"/>
+              </a:rPr>
+              <a:t>tigl_env</a:t>
+            </a:r>
+            <a:r>
+              <a:rPr lang="en-US" sz="1600" dirty="0">
+                <a:solidFill>
+                  <a:schemeClr val="bg1"/>
+                </a:solidFill>
+                <a:latin typeface="Courier New" panose="02070309020205020404" pitchFamily="49" charset="0"/>
+                <a:cs typeface="Courier New" panose="02070309020205020404" pitchFamily="49" charset="0"/>
+              </a:rPr>
+              <a:t> tigl3 python=3.5 –c </a:t>
+            </a:r>
+            <a:r>
+              <a:rPr lang="en-US" sz="1600" dirty="0" err="1">
+                <a:solidFill>
+                  <a:schemeClr val="bg1"/>
+                </a:solidFill>
+                <a:latin typeface="Courier New" panose="02070309020205020404" pitchFamily="49" charset="0"/>
+                <a:cs typeface="Courier New" panose="02070309020205020404" pitchFamily="49" charset="0"/>
+              </a:rPr>
+              <a:t>dlr-sc</a:t>
+            </a:r>
+            <a:endParaRPr lang="en-US" sz="1600" dirty="0">
               <a:solidFill>
-                <a:schemeClr val="tx1"/>
+                <a:schemeClr val="bg1"/>
               </a:solidFill>
-              <a:latin typeface="Arial" pitchFamily="34" charset="0"/>
-              <a:cs typeface="Arial" pitchFamily="34" charset="0"/>
+              <a:latin typeface="Courier New" panose="02070309020205020404" pitchFamily="49" charset="0"/>
+              <a:cs typeface="Courier New" panose="02070309020205020404" pitchFamily="49" charset="0"/>
             </a:endParaRPr>
           </a:p>
         </p:txBody>
@@ -16249,7 +19492,7 @@
         <p:spPr>
           <a:xfrm>
             <a:off x="486000" y="1591200"/>
-            <a:ext cx="11300219" cy="4338000"/>
+            <a:ext cx="10004075" cy="4338000"/>
           </a:xfrm>
         </p:spPr>
         <p:txBody>
@@ -16294,50 +19537,6 @@
           </a:p>
           <a:p>
             <a:endParaRPr lang="en-US" dirty="0" smtClean="0"/>
-          </a:p>
-          <a:p>
-            <a:pPr marL="0" indent="0" algn="ctr">
-              <a:buNone/>
-            </a:pPr>
-            <a:r>
-              <a:rPr lang="en-US" sz="1600" dirty="0" err="1" smtClean="0">
-                <a:latin typeface="Courier New" panose="02070309020205020404" pitchFamily="49" charset="0"/>
-                <a:cs typeface="Courier New" panose="02070309020205020404" pitchFamily="49" charset="0"/>
-              </a:rPr>
-              <a:t>conda</a:t>
-            </a:r>
-            <a:r>
-              <a:rPr lang="en-US" sz="1600" dirty="0" smtClean="0">
-                <a:latin typeface="Courier New" panose="02070309020205020404" pitchFamily="49" charset="0"/>
-                <a:cs typeface="Courier New" panose="02070309020205020404" pitchFamily="49" charset="0"/>
-              </a:rPr>
-              <a:t> create -n </a:t>
-            </a:r>
-            <a:r>
-              <a:rPr lang="en-US" sz="1600" dirty="0" err="1" smtClean="0">
-                <a:latin typeface="Courier New" panose="02070309020205020404" pitchFamily="49" charset="0"/>
-                <a:cs typeface="Courier New" panose="02070309020205020404" pitchFamily="49" charset="0"/>
-              </a:rPr>
-              <a:t>tigl_env</a:t>
-            </a:r>
-            <a:r>
-              <a:rPr lang="en-US" sz="1600" dirty="0" smtClean="0">
-                <a:latin typeface="Courier New" panose="02070309020205020404" pitchFamily="49" charset="0"/>
-                <a:cs typeface="Courier New" panose="02070309020205020404" pitchFamily="49" charset="0"/>
-              </a:rPr>
-              <a:t> tigl3 python=3.5 –c </a:t>
-            </a:r>
-            <a:r>
-              <a:rPr lang="en-US" sz="1600" dirty="0" err="1" smtClean="0">
-                <a:latin typeface="Courier New" panose="02070309020205020404" pitchFamily="49" charset="0"/>
-                <a:cs typeface="Courier New" panose="02070309020205020404" pitchFamily="49" charset="0"/>
-              </a:rPr>
-              <a:t>dlr-sc</a:t>
-            </a:r>
-            <a:endParaRPr lang="en-US" sz="1600" dirty="0" smtClean="0">
-              <a:latin typeface="Courier New" panose="02070309020205020404" pitchFamily="49" charset="0"/>
-              <a:cs typeface="Courier New" panose="02070309020205020404" pitchFamily="49" charset="0"/>
-            </a:endParaRPr>
           </a:p>
           <a:p>
             <a:pPr marL="0" indent="0" algn="ctr">
@@ -16372,36 +19571,49 @@
             </a:r>
           </a:p>
           <a:p>
-            <a:pPr marL="0" indent="0">
-              <a:buNone/>
-            </a:pPr>
-            <a:endParaRPr lang="en-US" dirty="0" smtClean="0"/>
-          </a:p>
-          <a:p>
             <a:pPr marL="0" indent="0" algn="ctr">
               <a:buNone/>
             </a:pPr>
-            <a:r>
-              <a:rPr lang="en-US" sz="1600" dirty="0" smtClean="0">
-                <a:latin typeface="Courier New" panose="02070309020205020404" pitchFamily="49" charset="0"/>
-                <a:cs typeface="Courier New" panose="02070309020205020404" pitchFamily="49" charset="0"/>
-              </a:rPr>
-              <a:t>activate </a:t>
-            </a:r>
-            <a:r>
-              <a:rPr lang="en-US" sz="1600" dirty="0" err="1" smtClean="0">
-                <a:latin typeface="Courier New" panose="02070309020205020404" pitchFamily="49" charset="0"/>
-                <a:cs typeface="Courier New" panose="02070309020205020404" pitchFamily="49" charset="0"/>
-              </a:rPr>
-              <a:t>tigl_env</a:t>
-            </a:r>
-            <a:r>
-              <a:rPr lang="en-US" sz="1600" dirty="0" smtClean="0">
-                <a:latin typeface="Courier New" panose="02070309020205020404" pitchFamily="49" charset="0"/>
-                <a:cs typeface="Courier New" panose="02070309020205020404" pitchFamily="49" charset="0"/>
-              </a:rPr>
-              <a:t> </a:t>
-            </a:r>
+            <a:endParaRPr lang="de-DE" sz="1600" dirty="0">
+              <a:latin typeface="Courier New" panose="02070309020205020404" pitchFamily="49" charset="0"/>
+              <a:cs typeface="Courier New" panose="02070309020205020404" pitchFamily="49" charset="0"/>
+            </a:endParaRPr>
+          </a:p>
+          <a:p>
+            <a:pPr marL="0" indent="0" algn="ctr">
+              <a:buNone/>
+            </a:pPr>
+            <a:endParaRPr lang="de-DE" sz="1600" dirty="0" smtClean="0">
+              <a:latin typeface="Courier New" panose="02070309020205020404" pitchFamily="49" charset="0"/>
+              <a:cs typeface="Courier New" panose="02070309020205020404" pitchFamily="49" charset="0"/>
+            </a:endParaRPr>
+          </a:p>
+          <a:p>
+            <a:pPr marL="0" indent="0" algn="ctr">
+              <a:buNone/>
+            </a:pPr>
+            <a:endParaRPr lang="de-DE" sz="1600" dirty="0">
+              <a:latin typeface="Courier New" panose="02070309020205020404" pitchFamily="49" charset="0"/>
+              <a:cs typeface="Courier New" panose="02070309020205020404" pitchFamily="49" charset="0"/>
+            </a:endParaRPr>
+          </a:p>
+          <a:p>
+            <a:pPr marL="0" indent="0" algn="ctr">
+              <a:buNone/>
+            </a:pPr>
+            <a:endParaRPr lang="de-DE" sz="1600" dirty="0" smtClean="0">
+              <a:latin typeface="Courier New" panose="02070309020205020404" pitchFamily="49" charset="0"/>
+              <a:cs typeface="Courier New" panose="02070309020205020404" pitchFamily="49" charset="0"/>
+            </a:endParaRPr>
+          </a:p>
+          <a:p>
+            <a:pPr marL="0" indent="0" algn="ctr">
+              <a:buNone/>
+            </a:pPr>
+            <a:endParaRPr lang="de-DE" sz="1600" dirty="0">
+              <a:latin typeface="Courier New" panose="02070309020205020404" pitchFamily="49" charset="0"/>
+              <a:cs typeface="Courier New" panose="02070309020205020404" pitchFamily="49" charset="0"/>
+            </a:endParaRPr>
           </a:p>
           <a:p>
             <a:pPr marL="0" indent="0" algn="ctr">
@@ -16422,104 +19634,24 @@
             </a:endParaRPr>
           </a:p>
           <a:p>
-            <a:pPr marL="0" indent="0" algn="ctr">
-              <a:buNone/>
-            </a:pPr>
-            <a:r>
-              <a:rPr lang="en-US" sz="1600" dirty="0" smtClean="0">
-                <a:latin typeface="Courier New" panose="02070309020205020404" pitchFamily="49" charset="0"/>
-                <a:cs typeface="Courier New" panose="02070309020205020404" pitchFamily="49" charset="0"/>
-              </a:rPr>
-              <a:t>source activate </a:t>
-            </a:r>
-            <a:r>
-              <a:rPr lang="en-US" sz="1600" dirty="0" err="1" smtClean="0">
-                <a:latin typeface="Courier New" panose="02070309020205020404" pitchFamily="49" charset="0"/>
-                <a:cs typeface="Courier New" panose="02070309020205020404" pitchFamily="49" charset="0"/>
-              </a:rPr>
-              <a:t>tigl_env</a:t>
-            </a:r>
-            <a:endParaRPr lang="en-US" sz="1600" dirty="0" smtClean="0">
-              <a:latin typeface="Courier New" panose="02070309020205020404" pitchFamily="49" charset="0"/>
-              <a:cs typeface="Courier New" panose="02070309020205020404" pitchFamily="49" charset="0"/>
-            </a:endParaRPr>
-          </a:p>
-          <a:p>
-            <a:pPr marL="0" indent="0" algn="ctr">
-              <a:buNone/>
-            </a:pPr>
-            <a:endParaRPr lang="en-US" sz="1600" dirty="0" smtClean="0">
-              <a:latin typeface="Courier New" panose="02070309020205020404" pitchFamily="49" charset="0"/>
-              <a:cs typeface="Courier New" panose="02070309020205020404" pitchFamily="49" charset="0"/>
-            </a:endParaRPr>
-          </a:p>
-          <a:p>
-            <a:pPr marL="0" indent="0" algn="ctr">
-              <a:buNone/>
-            </a:pPr>
-            <a:endParaRPr lang="en-US" sz="1600" dirty="0" smtClean="0">
-              <a:latin typeface="Courier New" panose="02070309020205020404" pitchFamily="49" charset="0"/>
-              <a:cs typeface="Courier New" panose="02070309020205020404" pitchFamily="49" charset="0"/>
-            </a:endParaRPr>
-          </a:p>
-          <a:p>
             <a:pPr marL="0" indent="0">
               <a:buNone/>
             </a:pPr>
             <a:r>
               <a:rPr lang="en-US" dirty="0" smtClean="0"/>
-              <a:t>3. There, install other packages or run python interpreter, e.g.:</a:t>
-            </a:r>
+              <a:t>3. There, install other packages or run python interpreter, e.g</a:t>
+            </a:r>
+            <a:r>
+              <a:rPr lang="en-US" dirty="0" smtClean="0"/>
+              <a:t>.:	</a:t>
+            </a:r>
+            <a:endParaRPr lang="en-US" dirty="0" smtClean="0"/>
           </a:p>
           <a:p>
             <a:pPr marL="0" indent="0">
               <a:buNone/>
             </a:pPr>
             <a:endParaRPr lang="en-US" dirty="0" smtClean="0"/>
-          </a:p>
-          <a:p>
-            <a:pPr marL="0" indent="0" algn="ctr">
-              <a:buNone/>
-            </a:pPr>
-            <a:r>
-              <a:rPr lang="en-US" sz="1600" dirty="0" err="1" smtClean="0">
-                <a:latin typeface="Courier New" panose="02070309020205020404" pitchFamily="49" charset="0"/>
-                <a:cs typeface="Courier New" panose="02070309020205020404" pitchFamily="49" charset="0"/>
-              </a:rPr>
-              <a:t>conda</a:t>
-            </a:r>
-            <a:r>
-              <a:rPr lang="en-US" sz="1600" dirty="0" smtClean="0">
-                <a:latin typeface="Courier New" panose="02070309020205020404" pitchFamily="49" charset="0"/>
-                <a:cs typeface="Courier New" panose="02070309020205020404" pitchFamily="49" charset="0"/>
-              </a:rPr>
-              <a:t> install </a:t>
-            </a:r>
-            <a:r>
-              <a:rPr lang="en-US" sz="1600" dirty="0" err="1" smtClean="0">
-                <a:latin typeface="Courier New" panose="02070309020205020404" pitchFamily="49" charset="0"/>
-                <a:cs typeface="Courier New" panose="02070309020205020404" pitchFamily="49" charset="0"/>
-              </a:rPr>
-              <a:t>numpy</a:t>
-            </a:r>
-            <a:r>
-              <a:rPr lang="en-US" sz="1600" dirty="0" smtClean="0">
-                <a:latin typeface="Courier New" panose="02070309020205020404" pitchFamily="49" charset="0"/>
-                <a:cs typeface="Courier New" panose="02070309020205020404" pitchFamily="49" charset="0"/>
-              </a:rPr>
-              <a:t> </a:t>
-            </a:r>
-            <a:r>
-              <a:rPr lang="en-US" sz="1600" dirty="0" err="1" smtClean="0">
-                <a:latin typeface="Courier New" panose="02070309020205020404" pitchFamily="49" charset="0"/>
-                <a:cs typeface="Courier New" panose="02070309020205020404" pitchFamily="49" charset="0"/>
-              </a:rPr>
-              <a:t>matplotlib</a:t>
-            </a:r>
-            <a:endParaRPr lang="en-US" sz="1600" dirty="0">
-              <a:latin typeface="Courier New" panose="02070309020205020404" pitchFamily="49" charset="0"/>
-              <a:cs typeface="Courier New" panose="02070309020205020404" pitchFamily="49" charset="0"/>
-            </a:endParaRPr>
           </a:p>
         </p:txBody>
       </p:sp>
@@ -16590,7 +19722,7 @@
         </p:nvSpPr>
         <p:spPr>
           <a:xfrm>
-            <a:off x="10274051" y="3717826"/>
+            <a:off x="10274051" y="3645818"/>
             <a:ext cx="1038746" cy="276999"/>
           </a:xfrm>
           <a:prstGeom prst="rect">
@@ -16640,7 +19772,7 @@
         </p:nvSpPr>
         <p:spPr>
           <a:xfrm>
-            <a:off x="10274051" y="4448939"/>
+            <a:off x="10274051" y="4376931"/>
             <a:ext cx="1128514" cy="276999"/>
           </a:xfrm>
           <a:prstGeom prst="rect">
@@ -16907,7 +20039,7 @@
           <p:nvPr/>
         </p:nvPicPr>
         <p:blipFill>
-          <a:blip r:embed="rId2">
+          <a:blip r:embed="rId3">
             <a:extLst>
               <a:ext uri="{28A0092B-C50C-407E-A947-70E740481C1C}">
                 <a14:useLocalDpi xmlns:a14="http://schemas.microsoft.com/office/drawing/2010/main" val="0"/>
